--- a/docs/deployment_guide/images/nvidia-cloudxr-architecture-diagram.pptx
+++ b/docs/deployment_guide/images/nvidia-cloudxr-architecture-diagram.pptx
@@ -104,6 +104,11 @@
       </a:defRPr>
     </a:lvl9pPr>
   </p:defaultTextStyle>
+  <p:extLst>
+    <p:ext uri="{EFAFB233-063F-42B5-8137-9DF3F51BA10A}">
+      <p15:sldGuideLst xmlns:p15="http://schemas.microsoft.com/office/powerpoint/2012/main"/>
+    </p:ext>
+  </p:extLst>
 </p:presentation>
 </file>
 
@@ -254,7 +259,7 @@
           <a:p>
             <a:fld id="{57FDE35A-8C5E-412B-9F88-2F523D6285FF}" type="datetimeFigureOut">
               <a:rPr lang="en-US" smtClean="0"/>
-              <a:t>12/2/2022</a:t>
+              <a:t>1/30/2023</a:t>
             </a:fld>
             <a:endParaRPr lang="en-US"/>
           </a:p>
@@ -452,7 +457,7 @@
           <a:p>
             <a:fld id="{57FDE35A-8C5E-412B-9F88-2F523D6285FF}" type="datetimeFigureOut">
               <a:rPr lang="en-US" smtClean="0"/>
-              <a:t>12/2/2022</a:t>
+              <a:t>1/30/2023</a:t>
             </a:fld>
             <a:endParaRPr lang="en-US"/>
           </a:p>
@@ -660,7 +665,7 @@
           <a:p>
             <a:fld id="{57FDE35A-8C5E-412B-9F88-2F523D6285FF}" type="datetimeFigureOut">
               <a:rPr lang="en-US" smtClean="0"/>
-              <a:t>12/2/2022</a:t>
+              <a:t>1/30/2023</a:t>
             </a:fld>
             <a:endParaRPr lang="en-US"/>
           </a:p>
@@ -858,7 +863,7 @@
           <a:p>
             <a:fld id="{57FDE35A-8C5E-412B-9F88-2F523D6285FF}" type="datetimeFigureOut">
               <a:rPr lang="en-US" smtClean="0"/>
-              <a:t>12/2/2022</a:t>
+              <a:t>1/30/2023</a:t>
             </a:fld>
             <a:endParaRPr lang="en-US"/>
           </a:p>
@@ -1133,7 +1138,7 @@
           <a:p>
             <a:fld id="{57FDE35A-8C5E-412B-9F88-2F523D6285FF}" type="datetimeFigureOut">
               <a:rPr lang="en-US" smtClean="0"/>
-              <a:t>12/2/2022</a:t>
+              <a:t>1/30/2023</a:t>
             </a:fld>
             <a:endParaRPr lang="en-US"/>
           </a:p>
@@ -1398,7 +1403,7 @@
           <a:p>
             <a:fld id="{57FDE35A-8C5E-412B-9F88-2F523D6285FF}" type="datetimeFigureOut">
               <a:rPr lang="en-US" smtClean="0"/>
-              <a:t>12/2/2022</a:t>
+              <a:t>1/30/2023</a:t>
             </a:fld>
             <a:endParaRPr lang="en-US"/>
           </a:p>
@@ -1810,7 +1815,7 @@
           <a:p>
             <a:fld id="{57FDE35A-8C5E-412B-9F88-2F523D6285FF}" type="datetimeFigureOut">
               <a:rPr lang="en-US" smtClean="0"/>
-              <a:t>12/2/2022</a:t>
+              <a:t>1/30/2023</a:t>
             </a:fld>
             <a:endParaRPr lang="en-US"/>
           </a:p>
@@ -1951,7 +1956,7 @@
           <a:p>
             <a:fld id="{57FDE35A-8C5E-412B-9F88-2F523D6285FF}" type="datetimeFigureOut">
               <a:rPr lang="en-US" smtClean="0"/>
-              <a:t>12/2/2022</a:t>
+              <a:t>1/30/2023</a:t>
             </a:fld>
             <a:endParaRPr lang="en-US"/>
           </a:p>
@@ -2064,7 +2069,7 @@
           <a:p>
             <a:fld id="{57FDE35A-8C5E-412B-9F88-2F523D6285FF}" type="datetimeFigureOut">
               <a:rPr lang="en-US" smtClean="0"/>
-              <a:t>12/2/2022</a:t>
+              <a:t>1/30/2023</a:t>
             </a:fld>
             <a:endParaRPr lang="en-US"/>
           </a:p>
@@ -2375,7 +2380,7 @@
           <a:p>
             <a:fld id="{57FDE35A-8C5E-412B-9F88-2F523D6285FF}" type="datetimeFigureOut">
               <a:rPr lang="en-US" smtClean="0"/>
-              <a:t>12/2/2022</a:t>
+              <a:t>1/30/2023</a:t>
             </a:fld>
             <a:endParaRPr lang="en-US"/>
           </a:p>
@@ -2663,7 +2668,7 @@
           <a:p>
             <a:fld id="{57FDE35A-8C5E-412B-9F88-2F523D6285FF}" type="datetimeFigureOut">
               <a:rPr lang="en-US" smtClean="0"/>
-              <a:t>12/2/2022</a:t>
+              <a:t>1/30/2023</a:t>
             </a:fld>
             <a:endParaRPr lang="en-US"/>
           </a:p>
@@ -2904,7 +2909,7 @@
           <a:p>
             <a:fld id="{57FDE35A-8C5E-412B-9F88-2F523D6285FF}" type="datetimeFigureOut">
               <a:rPr lang="en-US" smtClean="0"/>
-              <a:t>12/2/2022</a:t>
+              <a:t>1/30/2023</a:t>
             </a:fld>
             <a:endParaRPr lang="en-US"/>
           </a:p>
@@ -3335,8 +3340,8 @@
         </p:nvSpPr>
         <p:spPr>
           <a:xfrm>
-            <a:off x="2133600" y="76200"/>
-            <a:ext cx="9677400" cy="6400800"/>
+            <a:off x="1280160" y="365760"/>
+            <a:ext cx="9966960" cy="5212080"/>
           </a:xfrm>
           <a:prstGeom prst="rect">
             <a:avLst/>
@@ -3419,8 +3424,8 @@
         </p:blipFill>
         <p:spPr bwMode="auto">
           <a:xfrm>
-            <a:off x="2120900" y="152400"/>
-            <a:ext cx="330200" cy="330200"/>
+            <a:off x="1280160" y="365760"/>
+            <a:ext cx="384048" cy="384048"/>
           </a:xfrm>
           <a:prstGeom prst="rect">
             <a:avLst/>
@@ -3464,8 +3469,8 @@
         </p:nvSpPr>
         <p:spPr>
           <a:xfrm>
-            <a:off x="2590800" y="1219200"/>
-            <a:ext cx="2590800" cy="4953000"/>
+            <a:off x="2743200" y="1280160"/>
+            <a:ext cx="2194560" cy="3840480"/>
           </a:xfrm>
           <a:prstGeom prst="rect">
             <a:avLst/>
@@ -3517,7 +3522,7 @@
                 <a:latin typeface="Arial" panose="020B0604020202020204" pitchFamily="34" charset="0"/>
                 <a:cs typeface="Arial" panose="020B0604020202020204" pitchFamily="34" charset="0"/>
               </a:rPr>
-              <a:t>Public subnet</a:t>
+              <a:t>   Public subnet</a:t>
             </a:r>
           </a:p>
         </p:txBody>
@@ -3551,8 +3556,8 @@
         </p:blipFill>
         <p:spPr bwMode="auto">
           <a:xfrm>
-            <a:off x="2590800" y="1249362"/>
-            <a:ext cx="274638" cy="274638"/>
+            <a:off x="2743200" y="1280160"/>
+            <a:ext cx="384048" cy="384048"/>
           </a:xfrm>
           <a:prstGeom prst="rect">
             <a:avLst/>
@@ -3596,8 +3601,8 @@
         </p:nvSpPr>
         <p:spPr>
           <a:xfrm>
-            <a:off x="5715000" y="1219200"/>
-            <a:ext cx="2590800" cy="4954588"/>
+            <a:off x="5532120" y="1280160"/>
+            <a:ext cx="2194560" cy="3840480"/>
           </a:xfrm>
           <a:prstGeom prst="rect">
             <a:avLst/>
@@ -3649,7 +3654,7 @@
                 <a:latin typeface="Arial" panose="020B0604020202020204" pitchFamily="34" charset="0"/>
                 <a:cs typeface="Arial" panose="020B0604020202020204" pitchFamily="34" charset="0"/>
               </a:rPr>
-              <a:t>Public subnet</a:t>
+              <a:t>   Public subnet</a:t>
             </a:r>
           </a:p>
         </p:txBody>
@@ -3683,8 +3688,8 @@
         </p:blipFill>
         <p:spPr bwMode="auto">
           <a:xfrm>
-            <a:off x="5715000" y="1249362"/>
-            <a:ext cx="274638" cy="274638"/>
+            <a:off x="5532120" y="1280160"/>
+            <a:ext cx="384048" cy="384048"/>
           </a:xfrm>
           <a:prstGeom prst="rect">
             <a:avLst/>
@@ -3728,8 +3733,8 @@
         </p:nvSpPr>
         <p:spPr>
           <a:xfrm>
-            <a:off x="8839200" y="1219200"/>
-            <a:ext cx="2590800" cy="4954588"/>
+            <a:off x="8229600" y="1280160"/>
+            <a:ext cx="2194560" cy="3840480"/>
           </a:xfrm>
           <a:prstGeom prst="rect">
             <a:avLst/>
@@ -3781,7 +3786,7 @@
                 <a:latin typeface="Arial" panose="020B0604020202020204" pitchFamily="34" charset="0"/>
                 <a:cs typeface="Arial" panose="020B0604020202020204" pitchFamily="34" charset="0"/>
               </a:rPr>
-              <a:t>Public subnet</a:t>
+              <a:t>   Public subnet</a:t>
             </a:r>
           </a:p>
         </p:txBody>
@@ -3815,8 +3820,8 @@
         </p:blipFill>
         <p:spPr bwMode="auto">
           <a:xfrm>
-            <a:off x="8839200" y="1249362"/>
-            <a:ext cx="274638" cy="274638"/>
+            <a:off x="8229600" y="1280160"/>
+            <a:ext cx="384048" cy="384048"/>
           </a:xfrm>
           <a:prstGeom prst="rect">
             <a:avLst/>
@@ -3860,8 +3865,8 @@
         </p:nvSpPr>
         <p:spPr>
           <a:xfrm>
-            <a:off x="2501900" y="4343400"/>
-            <a:ext cx="9080500" cy="1676400"/>
+            <a:off x="2468880" y="3200400"/>
+            <a:ext cx="8321040" cy="1737360"/>
           </a:xfrm>
           <a:prstGeom prst="rect">
             <a:avLst/>
@@ -3940,15 +3945,26 @@
               <a:defRPr/>
             </a:pPr>
             <a:r>
-              <a:rPr lang="en-US" sz="1200">
+              <a:rPr lang="en-US" sz="1200" dirty="0">
                 <a:solidFill>
                   <a:srgbClr val="D86613"/>
                 </a:solidFill>
                 <a:latin typeface="Arial" panose="020B0604020202020204" pitchFamily="34" charset="0"/>
                 <a:cs typeface="Arial" panose="020B0604020202020204" pitchFamily="34" charset="0"/>
               </a:rPr>
-              <a:t>Collaboration and Clustering Auto </a:t>
-            </a:r>
+              <a:t>Auto Scaling group </a:t>
+            </a:r>
+          </a:p>
+          <a:p>
+            <a:pPr algn="ctr" eaLnBrk="1" fontAlgn="auto" hangingPunct="1">
+              <a:spcBef>
+                <a:spcPts val="0"/>
+              </a:spcBef>
+              <a:spcAft>
+                <a:spcPts val="0"/>
+              </a:spcAft>
+              <a:defRPr/>
+            </a:pPr>
             <a:r>
               <a:rPr lang="en-US" sz="1200" dirty="0">
                 <a:solidFill>
@@ -3957,7 +3973,7 @@
                 <a:latin typeface="Arial" panose="020B0604020202020204" pitchFamily="34" charset="0"/>
                 <a:cs typeface="Arial" panose="020B0604020202020204" pitchFamily="34" charset="0"/>
               </a:rPr>
-              <a:t>Scaling group</a:t>
+              <a:t>(collaboration and clustering) </a:t>
             </a:r>
           </a:p>
         </p:txBody>
@@ -3991,8 +4007,8 @@
         </p:blipFill>
         <p:spPr bwMode="auto">
           <a:xfrm>
-            <a:off x="6858000" y="4343400"/>
-            <a:ext cx="330200" cy="330200"/>
+            <a:off x="6400800" y="3200400"/>
+            <a:ext cx="384048" cy="384048"/>
           </a:xfrm>
           <a:prstGeom prst="rect">
             <a:avLst/>
@@ -4049,8 +4065,8 @@
         </p:blipFill>
         <p:spPr bwMode="auto">
           <a:xfrm>
-            <a:off x="3615665" y="5072390"/>
-            <a:ext cx="457200" cy="457200"/>
+            <a:off x="3566160" y="4114800"/>
+            <a:ext cx="466344" cy="466344"/>
           </a:xfrm>
           <a:prstGeom prst="rect">
             <a:avLst/>
@@ -4096,8 +4112,8 @@
         </p:nvSpPr>
         <p:spPr bwMode="auto">
           <a:xfrm>
-            <a:off x="3276600" y="5529590"/>
-            <a:ext cx="1115904" cy="261610"/>
+            <a:off x="3312975" y="4526280"/>
+            <a:ext cx="914400" cy="261610"/>
           </a:xfrm>
           <a:prstGeom prst="rect">
             <a:avLst/>
@@ -4268,8 +4284,8 @@
         </p:blipFill>
         <p:spPr bwMode="auto">
           <a:xfrm>
-            <a:off x="6843161" y="5072390"/>
-            <a:ext cx="457200" cy="457200"/>
+            <a:off x="6355080" y="4114800"/>
+            <a:ext cx="466344" cy="466344"/>
           </a:xfrm>
           <a:prstGeom prst="rect">
             <a:avLst/>
@@ -4315,8 +4331,8 @@
         </p:nvSpPr>
         <p:spPr bwMode="auto">
           <a:xfrm>
-            <a:off x="6504096" y="5529590"/>
-            <a:ext cx="1115904" cy="261610"/>
+            <a:off x="6144768" y="4526280"/>
+            <a:ext cx="914400" cy="261610"/>
           </a:xfrm>
           <a:prstGeom prst="rect">
             <a:avLst/>
@@ -4487,8 +4503,8 @@
         </p:blipFill>
         <p:spPr bwMode="auto">
           <a:xfrm>
-            <a:off x="10043561" y="5072390"/>
-            <a:ext cx="457200" cy="457200"/>
+            <a:off x="9144000" y="4114800"/>
+            <a:ext cx="466344" cy="466344"/>
           </a:xfrm>
           <a:prstGeom prst="rect">
             <a:avLst/>
@@ -4534,8 +4550,8 @@
         </p:nvSpPr>
         <p:spPr bwMode="auto">
           <a:xfrm>
-            <a:off x="9704496" y="5529590"/>
-            <a:ext cx="1115904" cy="261610"/>
+            <a:off x="8915400" y="4526280"/>
+            <a:ext cx="914400" cy="261610"/>
           </a:xfrm>
           <a:prstGeom prst="rect">
             <a:avLst/>
@@ -4708,8 +4724,8 @@
         </p:blipFill>
         <p:spPr bwMode="auto">
           <a:xfrm>
-            <a:off x="3563022" y="2636271"/>
-            <a:ext cx="457200" cy="457200"/>
+            <a:off x="3566160" y="2438400"/>
+            <a:ext cx="466344" cy="466344"/>
           </a:xfrm>
           <a:prstGeom prst="rect">
             <a:avLst/>
@@ -4755,8 +4771,8 @@
         </p:nvSpPr>
         <p:spPr bwMode="auto">
           <a:xfrm>
-            <a:off x="3227832" y="3091190"/>
-            <a:ext cx="1115568" cy="430887"/>
+            <a:off x="3211449" y="2880360"/>
+            <a:ext cx="1188720" cy="261610"/>
           </a:xfrm>
           <a:prstGeom prst="rect">
             <a:avLst/>
@@ -4890,18 +4906,13 @@
           <a:p>
             <a:pPr algn="ctr" eaLnBrk="1" hangingPunct="1"/>
             <a:r>
-              <a:rPr lang="en-US" altLang="en-US" sz="1100">
+              <a:rPr lang="en-US" altLang="en-US" sz="1100" dirty="0">
                 <a:latin typeface="Arial" panose="020B0604020202020204" pitchFamily="34" charset="0"/>
                 <a:ea typeface="Amazon Ember" panose="020B0603020204020204" pitchFamily="34" charset="0"/>
                 <a:cs typeface="Arial" panose="020B0604020202020204" pitchFamily="34" charset="0"/>
               </a:rPr>
-              <a:t>EC2 Primary Node</a:t>
-            </a:r>
-            <a:endParaRPr lang="en-US" altLang="en-US" sz="1100" dirty="0">
-              <a:latin typeface="Arial" panose="020B0604020202020204" pitchFamily="34" charset="0"/>
-              <a:ea typeface="Amazon Ember" panose="020B0603020204020204" pitchFamily="34" charset="0"/>
-              <a:cs typeface="Arial" panose="020B0604020202020204" pitchFamily="34" charset="0"/>
-            </a:endParaRPr>
+              <a:t>EC2 primary node</a:t>
+            </a:r>
           </a:p>
         </p:txBody>
       </p:sp>
@@ -4921,7 +4932,7 @@
         </p:nvSpPr>
         <p:spPr bwMode="auto">
           <a:xfrm>
-            <a:off x="3184834" y="2135187"/>
+            <a:off x="3182112" y="2103120"/>
             <a:ext cx="1234766" cy="261610"/>
           </a:xfrm>
           <a:prstGeom prst="rect">
@@ -5095,8 +5106,8 @@
         </p:blipFill>
         <p:spPr bwMode="auto">
           <a:xfrm>
-            <a:off x="3581090" y="1676400"/>
-            <a:ext cx="457200" cy="457200"/>
+            <a:off x="3566160" y="1676400"/>
+            <a:ext cx="466344" cy="466344"/>
           </a:xfrm>
           <a:prstGeom prst="rect">
             <a:avLst/>
@@ -5142,8 +5153,8 @@
         </p:nvSpPr>
         <p:spPr bwMode="auto">
           <a:xfrm>
-            <a:off x="6385234" y="2135187"/>
-            <a:ext cx="1234766" cy="261610"/>
+            <a:off x="6035040" y="2103120"/>
+            <a:ext cx="1097280" cy="261610"/>
           </a:xfrm>
           <a:prstGeom prst="rect">
             <a:avLst/>
@@ -5316,8 +5327,8 @@
         </p:blipFill>
         <p:spPr bwMode="auto">
           <a:xfrm>
-            <a:off x="6781490" y="1676400"/>
-            <a:ext cx="457200" cy="457200"/>
+            <a:off x="6355080" y="1676400"/>
+            <a:ext cx="466344" cy="466344"/>
           </a:xfrm>
           <a:prstGeom prst="rect">
             <a:avLst/>
@@ -5363,8 +5374,8 @@
         </p:nvSpPr>
         <p:spPr bwMode="auto">
           <a:xfrm>
-            <a:off x="9661834" y="2135187"/>
-            <a:ext cx="1234766" cy="261610"/>
+            <a:off x="8869680" y="2103120"/>
+            <a:ext cx="1097280" cy="261610"/>
           </a:xfrm>
           <a:prstGeom prst="rect">
             <a:avLst/>
@@ -5537,8 +5548,8 @@
         </p:blipFill>
         <p:spPr bwMode="auto">
           <a:xfrm>
-            <a:off x="10058090" y="1676400"/>
-            <a:ext cx="457200" cy="457200"/>
+            <a:off x="9144000" y="1676400"/>
+            <a:ext cx="466344" cy="466344"/>
           </a:xfrm>
           <a:prstGeom prst="rect">
             <a:avLst/>
@@ -5597,7 +5608,7 @@
         </p:blipFill>
         <p:spPr bwMode="auto">
           <a:xfrm>
-            <a:off x="596900" y="4940300"/>
+            <a:off x="182880" y="3931920"/>
             <a:ext cx="850900" cy="850900"/>
           </a:xfrm>
           <a:prstGeom prst="rect">
@@ -5657,7 +5668,7 @@
         </p:blipFill>
         <p:spPr bwMode="auto">
           <a:xfrm>
-            <a:off x="609600" y="2501900"/>
+            <a:off x="182880" y="2273300"/>
             <a:ext cx="850900" cy="850900"/>
           </a:xfrm>
           <a:prstGeom prst="rect">
@@ -5704,8 +5715,8 @@
         </p:nvSpPr>
         <p:spPr bwMode="auto">
           <a:xfrm>
-            <a:off x="457200" y="3429000"/>
-            <a:ext cx="1115904" cy="261610"/>
+            <a:off x="365760" y="3091190"/>
+            <a:ext cx="548640" cy="261610"/>
           </a:xfrm>
           <a:prstGeom prst="rect">
             <a:avLst/>
@@ -5839,18 +5850,13 @@
           <a:p>
             <a:pPr algn="ctr" eaLnBrk="1" hangingPunct="1"/>
             <a:r>
-              <a:rPr lang="en-US" altLang="en-US" sz="1100">
+              <a:rPr lang="en-US" altLang="en-US" sz="1100" dirty="0">
                 <a:latin typeface="Arial" panose="020B0604020202020204" pitchFamily="34" charset="0"/>
                 <a:ea typeface="Amazon Ember" panose="020B0603020204020204" pitchFamily="34" charset="0"/>
                 <a:cs typeface="Arial" panose="020B0604020202020204" pitchFamily="34" charset="0"/>
               </a:rPr>
               <a:t>Primary</a:t>
             </a:r>
-            <a:endParaRPr lang="en-US" altLang="en-US" sz="1100" dirty="0">
-              <a:latin typeface="Arial" panose="020B0604020202020204" pitchFamily="34" charset="0"/>
-              <a:ea typeface="Amazon Ember" panose="020B0603020204020204" pitchFamily="34" charset="0"/>
-              <a:cs typeface="Arial" panose="020B0604020202020204" pitchFamily="34" charset="0"/>
-            </a:endParaRPr>
           </a:p>
         </p:txBody>
       </p:sp>
@@ -5870,8 +5876,8 @@
         </p:nvSpPr>
         <p:spPr bwMode="auto">
           <a:xfrm>
-            <a:off x="457200" y="5791200"/>
-            <a:ext cx="1115904" cy="261610"/>
+            <a:off x="155448" y="4754880"/>
+            <a:ext cx="914400" cy="261610"/>
           </a:xfrm>
           <a:prstGeom prst="rect">
             <a:avLst/>
@@ -6005,18 +6011,13 @@
           <a:p>
             <a:pPr algn="ctr" eaLnBrk="1" hangingPunct="1"/>
             <a:r>
-              <a:rPr lang="en-US" altLang="en-US" sz="1100">
+              <a:rPr lang="en-US" altLang="en-US" sz="1100" dirty="0">
                 <a:latin typeface="Arial" panose="020B0604020202020204" pitchFamily="34" charset="0"/>
                 <a:ea typeface="Amazon Ember" panose="020B0603020204020204" pitchFamily="34" charset="0"/>
                 <a:cs typeface="Arial" panose="020B0604020202020204" pitchFamily="34" charset="0"/>
               </a:rPr>
               <a:t>Collaborators</a:t>
             </a:r>
-            <a:endParaRPr lang="en-US" altLang="en-US" sz="1100" dirty="0">
-              <a:latin typeface="Arial" panose="020B0604020202020204" pitchFamily="34" charset="0"/>
-              <a:ea typeface="Amazon Ember" panose="020B0603020204020204" pitchFamily="34" charset="0"/>
-              <a:cs typeface="Arial" panose="020B0604020202020204" pitchFamily="34" charset="0"/>
-            </a:endParaRPr>
           </a:p>
         </p:txBody>
       </p:sp>
@@ -6031,13 +6032,15 @@
           </p:cNvPr>
           <p:cNvCxnSpPr>
             <a:cxnSpLocks/>
+            <a:stCxn id="30" idx="3"/>
+            <a:endCxn id="21" idx="1"/>
           </p:cNvCxnSpPr>
           <p:nvPr/>
         </p:nvCxnSpPr>
         <p:spPr>
-          <a:xfrm>
-            <a:off x="1447800" y="2895600"/>
-            <a:ext cx="2057400" cy="0"/>
+          <a:xfrm flipV="1">
+            <a:off x="1033780" y="2671572"/>
+            <a:ext cx="2532380" cy="27178"/>
           </a:xfrm>
           <a:prstGeom prst="straightConnector1">
             <a:avLst/>
@@ -6076,13 +6079,15 @@
           </p:cNvPr>
           <p:cNvCxnSpPr>
             <a:cxnSpLocks/>
+            <a:stCxn id="29" idx="3"/>
+            <a:endCxn id="15" idx="1"/>
           </p:cNvCxnSpPr>
           <p:nvPr/>
         </p:nvCxnSpPr>
         <p:spPr>
-          <a:xfrm>
-            <a:off x="1447800" y="5410200"/>
-            <a:ext cx="2057400" cy="0"/>
+          <a:xfrm flipV="1">
+            <a:off x="1033780" y="4347972"/>
+            <a:ext cx="2532380" cy="9398"/>
           </a:xfrm>
           <a:prstGeom prst="straightConnector1">
             <a:avLst/>
@@ -6124,8 +6129,8 @@
         </p:nvSpPr>
         <p:spPr>
           <a:xfrm>
-            <a:off x="2246312" y="533400"/>
-            <a:ext cx="9412288" cy="5867400"/>
+            <a:off x="1737360" y="1005840"/>
+            <a:ext cx="9235440" cy="4206240"/>
           </a:xfrm>
           <a:prstGeom prst="rect">
             <a:avLst/>
@@ -6209,8 +6214,8 @@
         </p:blipFill>
         <p:spPr bwMode="auto">
           <a:xfrm>
-            <a:off x="2246313" y="533400"/>
-            <a:ext cx="330200" cy="330200"/>
+            <a:off x="1737360" y="1005840"/>
+            <a:ext cx="384048" cy="384048"/>
           </a:xfrm>
           <a:prstGeom prst="rect">
             <a:avLst/>
@@ -6254,8 +6259,8 @@
         </p:nvSpPr>
         <p:spPr>
           <a:xfrm>
-            <a:off x="2438400" y="914400"/>
-            <a:ext cx="2895600" cy="5334000"/>
+            <a:off x="2606040" y="640080"/>
+            <a:ext cx="2468880" cy="4754880"/>
           </a:xfrm>
           <a:prstGeom prst="rect">
             <a:avLst/>
@@ -6324,8 +6329,8 @@
         </p:nvSpPr>
         <p:spPr>
           <a:xfrm>
-            <a:off x="5562600" y="914400"/>
-            <a:ext cx="2895600" cy="5334000"/>
+            <a:off x="5394960" y="640080"/>
+            <a:ext cx="2468880" cy="4754880"/>
           </a:xfrm>
           <a:prstGeom prst="rect">
             <a:avLst/>
@@ -6394,8 +6399,8 @@
         </p:nvSpPr>
         <p:spPr>
           <a:xfrm>
-            <a:off x="8686800" y="914400"/>
-            <a:ext cx="2895600" cy="5334000"/>
+            <a:off x="8138160" y="640080"/>
+            <a:ext cx="2468880" cy="4754880"/>
           </a:xfrm>
           <a:prstGeom prst="rect">
             <a:avLst/>

--- a/docs/deployment_guide/images/nvidia-cloudxr-architecture-diagram.pptx
+++ b/docs/deployment_guide/images/nvidia-cloudxr-architecture-diagram.pptx
@@ -259,7 +259,7 @@
           <a:p>
             <a:fld id="{57FDE35A-8C5E-412B-9F88-2F523D6285FF}" type="datetimeFigureOut">
               <a:rPr lang="en-US" smtClean="0"/>
-              <a:t>1/30/2023</a:t>
+              <a:t>2/3/2023</a:t>
             </a:fld>
             <a:endParaRPr lang="en-US"/>
           </a:p>
@@ -457,7 +457,7 @@
           <a:p>
             <a:fld id="{57FDE35A-8C5E-412B-9F88-2F523D6285FF}" type="datetimeFigureOut">
               <a:rPr lang="en-US" smtClean="0"/>
-              <a:t>1/30/2023</a:t>
+              <a:t>2/3/2023</a:t>
             </a:fld>
             <a:endParaRPr lang="en-US"/>
           </a:p>
@@ -665,7 +665,7 @@
           <a:p>
             <a:fld id="{57FDE35A-8C5E-412B-9F88-2F523D6285FF}" type="datetimeFigureOut">
               <a:rPr lang="en-US" smtClean="0"/>
-              <a:t>1/30/2023</a:t>
+              <a:t>2/3/2023</a:t>
             </a:fld>
             <a:endParaRPr lang="en-US"/>
           </a:p>
@@ -863,7 +863,7 @@
           <a:p>
             <a:fld id="{57FDE35A-8C5E-412B-9F88-2F523D6285FF}" type="datetimeFigureOut">
               <a:rPr lang="en-US" smtClean="0"/>
-              <a:t>1/30/2023</a:t>
+              <a:t>2/3/2023</a:t>
             </a:fld>
             <a:endParaRPr lang="en-US"/>
           </a:p>
@@ -1138,7 +1138,7 @@
           <a:p>
             <a:fld id="{57FDE35A-8C5E-412B-9F88-2F523D6285FF}" type="datetimeFigureOut">
               <a:rPr lang="en-US" smtClean="0"/>
-              <a:t>1/30/2023</a:t>
+              <a:t>2/3/2023</a:t>
             </a:fld>
             <a:endParaRPr lang="en-US"/>
           </a:p>
@@ -1403,7 +1403,7 @@
           <a:p>
             <a:fld id="{57FDE35A-8C5E-412B-9F88-2F523D6285FF}" type="datetimeFigureOut">
               <a:rPr lang="en-US" smtClean="0"/>
-              <a:t>1/30/2023</a:t>
+              <a:t>2/3/2023</a:t>
             </a:fld>
             <a:endParaRPr lang="en-US"/>
           </a:p>
@@ -1815,7 +1815,7 @@
           <a:p>
             <a:fld id="{57FDE35A-8C5E-412B-9F88-2F523D6285FF}" type="datetimeFigureOut">
               <a:rPr lang="en-US" smtClean="0"/>
-              <a:t>1/30/2023</a:t>
+              <a:t>2/3/2023</a:t>
             </a:fld>
             <a:endParaRPr lang="en-US"/>
           </a:p>
@@ -1956,7 +1956,7 @@
           <a:p>
             <a:fld id="{57FDE35A-8C5E-412B-9F88-2F523D6285FF}" type="datetimeFigureOut">
               <a:rPr lang="en-US" smtClean="0"/>
-              <a:t>1/30/2023</a:t>
+              <a:t>2/3/2023</a:t>
             </a:fld>
             <a:endParaRPr lang="en-US"/>
           </a:p>
@@ -2069,7 +2069,7 @@
           <a:p>
             <a:fld id="{57FDE35A-8C5E-412B-9F88-2F523D6285FF}" type="datetimeFigureOut">
               <a:rPr lang="en-US" smtClean="0"/>
-              <a:t>1/30/2023</a:t>
+              <a:t>2/3/2023</a:t>
             </a:fld>
             <a:endParaRPr lang="en-US"/>
           </a:p>
@@ -2380,7 +2380,7 @@
           <a:p>
             <a:fld id="{57FDE35A-8C5E-412B-9F88-2F523D6285FF}" type="datetimeFigureOut">
               <a:rPr lang="en-US" smtClean="0"/>
-              <a:t>1/30/2023</a:t>
+              <a:t>2/3/2023</a:t>
             </a:fld>
             <a:endParaRPr lang="en-US"/>
           </a:p>
@@ -2668,7 +2668,7 @@
           <a:p>
             <a:fld id="{57FDE35A-8C5E-412B-9F88-2F523D6285FF}" type="datetimeFigureOut">
               <a:rPr lang="en-US" smtClean="0"/>
-              <a:t>1/30/2023</a:t>
+              <a:t>2/3/2023</a:t>
             </a:fld>
             <a:endParaRPr lang="en-US"/>
           </a:p>
@@ -2909,7 +2909,7 @@
           <a:p>
             <a:fld id="{57FDE35A-8C5E-412B-9F88-2F523D6285FF}" type="datetimeFigureOut">
               <a:rPr lang="en-US" smtClean="0"/>
-              <a:t>1/30/2023</a:t>
+              <a:t>2/3/2023</a:t>
             </a:fld>
             <a:endParaRPr lang="en-US"/>
           </a:p>
@@ -6172,79 +6172,27 @@
               <a:defRPr/>
             </a:pPr>
             <a:r>
-              <a:rPr lang="en-US" sz="1200" dirty="0">
+              <a:rPr lang="en-US" sz="1200">
                 <a:ln w="0"/>
                 <a:solidFill>
-                  <a:srgbClr val="1E8900"/>
+                  <a:srgbClr val="693BC5"/>
                 </a:solidFill>
                 <a:latin typeface="Arial" panose="020B0604020202020204" pitchFamily="34" charset="0"/>
                 <a:cs typeface="Arial" panose="020B0604020202020204" pitchFamily="34" charset="0"/>
               </a:rPr>
               <a:t>VPC</a:t>
             </a:r>
-          </a:p>
-        </p:txBody>
-      </p:sp>
-      <p:pic>
-        <p:nvPicPr>
-          <p:cNvPr id="37" name="Graphic 28">
-            <a:extLst>
-              <a:ext uri="{FF2B5EF4-FFF2-40B4-BE49-F238E27FC236}">
-                <a16:creationId xmlns:a16="http://schemas.microsoft.com/office/drawing/2014/main" id="{3E848C99-3316-49CD-BDC3-0A4CE38A53DB}"/>
-              </a:ext>
-            </a:extLst>
-          </p:cNvPr>
-          <p:cNvPicPr>
-            <a:picLocks noChangeAspect="1" noChangeArrowheads="1"/>
-          </p:cNvPicPr>
-          <p:nvPr/>
-        </p:nvPicPr>
-        <p:blipFill>
-          <a:blip r:embed="rId10">
-            <a:extLst>
-              <a:ext uri="{28A0092B-C50C-407E-A947-70E740481C1C}">
-                <a14:useLocalDpi xmlns:a14="http://schemas.microsoft.com/office/drawing/2010/main" val="0"/>
-              </a:ext>
-            </a:extLst>
-          </a:blip>
-          <a:srcRect/>
-          <a:stretch>
-            <a:fillRect/>
-          </a:stretch>
-        </p:blipFill>
-        <p:spPr bwMode="auto">
-          <a:xfrm>
-            <a:off x="1737360" y="1005840"/>
-            <a:ext cx="384048" cy="384048"/>
-          </a:xfrm>
-          <a:prstGeom prst="rect">
-            <a:avLst/>
-          </a:prstGeom>
-          <a:noFill/>
-          <a:ln>
-            <a:noFill/>
-          </a:ln>
-          <a:extLst>
-            <a:ext uri="{909E8E84-426E-40DD-AFC4-6F175D3DCCD1}">
-              <a14:hiddenFill xmlns:a14="http://schemas.microsoft.com/office/drawing/2010/main">
-                <a:solidFill>
-                  <a:srgbClr val="FFFFFF"/>
-                </a:solidFill>
-              </a14:hiddenFill>
-            </a:ext>
-            <a:ext uri="{91240B29-F687-4F45-9708-019B960494DF}">
-              <a14:hiddenLine xmlns:a14="http://schemas.microsoft.com/office/drawing/2010/main" w="9525">
-                <a:solidFill>
-                  <a:srgbClr val="000000"/>
-                </a:solidFill>
-                <a:miter lim="800000"/>
-                <a:headEnd/>
-                <a:tailEnd/>
-              </a14:hiddenLine>
-            </a:ext>
-          </a:extLst>
-        </p:spPr>
-      </p:pic>
+            <a:endParaRPr lang="en-US" sz="1200" dirty="0">
+              <a:ln w="0"/>
+              <a:solidFill>
+                <a:srgbClr val="1E8900"/>
+              </a:solidFill>
+              <a:latin typeface="Arial" panose="020B0604020202020204" pitchFamily="34" charset="0"/>
+              <a:cs typeface="Arial" panose="020B0604020202020204" pitchFamily="34" charset="0"/>
+            </a:endParaRPr>
+          </a:p>
+        </p:txBody>
+      </p:sp>
       <p:sp>
         <p:nvSpPr>
           <p:cNvPr id="38" name="Rectangle 37">
@@ -6455,6 +6403,41 @@
           </a:p>
         </p:txBody>
       </p:sp>
+      <p:pic>
+        <p:nvPicPr>
+          <p:cNvPr id="41" name="Graphic 40">
+            <a:extLst>
+              <a:ext uri="{FF2B5EF4-FFF2-40B4-BE49-F238E27FC236}">
+                <a16:creationId xmlns:a16="http://schemas.microsoft.com/office/drawing/2014/main" id="{B0CE44FC-4F4F-4166-AB8B-D88659B8487C}"/>
+              </a:ext>
+            </a:extLst>
+          </p:cNvPr>
+          <p:cNvPicPr>
+            <a:picLocks noChangeAspect="1"/>
+          </p:cNvPicPr>
+          <p:nvPr/>
+        </p:nvPicPr>
+        <p:blipFill>
+          <a:blip r:embed="rId10">
+            <a:extLst>
+              <a:ext uri="{96DAC541-7B7A-43D3-8B79-37D633B846F1}">
+                <asvg:svgBlip xmlns:asvg="http://schemas.microsoft.com/office/drawing/2016/SVG/main" r:embed="rId11"/>
+              </a:ext>
+            </a:extLst>
+          </a:blip>
+          <a:srcRect/>
+          <a:stretch/>
+        </p:blipFill>
+        <p:spPr>
+          <a:xfrm>
+            <a:off x="1737360" y="1005840"/>
+            <a:ext cx="381000" cy="381000"/>
+          </a:xfrm>
+          <a:prstGeom prst="rect">
+            <a:avLst/>
+          </a:prstGeom>
+        </p:spPr>
+      </p:pic>
     </p:spTree>
     <p:extLst>
       <p:ext uri="{BB962C8B-B14F-4D97-AF65-F5344CB8AC3E}">

--- a/docs/deployment_guide/images/nvidia-cloudxr-architecture-diagram.pptx
+++ b/docs/deployment_guide/images/nvidia-cloudxr-architecture-diagram.pptx
@@ -259,7 +259,7 @@
           <a:p>
             <a:fld id="{57FDE35A-8C5E-412B-9F88-2F523D6285FF}" type="datetimeFigureOut">
               <a:rPr lang="en-US" smtClean="0"/>
-              <a:t>2/3/2023</a:t>
+              <a:t>2/6/2023</a:t>
             </a:fld>
             <a:endParaRPr lang="en-US"/>
           </a:p>
@@ -457,7 +457,7 @@
           <a:p>
             <a:fld id="{57FDE35A-8C5E-412B-9F88-2F523D6285FF}" type="datetimeFigureOut">
               <a:rPr lang="en-US" smtClean="0"/>
-              <a:t>2/3/2023</a:t>
+              <a:t>2/6/2023</a:t>
             </a:fld>
             <a:endParaRPr lang="en-US"/>
           </a:p>
@@ -665,7 +665,7 @@
           <a:p>
             <a:fld id="{57FDE35A-8C5E-412B-9F88-2F523D6285FF}" type="datetimeFigureOut">
               <a:rPr lang="en-US" smtClean="0"/>
-              <a:t>2/3/2023</a:t>
+              <a:t>2/6/2023</a:t>
             </a:fld>
             <a:endParaRPr lang="en-US"/>
           </a:p>
@@ -863,7 +863,7 @@
           <a:p>
             <a:fld id="{57FDE35A-8C5E-412B-9F88-2F523D6285FF}" type="datetimeFigureOut">
               <a:rPr lang="en-US" smtClean="0"/>
-              <a:t>2/3/2023</a:t>
+              <a:t>2/6/2023</a:t>
             </a:fld>
             <a:endParaRPr lang="en-US"/>
           </a:p>
@@ -1138,7 +1138,7 @@
           <a:p>
             <a:fld id="{57FDE35A-8C5E-412B-9F88-2F523D6285FF}" type="datetimeFigureOut">
               <a:rPr lang="en-US" smtClean="0"/>
-              <a:t>2/3/2023</a:t>
+              <a:t>2/6/2023</a:t>
             </a:fld>
             <a:endParaRPr lang="en-US"/>
           </a:p>
@@ -1403,7 +1403,7 @@
           <a:p>
             <a:fld id="{57FDE35A-8C5E-412B-9F88-2F523D6285FF}" type="datetimeFigureOut">
               <a:rPr lang="en-US" smtClean="0"/>
-              <a:t>2/3/2023</a:t>
+              <a:t>2/6/2023</a:t>
             </a:fld>
             <a:endParaRPr lang="en-US"/>
           </a:p>
@@ -1815,7 +1815,7 @@
           <a:p>
             <a:fld id="{57FDE35A-8C5E-412B-9F88-2F523D6285FF}" type="datetimeFigureOut">
               <a:rPr lang="en-US" smtClean="0"/>
-              <a:t>2/3/2023</a:t>
+              <a:t>2/6/2023</a:t>
             </a:fld>
             <a:endParaRPr lang="en-US"/>
           </a:p>
@@ -1956,7 +1956,7 @@
           <a:p>
             <a:fld id="{57FDE35A-8C5E-412B-9F88-2F523D6285FF}" type="datetimeFigureOut">
               <a:rPr lang="en-US" smtClean="0"/>
-              <a:t>2/3/2023</a:t>
+              <a:t>2/6/2023</a:t>
             </a:fld>
             <a:endParaRPr lang="en-US"/>
           </a:p>
@@ -2069,7 +2069,7 @@
           <a:p>
             <a:fld id="{57FDE35A-8C5E-412B-9F88-2F523D6285FF}" type="datetimeFigureOut">
               <a:rPr lang="en-US" smtClean="0"/>
-              <a:t>2/3/2023</a:t>
+              <a:t>2/6/2023</a:t>
             </a:fld>
             <a:endParaRPr lang="en-US"/>
           </a:p>
@@ -2380,7 +2380,7 @@
           <a:p>
             <a:fld id="{57FDE35A-8C5E-412B-9F88-2F523D6285FF}" type="datetimeFigureOut">
               <a:rPr lang="en-US" smtClean="0"/>
-              <a:t>2/3/2023</a:t>
+              <a:t>2/6/2023</a:t>
             </a:fld>
             <a:endParaRPr lang="en-US"/>
           </a:p>
@@ -2668,7 +2668,7 @@
           <a:p>
             <a:fld id="{57FDE35A-8C5E-412B-9F88-2F523D6285FF}" type="datetimeFigureOut">
               <a:rPr lang="en-US" smtClean="0"/>
-              <a:t>2/3/2023</a:t>
+              <a:t>2/6/2023</a:t>
             </a:fld>
             <a:endParaRPr lang="en-US"/>
           </a:p>
@@ -2909,7 +2909,7 @@
           <a:p>
             <a:fld id="{57FDE35A-8C5E-412B-9F88-2F523D6285FF}" type="datetimeFigureOut">
               <a:rPr lang="en-US" smtClean="0"/>
-              <a:t>2/3/2023</a:t>
+              <a:t>2/6/2023</a:t>
             </a:fld>
             <a:endParaRPr lang="en-US"/>
           </a:p>
@@ -6138,7 +6138,7 @@
           <a:noFill/>
           <a:ln w="12700">
             <a:solidFill>
-              <a:srgbClr val="1E8900"/>
+              <a:srgbClr val="7030A0"/>
             </a:solidFill>
           </a:ln>
         </p:spPr>

--- a/docs/deployment_guide/images/nvidia-cloudxr-architecture-diagram.pptx
+++ b/docs/deployment_guide/images/nvidia-cloudxr-architecture-diagram.pptx
@@ -259,7 +259,7 @@
           <a:p>
             <a:fld id="{57FDE35A-8C5E-412B-9F88-2F523D6285FF}" type="datetimeFigureOut">
               <a:rPr lang="en-US" smtClean="0"/>
-              <a:t>2/6/2023</a:t>
+              <a:t>2/10/2023</a:t>
             </a:fld>
             <a:endParaRPr lang="en-US"/>
           </a:p>
@@ -457,7 +457,7 @@
           <a:p>
             <a:fld id="{57FDE35A-8C5E-412B-9F88-2F523D6285FF}" type="datetimeFigureOut">
               <a:rPr lang="en-US" smtClean="0"/>
-              <a:t>2/6/2023</a:t>
+              <a:t>2/10/2023</a:t>
             </a:fld>
             <a:endParaRPr lang="en-US"/>
           </a:p>
@@ -665,7 +665,7 @@
           <a:p>
             <a:fld id="{57FDE35A-8C5E-412B-9F88-2F523D6285FF}" type="datetimeFigureOut">
               <a:rPr lang="en-US" smtClean="0"/>
-              <a:t>2/6/2023</a:t>
+              <a:t>2/10/2023</a:t>
             </a:fld>
             <a:endParaRPr lang="en-US"/>
           </a:p>
@@ -863,7 +863,7 @@
           <a:p>
             <a:fld id="{57FDE35A-8C5E-412B-9F88-2F523D6285FF}" type="datetimeFigureOut">
               <a:rPr lang="en-US" smtClean="0"/>
-              <a:t>2/6/2023</a:t>
+              <a:t>2/10/2023</a:t>
             </a:fld>
             <a:endParaRPr lang="en-US"/>
           </a:p>
@@ -1138,7 +1138,7 @@
           <a:p>
             <a:fld id="{57FDE35A-8C5E-412B-9F88-2F523D6285FF}" type="datetimeFigureOut">
               <a:rPr lang="en-US" smtClean="0"/>
-              <a:t>2/6/2023</a:t>
+              <a:t>2/10/2023</a:t>
             </a:fld>
             <a:endParaRPr lang="en-US"/>
           </a:p>
@@ -1403,7 +1403,7 @@
           <a:p>
             <a:fld id="{57FDE35A-8C5E-412B-9F88-2F523D6285FF}" type="datetimeFigureOut">
               <a:rPr lang="en-US" smtClean="0"/>
-              <a:t>2/6/2023</a:t>
+              <a:t>2/10/2023</a:t>
             </a:fld>
             <a:endParaRPr lang="en-US"/>
           </a:p>
@@ -1815,7 +1815,7 @@
           <a:p>
             <a:fld id="{57FDE35A-8C5E-412B-9F88-2F523D6285FF}" type="datetimeFigureOut">
               <a:rPr lang="en-US" smtClean="0"/>
-              <a:t>2/6/2023</a:t>
+              <a:t>2/10/2023</a:t>
             </a:fld>
             <a:endParaRPr lang="en-US"/>
           </a:p>
@@ -1956,7 +1956,7 @@
           <a:p>
             <a:fld id="{57FDE35A-8C5E-412B-9F88-2F523D6285FF}" type="datetimeFigureOut">
               <a:rPr lang="en-US" smtClean="0"/>
-              <a:t>2/6/2023</a:t>
+              <a:t>2/10/2023</a:t>
             </a:fld>
             <a:endParaRPr lang="en-US"/>
           </a:p>
@@ -2069,7 +2069,7 @@
           <a:p>
             <a:fld id="{57FDE35A-8C5E-412B-9F88-2F523D6285FF}" type="datetimeFigureOut">
               <a:rPr lang="en-US" smtClean="0"/>
-              <a:t>2/6/2023</a:t>
+              <a:t>2/10/2023</a:t>
             </a:fld>
             <a:endParaRPr lang="en-US"/>
           </a:p>
@@ -2380,7 +2380,7 @@
           <a:p>
             <a:fld id="{57FDE35A-8C5E-412B-9F88-2F523D6285FF}" type="datetimeFigureOut">
               <a:rPr lang="en-US" smtClean="0"/>
-              <a:t>2/6/2023</a:t>
+              <a:t>2/10/2023</a:t>
             </a:fld>
             <a:endParaRPr lang="en-US"/>
           </a:p>
@@ -2668,7 +2668,7 @@
           <a:p>
             <a:fld id="{57FDE35A-8C5E-412B-9F88-2F523D6285FF}" type="datetimeFigureOut">
               <a:rPr lang="en-US" smtClean="0"/>
-              <a:t>2/6/2023</a:t>
+              <a:t>2/10/2023</a:t>
             </a:fld>
             <a:endParaRPr lang="en-US"/>
           </a:p>
@@ -2909,7 +2909,7 @@
           <a:p>
             <a:fld id="{57FDE35A-8C5E-412B-9F88-2F523D6285FF}" type="datetimeFigureOut">
               <a:rPr lang="en-US" smtClean="0"/>
-              <a:t>2/6/2023</a:t>
+              <a:t>2/10/2023</a:t>
             </a:fld>
             <a:endParaRPr lang="en-US"/>
           </a:p>
@@ -3973,7 +3973,7 @@
                 <a:latin typeface="Arial" panose="020B0604020202020204" pitchFamily="34" charset="0"/>
                 <a:cs typeface="Arial" panose="020B0604020202020204" pitchFamily="34" charset="0"/>
               </a:rPr>
-              <a:t>(collaboration and clustering) </a:t>
+              <a:t> </a:t>
             </a:r>
           </a:p>
         </p:txBody>
@@ -4038,35 +4038,24 @@
           </a:extLst>
         </p:spPr>
       </p:pic>
-      <p:pic>
-        <p:nvPicPr>
-          <p:cNvPr id="15" name="Graphic 108">
-            <a:extLst>
-              <a:ext uri="{FF2B5EF4-FFF2-40B4-BE49-F238E27FC236}">
-                <a16:creationId xmlns:a16="http://schemas.microsoft.com/office/drawing/2014/main" id="{6EC10EAC-FDCD-4FB5-8C2A-BAE6210A5DF7}"/>
-              </a:ext>
-            </a:extLst>
-          </p:cNvPr>
-          <p:cNvPicPr>
-            <a:picLocks noChangeAspect="1" noChangeArrowheads="1"/>
-          </p:cNvPicPr>
+      <p:sp>
+        <p:nvSpPr>
+          <p:cNvPr id="16" name="TextBox 16">
+            <a:extLst>
+              <a:ext uri="{FF2B5EF4-FFF2-40B4-BE49-F238E27FC236}">
+                <a16:creationId xmlns:a16="http://schemas.microsoft.com/office/drawing/2014/main" id="{47CA5352-34C4-4DF3-ACE3-AD482B34FA92}"/>
+              </a:ext>
+            </a:extLst>
+          </p:cNvPr>
+          <p:cNvSpPr txBox="1">
+            <a:spLocks noChangeArrowheads="1"/>
+          </p:cNvSpPr>
           <p:nvPr/>
-        </p:nvPicPr>
-        <p:blipFill>
-          <a:blip r:embed="rId5">
-            <a:extLst>
-              <a:ext uri="{96DAC541-7B7A-43D3-8B79-37D633B846F1}">
-                <asvg:svgBlip xmlns:asvg="http://schemas.microsoft.com/office/drawing/2016/SVG/main" r:embed="rId6"/>
-              </a:ext>
-            </a:extLst>
-          </a:blip>
-          <a:srcRect/>
-          <a:stretch/>
-        </p:blipFill>
+        </p:nvSpPr>
         <p:spPr bwMode="auto">
           <a:xfrm>
-            <a:off x="3566160" y="4114800"/>
-            <a:ext cx="466344" cy="466344"/>
+            <a:off x="3200400" y="4526280"/>
+            <a:ext cx="1188720" cy="430887"/>
           </a:xfrm>
           <a:prstGeom prst="rect">
             <a:avLst/>
@@ -4095,13 +4084,138 @@
             </a:ext>
           </a:extLst>
         </p:spPr>
-      </p:pic>
-      <p:sp>
-        <p:nvSpPr>
-          <p:cNvPr id="16" name="TextBox 16">
-            <a:extLst>
-              <a:ext uri="{FF2B5EF4-FFF2-40B4-BE49-F238E27FC236}">
-                <a16:creationId xmlns:a16="http://schemas.microsoft.com/office/drawing/2014/main" id="{47CA5352-34C4-4DF3-ACE3-AD482B34FA92}"/>
+        <p:txBody>
+          <a:bodyPr wrap="square" lIns="0" rIns="0">
+            <a:spAutoFit/>
+          </a:bodyPr>
+          <a:lstStyle>
+            <a:lvl1pPr>
+              <a:defRPr>
+                <a:solidFill>
+                  <a:schemeClr val="tx1"/>
+                </a:solidFill>
+                <a:latin typeface="Calibri" panose="020F0502020204030204" pitchFamily="34" charset="0"/>
+              </a:defRPr>
+            </a:lvl1pPr>
+            <a:lvl2pPr marL="742950" indent="-285750">
+              <a:defRPr>
+                <a:solidFill>
+                  <a:schemeClr val="tx1"/>
+                </a:solidFill>
+                <a:latin typeface="Calibri" panose="020F0502020204030204" pitchFamily="34" charset="0"/>
+              </a:defRPr>
+            </a:lvl2pPr>
+            <a:lvl3pPr marL="1143000" indent="-228600">
+              <a:defRPr>
+                <a:solidFill>
+                  <a:schemeClr val="tx1"/>
+                </a:solidFill>
+                <a:latin typeface="Calibri" panose="020F0502020204030204" pitchFamily="34" charset="0"/>
+              </a:defRPr>
+            </a:lvl3pPr>
+            <a:lvl4pPr marL="1600200" indent="-228600">
+              <a:defRPr>
+                <a:solidFill>
+                  <a:schemeClr val="tx1"/>
+                </a:solidFill>
+                <a:latin typeface="Calibri" panose="020F0502020204030204" pitchFamily="34" charset="0"/>
+              </a:defRPr>
+            </a:lvl4pPr>
+            <a:lvl5pPr marL="2057400" indent="-228600">
+              <a:defRPr>
+                <a:solidFill>
+                  <a:schemeClr val="tx1"/>
+                </a:solidFill>
+                <a:latin typeface="Calibri" panose="020F0502020204030204" pitchFamily="34" charset="0"/>
+              </a:defRPr>
+            </a:lvl5pPr>
+            <a:lvl6pPr marL="2514600" indent="-228600" eaLnBrk="0" fontAlgn="base" hangingPunct="0">
+              <a:spcBef>
+                <a:spcPct val="0"/>
+              </a:spcBef>
+              <a:spcAft>
+                <a:spcPct val="0"/>
+              </a:spcAft>
+              <a:defRPr>
+                <a:solidFill>
+                  <a:schemeClr val="tx1"/>
+                </a:solidFill>
+                <a:latin typeface="Calibri" panose="020F0502020204030204" pitchFamily="34" charset="0"/>
+              </a:defRPr>
+            </a:lvl6pPr>
+            <a:lvl7pPr marL="2971800" indent="-228600" eaLnBrk="0" fontAlgn="base" hangingPunct="0">
+              <a:spcBef>
+                <a:spcPct val="0"/>
+              </a:spcBef>
+              <a:spcAft>
+                <a:spcPct val="0"/>
+              </a:spcAft>
+              <a:defRPr>
+                <a:solidFill>
+                  <a:schemeClr val="tx1"/>
+                </a:solidFill>
+                <a:latin typeface="Calibri" panose="020F0502020204030204" pitchFamily="34" charset="0"/>
+              </a:defRPr>
+            </a:lvl7pPr>
+            <a:lvl8pPr marL="3429000" indent="-228600" eaLnBrk="0" fontAlgn="base" hangingPunct="0">
+              <a:spcBef>
+                <a:spcPct val="0"/>
+              </a:spcBef>
+              <a:spcAft>
+                <a:spcPct val="0"/>
+              </a:spcAft>
+              <a:defRPr>
+                <a:solidFill>
+                  <a:schemeClr val="tx1"/>
+                </a:solidFill>
+                <a:latin typeface="Calibri" panose="020F0502020204030204" pitchFamily="34" charset="0"/>
+              </a:defRPr>
+            </a:lvl8pPr>
+            <a:lvl9pPr marL="3886200" indent="-228600" eaLnBrk="0" fontAlgn="base" hangingPunct="0">
+              <a:spcBef>
+                <a:spcPct val="0"/>
+              </a:spcBef>
+              <a:spcAft>
+                <a:spcPct val="0"/>
+              </a:spcAft>
+              <a:defRPr>
+                <a:solidFill>
+                  <a:schemeClr val="tx1"/>
+                </a:solidFill>
+                <a:latin typeface="Calibri" panose="020F0502020204030204" pitchFamily="34" charset="0"/>
+              </a:defRPr>
+            </a:lvl9pPr>
+          </a:lstStyle>
+          <a:p>
+            <a:pPr algn="ctr" eaLnBrk="1" hangingPunct="1"/>
+            <a:r>
+              <a:rPr lang="en-US" altLang="en-US" sz="1100" dirty="0">
+                <a:latin typeface="Arial" panose="020B0604020202020204" pitchFamily="34" charset="0"/>
+                <a:ea typeface="Amazon Ember" panose="020B0603020204020204" pitchFamily="34" charset="0"/>
+                <a:cs typeface="Arial" panose="020B0604020202020204" pitchFamily="34" charset="0"/>
+              </a:rPr>
+              <a:t>Collaborator node</a:t>
+            </a:r>
+          </a:p>
+          <a:p>
+            <a:pPr algn="ctr" eaLnBrk="1" hangingPunct="1"/>
+            <a:r>
+              <a:rPr lang="en-US" altLang="en-US" sz="1100" dirty="0">
+                <a:latin typeface="Arial" panose="020B0604020202020204" pitchFamily="34" charset="0"/>
+                <a:ea typeface="Amazon Ember" panose="020B0603020204020204" pitchFamily="34" charset="0"/>
+                <a:cs typeface="Arial" panose="020B0604020202020204" pitchFamily="34" charset="0"/>
+              </a:rPr>
+              <a:t>(G4dn or G5)</a:t>
+            </a:r>
+          </a:p>
+        </p:txBody>
+      </p:sp>
+      <p:sp>
+        <p:nvSpPr>
+          <p:cNvPr id="18" name="TextBox 16">
+            <a:extLst>
+              <a:ext uri="{FF2B5EF4-FFF2-40B4-BE49-F238E27FC236}">
+                <a16:creationId xmlns:a16="http://schemas.microsoft.com/office/drawing/2014/main" id="{88C13F72-3860-4BC1-A8F7-A5F052060A29}"/>
               </a:ext>
             </a:extLst>
           </p:cNvPr>
@@ -4112,8 +4226,8 @@
         </p:nvSpPr>
         <p:spPr bwMode="auto">
           <a:xfrm>
-            <a:off x="3312975" y="4526280"/>
-            <a:ext cx="914400" cy="261610"/>
+            <a:off x="5989320" y="4526280"/>
+            <a:ext cx="1188720" cy="600164"/>
           </a:xfrm>
           <a:prstGeom prst="rect">
             <a:avLst/>
@@ -4252,40 +4366,48 @@
                 <a:ea typeface="Amazon Ember" panose="020B0603020204020204" pitchFamily="34" charset="0"/>
                 <a:cs typeface="Arial" panose="020B0604020202020204" pitchFamily="34" charset="0"/>
               </a:rPr>
-              <a:t>G4dn instance</a:t>
-            </a:r>
-          </a:p>
-        </p:txBody>
-      </p:sp>
-      <p:pic>
-        <p:nvPicPr>
-          <p:cNvPr id="17" name="Graphic 108">
-            <a:extLst>
-              <a:ext uri="{FF2B5EF4-FFF2-40B4-BE49-F238E27FC236}">
-                <a16:creationId xmlns:a16="http://schemas.microsoft.com/office/drawing/2014/main" id="{B01C70ED-E5C8-42CB-B9C5-35D10CADBB2C}"/>
-              </a:ext>
-            </a:extLst>
-          </p:cNvPr>
-          <p:cNvPicPr>
-            <a:picLocks noChangeAspect="1" noChangeArrowheads="1"/>
-          </p:cNvPicPr>
+              <a:t>Collaborator node</a:t>
+            </a:r>
+          </a:p>
+          <a:p>
+            <a:pPr algn="ctr" eaLnBrk="1" hangingPunct="1"/>
+            <a:r>
+              <a:rPr lang="en-US" altLang="en-US" sz="1100" dirty="0">
+                <a:latin typeface="Arial" panose="020B0604020202020204" pitchFamily="34" charset="0"/>
+                <a:ea typeface="Amazon Ember" panose="020B0603020204020204" pitchFamily="34" charset="0"/>
+                <a:cs typeface="Arial" panose="020B0604020202020204" pitchFamily="34" charset="0"/>
+              </a:rPr>
+              <a:t>(G4dn or G5)</a:t>
+            </a:r>
+          </a:p>
+          <a:p>
+            <a:pPr algn="ctr" eaLnBrk="1" hangingPunct="1"/>
+            <a:endParaRPr lang="en-US" altLang="en-US" sz="1100" dirty="0">
+              <a:latin typeface="Arial" panose="020B0604020202020204" pitchFamily="34" charset="0"/>
+              <a:ea typeface="Amazon Ember" panose="020B0603020204020204" pitchFamily="34" charset="0"/>
+              <a:cs typeface="Arial" panose="020B0604020202020204" pitchFamily="34" charset="0"/>
+            </a:endParaRPr>
+          </a:p>
+        </p:txBody>
+      </p:sp>
+      <p:sp>
+        <p:nvSpPr>
+          <p:cNvPr id="20" name="TextBox 16">
+            <a:extLst>
+              <a:ext uri="{FF2B5EF4-FFF2-40B4-BE49-F238E27FC236}">
+                <a16:creationId xmlns:a16="http://schemas.microsoft.com/office/drawing/2014/main" id="{D5928100-1F29-4021-BE04-122C9847D8DC}"/>
+              </a:ext>
+            </a:extLst>
+          </p:cNvPr>
+          <p:cNvSpPr txBox="1">
+            <a:spLocks noChangeArrowheads="1"/>
+          </p:cNvSpPr>
           <p:nvPr/>
-        </p:nvPicPr>
-        <p:blipFill>
-          <a:blip r:embed="rId5">
-            <a:extLst>
-              <a:ext uri="{96DAC541-7B7A-43D3-8B79-37D633B846F1}">
-                <asvg:svgBlip xmlns:asvg="http://schemas.microsoft.com/office/drawing/2016/SVG/main" r:embed="rId6"/>
-              </a:ext>
-            </a:extLst>
-          </a:blip>
-          <a:srcRect/>
-          <a:stretch/>
-        </p:blipFill>
+        </p:nvSpPr>
         <p:spPr bwMode="auto">
           <a:xfrm>
-            <a:off x="6355080" y="4114800"/>
-            <a:ext cx="466344" cy="466344"/>
+            <a:off x="8778240" y="4526280"/>
+            <a:ext cx="1188720" cy="600164"/>
           </a:xfrm>
           <a:prstGeom prst="rect">
             <a:avLst/>
@@ -4314,53 +4436,6 @@
             </a:ext>
           </a:extLst>
         </p:spPr>
-      </p:pic>
-      <p:sp>
-        <p:nvSpPr>
-          <p:cNvPr id="18" name="TextBox 16">
-            <a:extLst>
-              <a:ext uri="{FF2B5EF4-FFF2-40B4-BE49-F238E27FC236}">
-                <a16:creationId xmlns:a16="http://schemas.microsoft.com/office/drawing/2014/main" id="{88C13F72-3860-4BC1-A8F7-A5F052060A29}"/>
-              </a:ext>
-            </a:extLst>
-          </p:cNvPr>
-          <p:cNvSpPr txBox="1">
-            <a:spLocks noChangeArrowheads="1"/>
-          </p:cNvSpPr>
-          <p:nvPr/>
-        </p:nvSpPr>
-        <p:spPr bwMode="auto">
-          <a:xfrm>
-            <a:off x="6144768" y="4526280"/>
-            <a:ext cx="914400" cy="261610"/>
-          </a:xfrm>
-          <a:prstGeom prst="rect">
-            <a:avLst/>
-          </a:prstGeom>
-          <a:noFill/>
-          <a:ln>
-            <a:noFill/>
-          </a:ln>
-          <a:extLst>
-            <a:ext uri="{909E8E84-426E-40DD-AFC4-6F175D3DCCD1}">
-              <a14:hiddenFill xmlns:a14="http://schemas.microsoft.com/office/drawing/2010/main">
-                <a:solidFill>
-                  <a:srgbClr val="FFFFFF"/>
-                </a:solidFill>
-              </a14:hiddenFill>
-            </a:ext>
-            <a:ext uri="{91240B29-F687-4F45-9708-019B960494DF}">
-              <a14:hiddenLine xmlns:a14="http://schemas.microsoft.com/office/drawing/2010/main" w="9525">
-                <a:solidFill>
-                  <a:srgbClr val="000000"/>
-                </a:solidFill>
-                <a:miter lim="800000"/>
-                <a:headEnd/>
-                <a:tailEnd/>
-              </a14:hiddenLine>
-            </a:ext>
-          </a:extLst>
-        </p:spPr>
         <p:txBody>
           <a:bodyPr wrap="square" lIns="0" rIns="0">
             <a:spAutoFit/>
@@ -4471,17 +4546,36 @@
                 <a:ea typeface="Amazon Ember" panose="020B0603020204020204" pitchFamily="34" charset="0"/>
                 <a:cs typeface="Arial" panose="020B0604020202020204" pitchFamily="34" charset="0"/>
               </a:rPr>
-              <a:t>G4dn instance</a:t>
-            </a:r>
+              <a:t>Collaborator node</a:t>
+            </a:r>
+          </a:p>
+          <a:p>
+            <a:pPr algn="ctr" eaLnBrk="1" hangingPunct="1"/>
+            <a:r>
+              <a:rPr lang="en-US" altLang="en-US" sz="1100" dirty="0">
+                <a:latin typeface="Arial" panose="020B0604020202020204" pitchFamily="34" charset="0"/>
+                <a:ea typeface="Amazon Ember" panose="020B0603020204020204" pitchFamily="34" charset="0"/>
+                <a:cs typeface="Arial" panose="020B0604020202020204" pitchFamily="34" charset="0"/>
+              </a:rPr>
+              <a:t>(G4dn or G5)</a:t>
+            </a:r>
+          </a:p>
+          <a:p>
+            <a:pPr algn="ctr" eaLnBrk="1" hangingPunct="1"/>
+            <a:endParaRPr lang="en-US" altLang="en-US" sz="1100" dirty="0">
+              <a:latin typeface="Arial" panose="020B0604020202020204" pitchFamily="34" charset="0"/>
+              <a:ea typeface="Amazon Ember" panose="020B0603020204020204" pitchFamily="34" charset="0"/>
+              <a:cs typeface="Arial" panose="020B0604020202020204" pitchFamily="34" charset="0"/>
+            </a:endParaRPr>
           </a:p>
         </p:txBody>
       </p:sp>
       <p:pic>
         <p:nvPicPr>
-          <p:cNvPr id="19" name="Graphic 108">
-            <a:extLst>
-              <a:ext uri="{FF2B5EF4-FFF2-40B4-BE49-F238E27FC236}">
-                <a16:creationId xmlns:a16="http://schemas.microsoft.com/office/drawing/2014/main" id="{F66443EF-1584-45F3-82C8-C37EA4457305}"/>
+          <p:cNvPr id="21" name="Graphic 60">
+            <a:extLst>
+              <a:ext uri="{FF2B5EF4-FFF2-40B4-BE49-F238E27FC236}">
+                <a16:creationId xmlns:a16="http://schemas.microsoft.com/office/drawing/2014/main" id="{E2F4F583-D5E9-46AF-A304-263D30382113}"/>
               </a:ext>
             </a:extLst>
           </p:cNvPr>
@@ -4492,225 +4586,6 @@
         </p:nvPicPr>
         <p:blipFill>
           <a:blip r:embed="rId5">
-            <a:extLst>
-              <a:ext uri="{96DAC541-7B7A-43D3-8B79-37D633B846F1}">
-                <asvg:svgBlip xmlns:asvg="http://schemas.microsoft.com/office/drawing/2016/SVG/main" r:embed="rId6"/>
-              </a:ext>
-            </a:extLst>
-          </a:blip>
-          <a:srcRect/>
-          <a:stretch/>
-        </p:blipFill>
-        <p:spPr bwMode="auto">
-          <a:xfrm>
-            <a:off x="9144000" y="4114800"/>
-            <a:ext cx="466344" cy="466344"/>
-          </a:xfrm>
-          <a:prstGeom prst="rect">
-            <a:avLst/>
-          </a:prstGeom>
-          <a:noFill/>
-          <a:ln>
-            <a:noFill/>
-          </a:ln>
-          <a:extLst>
-            <a:ext uri="{909E8E84-426E-40DD-AFC4-6F175D3DCCD1}">
-              <a14:hiddenFill xmlns:a14="http://schemas.microsoft.com/office/drawing/2010/main">
-                <a:solidFill>
-                  <a:srgbClr val="FFFFFF"/>
-                </a:solidFill>
-              </a14:hiddenFill>
-            </a:ext>
-            <a:ext uri="{91240B29-F687-4F45-9708-019B960494DF}">
-              <a14:hiddenLine xmlns:a14="http://schemas.microsoft.com/office/drawing/2010/main" w="9525">
-                <a:solidFill>
-                  <a:srgbClr val="000000"/>
-                </a:solidFill>
-                <a:miter lim="800000"/>
-                <a:headEnd/>
-                <a:tailEnd/>
-              </a14:hiddenLine>
-            </a:ext>
-          </a:extLst>
-        </p:spPr>
-      </p:pic>
-      <p:sp>
-        <p:nvSpPr>
-          <p:cNvPr id="20" name="TextBox 16">
-            <a:extLst>
-              <a:ext uri="{FF2B5EF4-FFF2-40B4-BE49-F238E27FC236}">
-                <a16:creationId xmlns:a16="http://schemas.microsoft.com/office/drawing/2014/main" id="{D5928100-1F29-4021-BE04-122C9847D8DC}"/>
-              </a:ext>
-            </a:extLst>
-          </p:cNvPr>
-          <p:cNvSpPr txBox="1">
-            <a:spLocks noChangeArrowheads="1"/>
-          </p:cNvSpPr>
-          <p:nvPr/>
-        </p:nvSpPr>
-        <p:spPr bwMode="auto">
-          <a:xfrm>
-            <a:off x="8915400" y="4526280"/>
-            <a:ext cx="914400" cy="261610"/>
-          </a:xfrm>
-          <a:prstGeom prst="rect">
-            <a:avLst/>
-          </a:prstGeom>
-          <a:noFill/>
-          <a:ln>
-            <a:noFill/>
-          </a:ln>
-          <a:extLst>
-            <a:ext uri="{909E8E84-426E-40DD-AFC4-6F175D3DCCD1}">
-              <a14:hiddenFill xmlns:a14="http://schemas.microsoft.com/office/drawing/2010/main">
-                <a:solidFill>
-                  <a:srgbClr val="FFFFFF"/>
-                </a:solidFill>
-              </a14:hiddenFill>
-            </a:ext>
-            <a:ext uri="{91240B29-F687-4F45-9708-019B960494DF}">
-              <a14:hiddenLine xmlns:a14="http://schemas.microsoft.com/office/drawing/2010/main" w="9525">
-                <a:solidFill>
-                  <a:srgbClr val="000000"/>
-                </a:solidFill>
-                <a:miter lim="800000"/>
-                <a:headEnd/>
-                <a:tailEnd/>
-              </a14:hiddenLine>
-            </a:ext>
-          </a:extLst>
-        </p:spPr>
-        <p:txBody>
-          <a:bodyPr wrap="square" lIns="0" rIns="0">
-            <a:spAutoFit/>
-          </a:bodyPr>
-          <a:lstStyle>
-            <a:lvl1pPr>
-              <a:defRPr>
-                <a:solidFill>
-                  <a:schemeClr val="tx1"/>
-                </a:solidFill>
-                <a:latin typeface="Calibri" panose="020F0502020204030204" pitchFamily="34" charset="0"/>
-              </a:defRPr>
-            </a:lvl1pPr>
-            <a:lvl2pPr marL="742950" indent="-285750">
-              <a:defRPr>
-                <a:solidFill>
-                  <a:schemeClr val="tx1"/>
-                </a:solidFill>
-                <a:latin typeface="Calibri" panose="020F0502020204030204" pitchFamily="34" charset="0"/>
-              </a:defRPr>
-            </a:lvl2pPr>
-            <a:lvl3pPr marL="1143000" indent="-228600">
-              <a:defRPr>
-                <a:solidFill>
-                  <a:schemeClr val="tx1"/>
-                </a:solidFill>
-                <a:latin typeface="Calibri" panose="020F0502020204030204" pitchFamily="34" charset="0"/>
-              </a:defRPr>
-            </a:lvl3pPr>
-            <a:lvl4pPr marL="1600200" indent="-228600">
-              <a:defRPr>
-                <a:solidFill>
-                  <a:schemeClr val="tx1"/>
-                </a:solidFill>
-                <a:latin typeface="Calibri" panose="020F0502020204030204" pitchFamily="34" charset="0"/>
-              </a:defRPr>
-            </a:lvl4pPr>
-            <a:lvl5pPr marL="2057400" indent="-228600">
-              <a:defRPr>
-                <a:solidFill>
-                  <a:schemeClr val="tx1"/>
-                </a:solidFill>
-                <a:latin typeface="Calibri" panose="020F0502020204030204" pitchFamily="34" charset="0"/>
-              </a:defRPr>
-            </a:lvl5pPr>
-            <a:lvl6pPr marL="2514600" indent="-228600" eaLnBrk="0" fontAlgn="base" hangingPunct="0">
-              <a:spcBef>
-                <a:spcPct val="0"/>
-              </a:spcBef>
-              <a:spcAft>
-                <a:spcPct val="0"/>
-              </a:spcAft>
-              <a:defRPr>
-                <a:solidFill>
-                  <a:schemeClr val="tx1"/>
-                </a:solidFill>
-                <a:latin typeface="Calibri" panose="020F0502020204030204" pitchFamily="34" charset="0"/>
-              </a:defRPr>
-            </a:lvl6pPr>
-            <a:lvl7pPr marL="2971800" indent="-228600" eaLnBrk="0" fontAlgn="base" hangingPunct="0">
-              <a:spcBef>
-                <a:spcPct val="0"/>
-              </a:spcBef>
-              <a:spcAft>
-                <a:spcPct val="0"/>
-              </a:spcAft>
-              <a:defRPr>
-                <a:solidFill>
-                  <a:schemeClr val="tx1"/>
-                </a:solidFill>
-                <a:latin typeface="Calibri" panose="020F0502020204030204" pitchFamily="34" charset="0"/>
-              </a:defRPr>
-            </a:lvl7pPr>
-            <a:lvl8pPr marL="3429000" indent="-228600" eaLnBrk="0" fontAlgn="base" hangingPunct="0">
-              <a:spcBef>
-                <a:spcPct val="0"/>
-              </a:spcBef>
-              <a:spcAft>
-                <a:spcPct val="0"/>
-              </a:spcAft>
-              <a:defRPr>
-                <a:solidFill>
-                  <a:schemeClr val="tx1"/>
-                </a:solidFill>
-                <a:latin typeface="Calibri" panose="020F0502020204030204" pitchFamily="34" charset="0"/>
-              </a:defRPr>
-            </a:lvl8pPr>
-            <a:lvl9pPr marL="3886200" indent="-228600" eaLnBrk="0" fontAlgn="base" hangingPunct="0">
-              <a:spcBef>
-                <a:spcPct val="0"/>
-              </a:spcBef>
-              <a:spcAft>
-                <a:spcPct val="0"/>
-              </a:spcAft>
-              <a:defRPr>
-                <a:solidFill>
-                  <a:schemeClr val="tx1"/>
-                </a:solidFill>
-                <a:latin typeface="Calibri" panose="020F0502020204030204" pitchFamily="34" charset="0"/>
-              </a:defRPr>
-            </a:lvl9pPr>
-          </a:lstStyle>
-          <a:p>
-            <a:pPr algn="ctr" eaLnBrk="1" hangingPunct="1"/>
-            <a:r>
-              <a:rPr lang="en-US" altLang="en-US" sz="1100" dirty="0">
-                <a:latin typeface="Arial" panose="020B0604020202020204" pitchFamily="34" charset="0"/>
-                <a:ea typeface="Amazon Ember" panose="020B0603020204020204" pitchFamily="34" charset="0"/>
-                <a:cs typeface="Arial" panose="020B0604020202020204" pitchFamily="34" charset="0"/>
-              </a:rPr>
-              <a:t>G4dn instance</a:t>
-            </a:r>
-          </a:p>
-        </p:txBody>
-      </p:sp>
-      <p:pic>
-        <p:nvPicPr>
-          <p:cNvPr id="21" name="Graphic 60">
-            <a:extLst>
-              <a:ext uri="{FF2B5EF4-FFF2-40B4-BE49-F238E27FC236}">
-                <a16:creationId xmlns:a16="http://schemas.microsoft.com/office/drawing/2014/main" id="{E2F4F583-D5E9-46AF-A304-263D30382113}"/>
-              </a:ext>
-            </a:extLst>
-          </p:cNvPr>
-          <p:cNvPicPr>
-            <a:picLocks noChangeAspect="1" noChangeArrowheads="1"/>
-          </p:cNvPicPr>
-          <p:nvPr/>
-        </p:nvPicPr>
-        <p:blipFill>
-          <a:blip r:embed="rId7">
             <a:extLst>
               <a:ext uri="{28A0092B-C50C-407E-A947-70E740481C1C}">
                 <a14:useLocalDpi xmlns:a14="http://schemas.microsoft.com/office/drawing/2010/main" val="0"/>
@@ -4771,7 +4646,7 @@
         </p:nvSpPr>
         <p:spPr bwMode="auto">
           <a:xfrm>
-            <a:off x="3211449" y="2880360"/>
+            <a:off x="3211449" y="2834640"/>
             <a:ext cx="1188720" cy="261610"/>
           </a:xfrm>
           <a:prstGeom prst="rect">
@@ -5092,7 +4967,7 @@
           <p:nvPr/>
         </p:nvPicPr>
         <p:blipFill>
-          <a:blip r:embed="rId8">
+          <a:blip r:embed="rId6">
             <a:extLst>
               <a:ext uri="{28A0092B-C50C-407E-A947-70E740481C1C}">
                 <a14:useLocalDpi xmlns:a14="http://schemas.microsoft.com/office/drawing/2010/main" val="0"/>
@@ -5313,7 +5188,7 @@
           <p:nvPr/>
         </p:nvPicPr>
         <p:blipFill>
-          <a:blip r:embed="rId8">
+          <a:blip r:embed="rId6">
             <a:extLst>
               <a:ext uri="{28A0092B-C50C-407E-A947-70E740481C1C}">
                 <a14:useLocalDpi xmlns:a14="http://schemas.microsoft.com/office/drawing/2010/main" val="0"/>
@@ -5534,7 +5409,7 @@
           <p:nvPr/>
         </p:nvPicPr>
         <p:blipFill>
-          <a:blip r:embed="rId8">
+          <a:blip r:embed="rId6">
             <a:extLst>
               <a:ext uri="{28A0092B-C50C-407E-A947-70E740481C1C}">
                 <a14:useLocalDpi xmlns:a14="http://schemas.microsoft.com/office/drawing/2010/main" val="0"/>
@@ -5594,7 +5469,7 @@
           <p:nvPr/>
         </p:nvPicPr>
         <p:blipFill>
-          <a:blip r:embed="rId9">
+          <a:blip r:embed="rId7">
             <a:extLst>
               <a:ext uri="{28A0092B-C50C-407E-A947-70E740481C1C}">
                 <a14:useLocalDpi xmlns:a14="http://schemas.microsoft.com/office/drawing/2010/main" val="0"/>
@@ -5654,7 +5529,7 @@
           <p:nvPr/>
         </p:nvPicPr>
         <p:blipFill>
-          <a:blip r:embed="rId9">
+          <a:blip r:embed="rId7">
             <a:extLst>
               <a:ext uri="{28A0092B-C50C-407E-A947-70E740481C1C}">
                 <a14:useLocalDpi xmlns:a14="http://schemas.microsoft.com/office/drawing/2010/main" val="0"/>
@@ -5668,7 +5543,7 @@
         </p:blipFill>
         <p:spPr bwMode="auto">
           <a:xfrm>
-            <a:off x="182880" y="2273300"/>
+            <a:off x="182880" y="2240280"/>
             <a:ext cx="850900" cy="850900"/>
           </a:xfrm>
           <a:prstGeom prst="rect">
@@ -5715,8 +5590,8 @@
         </p:nvSpPr>
         <p:spPr bwMode="auto">
           <a:xfrm>
-            <a:off x="365760" y="3091190"/>
-            <a:ext cx="548640" cy="261610"/>
+            <a:off x="182880" y="3063240"/>
+            <a:ext cx="822960" cy="274320"/>
           </a:xfrm>
           <a:prstGeom prst="rect">
             <a:avLst/>
@@ -5855,7 +5730,7 @@
                 <a:ea typeface="Amazon Ember" panose="020B0603020204020204" pitchFamily="34" charset="0"/>
                 <a:cs typeface="Arial" panose="020B0604020202020204" pitchFamily="34" charset="0"/>
               </a:rPr>
-              <a:t>Primary</a:t>
+              <a:t>Primary user</a:t>
             </a:r>
           </a:p>
         </p:txBody>
@@ -6038,9 +5913,9 @@
           <p:nvPr/>
         </p:nvCxnSpPr>
         <p:spPr>
-          <a:xfrm flipV="1">
-            <a:off x="1033780" y="2671572"/>
-            <a:ext cx="2532380" cy="27178"/>
+          <a:xfrm>
+            <a:off x="1033780" y="2665730"/>
+            <a:ext cx="2532380" cy="5842"/>
           </a:xfrm>
           <a:prstGeom prst="straightConnector1">
             <a:avLst/>
@@ -6080,7 +5955,7 @@
           <p:cNvCxnSpPr>
             <a:cxnSpLocks/>
             <a:stCxn id="29" idx="3"/>
-            <a:endCxn id="15" idx="1"/>
+            <a:endCxn id="37" idx="1"/>
           </p:cNvCxnSpPr>
           <p:nvPr/>
         </p:nvCxnSpPr>
@@ -6258,7 +6133,7 @@
                 <a:latin typeface="Arial" panose="020B0604020202020204" pitchFamily="34" charset="0"/>
                 <a:cs typeface="Arial" panose="020B0604020202020204" pitchFamily="34" charset="0"/>
               </a:rPr>
-              <a:t>Availability Zone</a:t>
+              <a:t>Availability Zone 1</a:t>
             </a:r>
           </a:p>
         </p:txBody>
@@ -6328,7 +6203,7 @@
                 <a:latin typeface="Arial" panose="020B0604020202020204" pitchFamily="34" charset="0"/>
                 <a:cs typeface="Arial" panose="020B0604020202020204" pitchFamily="34" charset="0"/>
               </a:rPr>
-              <a:t>Availability Zone</a:t>
+              <a:t>Availability Zone 2</a:t>
             </a:r>
           </a:p>
         </p:txBody>
@@ -6398,7 +6273,7 @@
                 <a:latin typeface="Arial" panose="020B0604020202020204" pitchFamily="34" charset="0"/>
                 <a:cs typeface="Arial" panose="020B0604020202020204" pitchFamily="34" charset="0"/>
               </a:rPr>
-              <a:t>Availability Zone</a:t>
+              <a:t>Availability Zone 3</a:t>
             </a:r>
           </a:p>
         </p:txBody>
@@ -6418,10 +6293,10 @@
           <p:nvPr/>
         </p:nvPicPr>
         <p:blipFill>
-          <a:blip r:embed="rId10">
+          <a:blip r:embed="rId8">
             <a:extLst>
               <a:ext uri="{96DAC541-7B7A-43D3-8B79-37D633B846F1}">
-                <asvg:svgBlip xmlns:asvg="http://schemas.microsoft.com/office/drawing/2016/SVG/main" r:embed="rId11"/>
+                <asvg:svgBlip xmlns:asvg="http://schemas.microsoft.com/office/drawing/2016/SVG/main" r:embed="rId9"/>
               </a:ext>
             </a:extLst>
           </a:blip>
@@ -6436,6 +6311,186 @@
           <a:prstGeom prst="rect">
             <a:avLst/>
           </a:prstGeom>
+        </p:spPr>
+      </p:pic>
+      <p:pic>
+        <p:nvPicPr>
+          <p:cNvPr id="37" name="Graphic 60">
+            <a:extLst>
+              <a:ext uri="{FF2B5EF4-FFF2-40B4-BE49-F238E27FC236}">
+                <a16:creationId xmlns:a16="http://schemas.microsoft.com/office/drawing/2014/main" id="{9823ABB0-EEF9-4C8E-A2E4-DF518FB50C98}"/>
+              </a:ext>
+            </a:extLst>
+          </p:cNvPr>
+          <p:cNvPicPr>
+            <a:picLocks noChangeAspect="1" noChangeArrowheads="1"/>
+          </p:cNvPicPr>
+          <p:nvPr/>
+        </p:nvPicPr>
+        <p:blipFill>
+          <a:blip r:embed="rId5">
+            <a:extLst>
+              <a:ext uri="{28A0092B-C50C-407E-A947-70E740481C1C}">
+                <a14:useLocalDpi xmlns:a14="http://schemas.microsoft.com/office/drawing/2010/main" val="0"/>
+              </a:ext>
+            </a:extLst>
+          </a:blip>
+          <a:srcRect/>
+          <a:stretch>
+            <a:fillRect/>
+          </a:stretch>
+        </p:blipFill>
+        <p:spPr bwMode="auto">
+          <a:xfrm>
+            <a:off x="3566160" y="4114800"/>
+            <a:ext cx="466344" cy="466344"/>
+          </a:xfrm>
+          <a:prstGeom prst="rect">
+            <a:avLst/>
+          </a:prstGeom>
+          <a:noFill/>
+          <a:ln>
+            <a:noFill/>
+          </a:ln>
+          <a:extLst>
+            <a:ext uri="{909E8E84-426E-40DD-AFC4-6F175D3DCCD1}">
+              <a14:hiddenFill xmlns:a14="http://schemas.microsoft.com/office/drawing/2010/main">
+                <a:solidFill>
+                  <a:srgbClr val="FFFFFF"/>
+                </a:solidFill>
+              </a14:hiddenFill>
+            </a:ext>
+            <a:ext uri="{91240B29-F687-4F45-9708-019B960494DF}">
+              <a14:hiddenLine xmlns:a14="http://schemas.microsoft.com/office/drawing/2010/main" w="9525">
+                <a:solidFill>
+                  <a:srgbClr val="000000"/>
+                </a:solidFill>
+                <a:miter lim="800000"/>
+                <a:headEnd/>
+                <a:tailEnd/>
+              </a14:hiddenLine>
+            </a:ext>
+          </a:extLst>
+        </p:spPr>
+      </p:pic>
+      <p:pic>
+        <p:nvPicPr>
+          <p:cNvPr id="42" name="Graphic 60">
+            <a:extLst>
+              <a:ext uri="{FF2B5EF4-FFF2-40B4-BE49-F238E27FC236}">
+                <a16:creationId xmlns:a16="http://schemas.microsoft.com/office/drawing/2014/main" id="{FF51A4C4-464B-4D9C-B42B-078D9DDF51E2}"/>
+              </a:ext>
+            </a:extLst>
+          </p:cNvPr>
+          <p:cNvPicPr>
+            <a:picLocks noChangeAspect="1" noChangeArrowheads="1"/>
+          </p:cNvPicPr>
+          <p:nvPr/>
+        </p:nvPicPr>
+        <p:blipFill>
+          <a:blip r:embed="rId5">
+            <a:extLst>
+              <a:ext uri="{28A0092B-C50C-407E-A947-70E740481C1C}">
+                <a14:useLocalDpi xmlns:a14="http://schemas.microsoft.com/office/drawing/2010/main" val="0"/>
+              </a:ext>
+            </a:extLst>
+          </a:blip>
+          <a:srcRect/>
+          <a:stretch>
+            <a:fillRect/>
+          </a:stretch>
+        </p:blipFill>
+        <p:spPr bwMode="auto">
+          <a:xfrm>
+            <a:off x="6355080" y="4114800"/>
+            <a:ext cx="466344" cy="466344"/>
+          </a:xfrm>
+          <a:prstGeom prst="rect">
+            <a:avLst/>
+          </a:prstGeom>
+          <a:noFill/>
+          <a:ln>
+            <a:noFill/>
+          </a:ln>
+          <a:extLst>
+            <a:ext uri="{909E8E84-426E-40DD-AFC4-6F175D3DCCD1}">
+              <a14:hiddenFill xmlns:a14="http://schemas.microsoft.com/office/drawing/2010/main">
+                <a:solidFill>
+                  <a:srgbClr val="FFFFFF"/>
+                </a:solidFill>
+              </a14:hiddenFill>
+            </a:ext>
+            <a:ext uri="{91240B29-F687-4F45-9708-019B960494DF}">
+              <a14:hiddenLine xmlns:a14="http://schemas.microsoft.com/office/drawing/2010/main" w="9525">
+                <a:solidFill>
+                  <a:srgbClr val="000000"/>
+                </a:solidFill>
+                <a:miter lim="800000"/>
+                <a:headEnd/>
+                <a:tailEnd/>
+              </a14:hiddenLine>
+            </a:ext>
+          </a:extLst>
+        </p:spPr>
+      </p:pic>
+      <p:pic>
+        <p:nvPicPr>
+          <p:cNvPr id="43" name="Graphic 60">
+            <a:extLst>
+              <a:ext uri="{FF2B5EF4-FFF2-40B4-BE49-F238E27FC236}">
+                <a16:creationId xmlns:a16="http://schemas.microsoft.com/office/drawing/2014/main" id="{B285C592-50E9-4D3A-AD63-33382E34FBE0}"/>
+              </a:ext>
+            </a:extLst>
+          </p:cNvPr>
+          <p:cNvPicPr>
+            <a:picLocks noChangeAspect="1" noChangeArrowheads="1"/>
+          </p:cNvPicPr>
+          <p:nvPr/>
+        </p:nvPicPr>
+        <p:blipFill>
+          <a:blip r:embed="rId5">
+            <a:extLst>
+              <a:ext uri="{28A0092B-C50C-407E-A947-70E740481C1C}">
+                <a14:useLocalDpi xmlns:a14="http://schemas.microsoft.com/office/drawing/2010/main" val="0"/>
+              </a:ext>
+            </a:extLst>
+          </a:blip>
+          <a:srcRect/>
+          <a:stretch>
+            <a:fillRect/>
+          </a:stretch>
+        </p:blipFill>
+        <p:spPr bwMode="auto">
+          <a:xfrm>
+            <a:off x="9144000" y="4114800"/>
+            <a:ext cx="466344" cy="466344"/>
+          </a:xfrm>
+          <a:prstGeom prst="rect">
+            <a:avLst/>
+          </a:prstGeom>
+          <a:noFill/>
+          <a:ln>
+            <a:noFill/>
+          </a:ln>
+          <a:extLst>
+            <a:ext uri="{909E8E84-426E-40DD-AFC4-6F175D3DCCD1}">
+              <a14:hiddenFill xmlns:a14="http://schemas.microsoft.com/office/drawing/2010/main">
+                <a:solidFill>
+                  <a:srgbClr val="FFFFFF"/>
+                </a:solidFill>
+              </a14:hiddenFill>
+            </a:ext>
+            <a:ext uri="{91240B29-F687-4F45-9708-019B960494DF}">
+              <a14:hiddenLine xmlns:a14="http://schemas.microsoft.com/office/drawing/2010/main" w="9525">
+                <a:solidFill>
+                  <a:srgbClr val="000000"/>
+                </a:solidFill>
+                <a:miter lim="800000"/>
+                <a:headEnd/>
+                <a:tailEnd/>
+              </a14:hiddenLine>
+            </a:ext>
+          </a:extLst>
         </p:spPr>
       </p:pic>
     </p:spTree>

--- a/docs/deployment_guide/images/nvidia-cloudxr-architecture-diagram.pptx
+++ b/docs/deployment_guide/images/nvidia-cloudxr-architecture-diagram.pptx
@@ -259,7 +259,7 @@
           <a:p>
             <a:fld id="{57FDE35A-8C5E-412B-9F88-2F523D6285FF}" type="datetimeFigureOut">
               <a:rPr lang="en-US" smtClean="0"/>
-              <a:t>2/10/2023</a:t>
+              <a:t>5/2/2023</a:t>
             </a:fld>
             <a:endParaRPr lang="en-US"/>
           </a:p>
@@ -457,7 +457,7 @@
           <a:p>
             <a:fld id="{57FDE35A-8C5E-412B-9F88-2F523D6285FF}" type="datetimeFigureOut">
               <a:rPr lang="en-US" smtClean="0"/>
-              <a:t>2/10/2023</a:t>
+              <a:t>5/2/2023</a:t>
             </a:fld>
             <a:endParaRPr lang="en-US"/>
           </a:p>
@@ -665,7 +665,7 @@
           <a:p>
             <a:fld id="{57FDE35A-8C5E-412B-9F88-2F523D6285FF}" type="datetimeFigureOut">
               <a:rPr lang="en-US" smtClean="0"/>
-              <a:t>2/10/2023</a:t>
+              <a:t>5/2/2023</a:t>
             </a:fld>
             <a:endParaRPr lang="en-US"/>
           </a:p>
@@ -863,7 +863,7 @@
           <a:p>
             <a:fld id="{57FDE35A-8C5E-412B-9F88-2F523D6285FF}" type="datetimeFigureOut">
               <a:rPr lang="en-US" smtClean="0"/>
-              <a:t>2/10/2023</a:t>
+              <a:t>5/2/2023</a:t>
             </a:fld>
             <a:endParaRPr lang="en-US"/>
           </a:p>
@@ -1138,7 +1138,7 @@
           <a:p>
             <a:fld id="{57FDE35A-8C5E-412B-9F88-2F523D6285FF}" type="datetimeFigureOut">
               <a:rPr lang="en-US" smtClean="0"/>
-              <a:t>2/10/2023</a:t>
+              <a:t>5/2/2023</a:t>
             </a:fld>
             <a:endParaRPr lang="en-US"/>
           </a:p>
@@ -1403,7 +1403,7 @@
           <a:p>
             <a:fld id="{57FDE35A-8C5E-412B-9F88-2F523D6285FF}" type="datetimeFigureOut">
               <a:rPr lang="en-US" smtClean="0"/>
-              <a:t>2/10/2023</a:t>
+              <a:t>5/2/2023</a:t>
             </a:fld>
             <a:endParaRPr lang="en-US"/>
           </a:p>
@@ -1815,7 +1815,7 @@
           <a:p>
             <a:fld id="{57FDE35A-8C5E-412B-9F88-2F523D6285FF}" type="datetimeFigureOut">
               <a:rPr lang="en-US" smtClean="0"/>
-              <a:t>2/10/2023</a:t>
+              <a:t>5/2/2023</a:t>
             </a:fld>
             <a:endParaRPr lang="en-US"/>
           </a:p>
@@ -1956,7 +1956,7 @@
           <a:p>
             <a:fld id="{57FDE35A-8C5E-412B-9F88-2F523D6285FF}" type="datetimeFigureOut">
               <a:rPr lang="en-US" smtClean="0"/>
-              <a:t>2/10/2023</a:t>
+              <a:t>5/2/2023</a:t>
             </a:fld>
             <a:endParaRPr lang="en-US"/>
           </a:p>
@@ -2069,7 +2069,7 @@
           <a:p>
             <a:fld id="{57FDE35A-8C5E-412B-9F88-2F523D6285FF}" type="datetimeFigureOut">
               <a:rPr lang="en-US" smtClean="0"/>
-              <a:t>2/10/2023</a:t>
+              <a:t>5/2/2023</a:t>
             </a:fld>
             <a:endParaRPr lang="en-US"/>
           </a:p>
@@ -2380,7 +2380,7 @@
           <a:p>
             <a:fld id="{57FDE35A-8C5E-412B-9F88-2F523D6285FF}" type="datetimeFigureOut">
               <a:rPr lang="en-US" smtClean="0"/>
-              <a:t>2/10/2023</a:t>
+              <a:t>5/2/2023</a:t>
             </a:fld>
             <a:endParaRPr lang="en-US"/>
           </a:p>
@@ -2668,7 +2668,7 @@
           <a:p>
             <a:fld id="{57FDE35A-8C5E-412B-9F88-2F523D6285FF}" type="datetimeFigureOut">
               <a:rPr lang="en-US" smtClean="0"/>
-              <a:t>2/10/2023</a:t>
+              <a:t>5/2/2023</a:t>
             </a:fld>
             <a:endParaRPr lang="en-US"/>
           </a:p>
@@ -2909,7 +2909,7 @@
           <a:p>
             <a:fld id="{57FDE35A-8C5E-412B-9F88-2F523D6285FF}" type="datetimeFigureOut">
               <a:rPr lang="en-US" smtClean="0"/>
-              <a:t>2/10/2023</a:t>
+              <a:t>5/2/2023</a:t>
             </a:fld>
             <a:endParaRPr lang="en-US"/>
           </a:p>
@@ -3347,7 +3347,7 @@
             <a:avLst/>
           </a:prstGeom>
           <a:noFill/>
-          <a:ln w="12700">
+          <a:ln w="15875">
             <a:solidFill>
               <a:schemeClr val="tx1"/>
             </a:solidFill>
@@ -3457,107 +3457,22 @@
       </p:pic>
       <p:sp>
         <p:nvSpPr>
-          <p:cNvPr id="7" name="Rectangle 6">
-            <a:extLst>
-              <a:ext uri="{FF2B5EF4-FFF2-40B4-BE49-F238E27FC236}">
-                <a16:creationId xmlns:a16="http://schemas.microsoft.com/office/drawing/2014/main" id="{4E6E7356-70F4-40FB-8CA5-284F796AED87}"/>
-              </a:ext>
-            </a:extLst>
-          </p:cNvPr>
-          <p:cNvSpPr/>
+          <p:cNvPr id="16" name="TextBox 16">
+            <a:extLst>
+              <a:ext uri="{FF2B5EF4-FFF2-40B4-BE49-F238E27FC236}">
+                <a16:creationId xmlns:a16="http://schemas.microsoft.com/office/drawing/2014/main" id="{47CA5352-34C4-4DF3-ACE3-AD482B34FA92}"/>
+              </a:ext>
+            </a:extLst>
+          </p:cNvPr>
+          <p:cNvSpPr txBox="1">
+            <a:spLocks noChangeArrowheads="1"/>
+          </p:cNvSpPr>
           <p:nvPr/>
         </p:nvSpPr>
-        <p:spPr>
-          <a:xfrm>
-            <a:off x="2743200" y="1280160"/>
-            <a:ext cx="2194560" cy="3840480"/>
-          </a:xfrm>
-          <a:prstGeom prst="rect">
-            <a:avLst/>
-          </a:prstGeom>
-          <a:solidFill>
-            <a:srgbClr val="1D8900">
-              <a:alpha val="9804"/>
-            </a:srgbClr>
-          </a:solidFill>
-          <a:ln w="12700">
-            <a:noFill/>
-            <a:prstDash val="dash"/>
-          </a:ln>
-        </p:spPr>
-        <p:style>
-          <a:lnRef idx="2">
-            <a:schemeClr val="accent1">
-              <a:shade val="50000"/>
-            </a:schemeClr>
-          </a:lnRef>
-          <a:fillRef idx="1">
-            <a:schemeClr val="accent1"/>
-          </a:fillRef>
-          <a:effectRef idx="0">
-            <a:schemeClr val="accent1"/>
-          </a:effectRef>
-          <a:fontRef idx="minor">
-            <a:schemeClr val="lt1"/>
-          </a:fontRef>
-        </p:style>
-        <p:txBody>
-          <a:bodyPr lIns="338328"/>
-          <a:lstStyle/>
-          <a:p>
-            <a:pPr eaLnBrk="1" fontAlgn="auto" hangingPunct="1">
-              <a:spcBef>
-                <a:spcPts val="0"/>
-              </a:spcBef>
-              <a:spcAft>
-                <a:spcPts val="0"/>
-              </a:spcAft>
-              <a:defRPr/>
-            </a:pPr>
-            <a:r>
-              <a:rPr lang="en-US" sz="1200" dirty="0">
-                <a:solidFill>
-                  <a:srgbClr val="1E8900"/>
-                </a:solidFill>
-                <a:latin typeface="Arial" panose="020B0604020202020204" pitchFamily="34" charset="0"/>
-                <a:cs typeface="Arial" panose="020B0604020202020204" pitchFamily="34" charset="0"/>
-              </a:rPr>
-              <a:t>   Public subnet</a:t>
-            </a:r>
-          </a:p>
-        </p:txBody>
-      </p:sp>
-      <p:pic>
-        <p:nvPicPr>
-          <p:cNvPr id="8" name="Graphic 34">
-            <a:extLst>
-              <a:ext uri="{FF2B5EF4-FFF2-40B4-BE49-F238E27FC236}">
-                <a16:creationId xmlns:a16="http://schemas.microsoft.com/office/drawing/2014/main" id="{26604DC3-BCB2-43DA-850C-C58127EBBB35}"/>
-              </a:ext>
-            </a:extLst>
-          </p:cNvPr>
-          <p:cNvPicPr>
-            <a:picLocks noChangeAspect="1" noChangeArrowheads="1"/>
-          </p:cNvPicPr>
-          <p:nvPr/>
-        </p:nvPicPr>
-        <p:blipFill>
-          <a:blip r:embed="rId3">
-            <a:extLst>
-              <a:ext uri="{28A0092B-C50C-407E-A947-70E740481C1C}">
-                <a14:useLocalDpi xmlns:a14="http://schemas.microsoft.com/office/drawing/2010/main" val="0"/>
-              </a:ext>
-            </a:extLst>
-          </a:blip>
-          <a:srcRect/>
-          <a:stretch>
-            <a:fillRect/>
-          </a:stretch>
-        </p:blipFill>
         <p:spPr bwMode="auto">
           <a:xfrm>
-            <a:off x="2743200" y="1280160"/>
-            <a:ext cx="384048" cy="384048"/>
+            <a:off x="3154680" y="4526280"/>
+            <a:ext cx="1280160" cy="457200"/>
           </a:xfrm>
           <a:prstGeom prst="rect">
             <a:avLst/>
@@ -3586,110 +3501,150 @@
             </a:ext>
           </a:extLst>
         </p:spPr>
-      </p:pic>
-      <p:sp>
-        <p:nvSpPr>
-          <p:cNvPr id="9" name="Rectangle 8">
-            <a:extLst>
-              <a:ext uri="{FF2B5EF4-FFF2-40B4-BE49-F238E27FC236}">
-                <a16:creationId xmlns:a16="http://schemas.microsoft.com/office/drawing/2014/main" id="{31783AF0-DF49-4FD4-938C-F8A6A99105A9}"/>
-              </a:ext>
-            </a:extLst>
-          </p:cNvPr>
-          <p:cNvSpPr/>
-          <p:nvPr/>
-        </p:nvSpPr>
-        <p:spPr>
-          <a:xfrm>
-            <a:off x="5532120" y="1280160"/>
-            <a:ext cx="2194560" cy="3840480"/>
-          </a:xfrm>
-          <a:prstGeom prst="rect">
-            <a:avLst/>
-          </a:prstGeom>
-          <a:solidFill>
-            <a:srgbClr val="1D8900">
-              <a:alpha val="9804"/>
-            </a:srgbClr>
-          </a:solidFill>
-          <a:ln w="12700">
-            <a:noFill/>
-            <a:prstDash val="dash"/>
-          </a:ln>
-        </p:spPr>
-        <p:style>
-          <a:lnRef idx="2">
-            <a:schemeClr val="accent1">
-              <a:shade val="50000"/>
-            </a:schemeClr>
-          </a:lnRef>
-          <a:fillRef idx="1">
-            <a:schemeClr val="accent1"/>
-          </a:fillRef>
-          <a:effectRef idx="0">
-            <a:schemeClr val="accent1"/>
-          </a:effectRef>
-          <a:fontRef idx="minor">
-            <a:schemeClr val="lt1"/>
-          </a:fontRef>
-        </p:style>
-        <p:txBody>
-          <a:bodyPr lIns="338328"/>
-          <a:lstStyle/>
-          <a:p>
-            <a:pPr eaLnBrk="1" fontAlgn="auto" hangingPunct="1">
+        <p:txBody>
+          <a:bodyPr wrap="square" lIns="0" rIns="0">
+            <a:spAutoFit/>
+          </a:bodyPr>
+          <a:lstStyle>
+            <a:lvl1pPr>
+              <a:defRPr>
+                <a:solidFill>
+                  <a:schemeClr val="tx1"/>
+                </a:solidFill>
+                <a:latin typeface="Calibri" panose="020F0502020204030204" pitchFamily="34" charset="0"/>
+              </a:defRPr>
+            </a:lvl1pPr>
+            <a:lvl2pPr marL="742950" indent="-285750">
+              <a:defRPr>
+                <a:solidFill>
+                  <a:schemeClr val="tx1"/>
+                </a:solidFill>
+                <a:latin typeface="Calibri" panose="020F0502020204030204" pitchFamily="34" charset="0"/>
+              </a:defRPr>
+            </a:lvl2pPr>
+            <a:lvl3pPr marL="1143000" indent="-228600">
+              <a:defRPr>
+                <a:solidFill>
+                  <a:schemeClr val="tx1"/>
+                </a:solidFill>
+                <a:latin typeface="Calibri" panose="020F0502020204030204" pitchFamily="34" charset="0"/>
+              </a:defRPr>
+            </a:lvl3pPr>
+            <a:lvl4pPr marL="1600200" indent="-228600">
+              <a:defRPr>
+                <a:solidFill>
+                  <a:schemeClr val="tx1"/>
+                </a:solidFill>
+                <a:latin typeface="Calibri" panose="020F0502020204030204" pitchFamily="34" charset="0"/>
+              </a:defRPr>
+            </a:lvl4pPr>
+            <a:lvl5pPr marL="2057400" indent="-228600">
+              <a:defRPr>
+                <a:solidFill>
+                  <a:schemeClr val="tx1"/>
+                </a:solidFill>
+                <a:latin typeface="Calibri" panose="020F0502020204030204" pitchFamily="34" charset="0"/>
+              </a:defRPr>
+            </a:lvl5pPr>
+            <a:lvl6pPr marL="2514600" indent="-228600" eaLnBrk="0" fontAlgn="base" hangingPunct="0">
               <a:spcBef>
-                <a:spcPts val="0"/>
+                <a:spcPct val="0"/>
               </a:spcBef>
               <a:spcAft>
-                <a:spcPts val="0"/>
+                <a:spcPct val="0"/>
               </a:spcAft>
-              <a:defRPr/>
-            </a:pPr>
-            <a:r>
-              <a:rPr lang="en-US" sz="1200" dirty="0">
-                <a:solidFill>
-                  <a:srgbClr val="1E8900"/>
-                </a:solidFill>
+              <a:defRPr>
+                <a:solidFill>
+                  <a:schemeClr val="tx1"/>
+                </a:solidFill>
+                <a:latin typeface="Calibri" panose="020F0502020204030204" pitchFamily="34" charset="0"/>
+              </a:defRPr>
+            </a:lvl6pPr>
+            <a:lvl7pPr marL="2971800" indent="-228600" eaLnBrk="0" fontAlgn="base" hangingPunct="0">
+              <a:spcBef>
+                <a:spcPct val="0"/>
+              </a:spcBef>
+              <a:spcAft>
+                <a:spcPct val="0"/>
+              </a:spcAft>
+              <a:defRPr>
+                <a:solidFill>
+                  <a:schemeClr val="tx1"/>
+                </a:solidFill>
+                <a:latin typeface="Calibri" panose="020F0502020204030204" pitchFamily="34" charset="0"/>
+              </a:defRPr>
+            </a:lvl7pPr>
+            <a:lvl8pPr marL="3429000" indent="-228600" eaLnBrk="0" fontAlgn="base" hangingPunct="0">
+              <a:spcBef>
+                <a:spcPct val="0"/>
+              </a:spcBef>
+              <a:spcAft>
+                <a:spcPct val="0"/>
+              </a:spcAft>
+              <a:defRPr>
+                <a:solidFill>
+                  <a:schemeClr val="tx1"/>
+                </a:solidFill>
+                <a:latin typeface="Calibri" panose="020F0502020204030204" pitchFamily="34" charset="0"/>
+              </a:defRPr>
+            </a:lvl8pPr>
+            <a:lvl9pPr marL="3886200" indent="-228600" eaLnBrk="0" fontAlgn="base" hangingPunct="0">
+              <a:spcBef>
+                <a:spcPct val="0"/>
+              </a:spcBef>
+              <a:spcAft>
+                <a:spcPct val="0"/>
+              </a:spcAft>
+              <a:defRPr>
+                <a:solidFill>
+                  <a:schemeClr val="tx1"/>
+                </a:solidFill>
+                <a:latin typeface="Calibri" panose="020F0502020204030204" pitchFamily="34" charset="0"/>
+              </a:defRPr>
+            </a:lvl9pPr>
+          </a:lstStyle>
+          <a:p>
+            <a:pPr algn="ctr" eaLnBrk="1" hangingPunct="1"/>
+            <a:r>
+              <a:rPr lang="en-US" altLang="en-US" sz="1200" dirty="0">
                 <a:latin typeface="Arial" panose="020B0604020202020204" pitchFamily="34" charset="0"/>
+                <a:ea typeface="Amazon Ember" panose="020B0603020204020204" pitchFamily="34" charset="0"/>
                 <a:cs typeface="Arial" panose="020B0604020202020204" pitchFamily="34" charset="0"/>
               </a:rPr>
-              <a:t>   Public subnet</a:t>
-            </a:r>
-          </a:p>
-        </p:txBody>
-      </p:sp>
-      <p:pic>
-        <p:nvPicPr>
-          <p:cNvPr id="10" name="Graphic 34">
-            <a:extLst>
-              <a:ext uri="{FF2B5EF4-FFF2-40B4-BE49-F238E27FC236}">
-                <a16:creationId xmlns:a16="http://schemas.microsoft.com/office/drawing/2014/main" id="{DF249048-6F10-4FC0-B540-D53DAEF6CA42}"/>
-              </a:ext>
-            </a:extLst>
-          </p:cNvPr>
-          <p:cNvPicPr>
-            <a:picLocks noChangeAspect="1" noChangeArrowheads="1"/>
-          </p:cNvPicPr>
+              <a:t>Collaborator node</a:t>
+            </a:r>
+          </a:p>
+          <a:p>
+            <a:pPr algn="ctr" eaLnBrk="1" hangingPunct="1"/>
+            <a:r>
+              <a:rPr lang="en-US" altLang="en-US" sz="1200" dirty="0">
+                <a:latin typeface="Arial" panose="020B0604020202020204" pitchFamily="34" charset="0"/>
+                <a:ea typeface="Amazon Ember" panose="020B0603020204020204" pitchFamily="34" charset="0"/>
+                <a:cs typeface="Arial" panose="020B0604020202020204" pitchFamily="34" charset="0"/>
+              </a:rPr>
+              <a:t>(G4dn or G5)</a:t>
+            </a:r>
+          </a:p>
+        </p:txBody>
+      </p:sp>
+      <p:sp>
+        <p:nvSpPr>
+          <p:cNvPr id="18" name="TextBox 16">
+            <a:extLst>
+              <a:ext uri="{FF2B5EF4-FFF2-40B4-BE49-F238E27FC236}">
+                <a16:creationId xmlns:a16="http://schemas.microsoft.com/office/drawing/2014/main" id="{88C13F72-3860-4BC1-A8F7-A5F052060A29}"/>
+              </a:ext>
+            </a:extLst>
+          </p:cNvPr>
+          <p:cNvSpPr txBox="1">
+            <a:spLocks noChangeArrowheads="1"/>
+          </p:cNvSpPr>
           <p:nvPr/>
-        </p:nvPicPr>
-        <p:blipFill>
-          <a:blip r:embed="rId3">
-            <a:extLst>
-              <a:ext uri="{28A0092B-C50C-407E-A947-70E740481C1C}">
-                <a14:useLocalDpi xmlns:a14="http://schemas.microsoft.com/office/drawing/2010/main" val="0"/>
-              </a:ext>
-            </a:extLst>
-          </a:blip>
-          <a:srcRect/>
-          <a:stretch>
-            <a:fillRect/>
-          </a:stretch>
-        </p:blipFill>
+        </p:nvSpPr>
         <p:spPr bwMode="auto">
           <a:xfrm>
-            <a:off x="5532120" y="1280160"/>
-            <a:ext cx="384048" cy="384048"/>
+            <a:off x="5943600" y="4526280"/>
+            <a:ext cx="1280160" cy="457200"/>
           </a:xfrm>
           <a:prstGeom prst="rect">
             <a:avLst/>
@@ -3718,110 +3673,158 @@
             </a:ext>
           </a:extLst>
         </p:spPr>
-      </p:pic>
-      <p:sp>
-        <p:nvSpPr>
-          <p:cNvPr id="11" name="Rectangle 10">
-            <a:extLst>
-              <a:ext uri="{FF2B5EF4-FFF2-40B4-BE49-F238E27FC236}">
-                <a16:creationId xmlns:a16="http://schemas.microsoft.com/office/drawing/2014/main" id="{8D30C568-082D-47CA-AAD7-CD6F4EEAD0CD}"/>
-              </a:ext>
-            </a:extLst>
-          </p:cNvPr>
-          <p:cNvSpPr/>
-          <p:nvPr/>
-        </p:nvSpPr>
-        <p:spPr>
-          <a:xfrm>
-            <a:off x="8229600" y="1280160"/>
-            <a:ext cx="2194560" cy="3840480"/>
-          </a:xfrm>
-          <a:prstGeom prst="rect">
-            <a:avLst/>
-          </a:prstGeom>
-          <a:solidFill>
-            <a:srgbClr val="1D8900">
-              <a:alpha val="9804"/>
-            </a:srgbClr>
-          </a:solidFill>
-          <a:ln w="12700">
-            <a:noFill/>
-            <a:prstDash val="dash"/>
-          </a:ln>
-        </p:spPr>
-        <p:style>
-          <a:lnRef idx="2">
-            <a:schemeClr val="accent1">
-              <a:shade val="50000"/>
-            </a:schemeClr>
-          </a:lnRef>
-          <a:fillRef idx="1">
-            <a:schemeClr val="accent1"/>
-          </a:fillRef>
-          <a:effectRef idx="0">
-            <a:schemeClr val="accent1"/>
-          </a:effectRef>
-          <a:fontRef idx="minor">
-            <a:schemeClr val="lt1"/>
-          </a:fontRef>
-        </p:style>
-        <p:txBody>
-          <a:bodyPr lIns="338328"/>
-          <a:lstStyle/>
-          <a:p>
-            <a:pPr eaLnBrk="1" fontAlgn="auto" hangingPunct="1">
+        <p:txBody>
+          <a:bodyPr wrap="square" lIns="0" rIns="0">
+            <a:spAutoFit/>
+          </a:bodyPr>
+          <a:lstStyle>
+            <a:lvl1pPr>
+              <a:defRPr>
+                <a:solidFill>
+                  <a:schemeClr val="tx1"/>
+                </a:solidFill>
+                <a:latin typeface="Calibri" panose="020F0502020204030204" pitchFamily="34" charset="0"/>
+              </a:defRPr>
+            </a:lvl1pPr>
+            <a:lvl2pPr marL="742950" indent="-285750">
+              <a:defRPr>
+                <a:solidFill>
+                  <a:schemeClr val="tx1"/>
+                </a:solidFill>
+                <a:latin typeface="Calibri" panose="020F0502020204030204" pitchFamily="34" charset="0"/>
+              </a:defRPr>
+            </a:lvl2pPr>
+            <a:lvl3pPr marL="1143000" indent="-228600">
+              <a:defRPr>
+                <a:solidFill>
+                  <a:schemeClr val="tx1"/>
+                </a:solidFill>
+                <a:latin typeface="Calibri" panose="020F0502020204030204" pitchFamily="34" charset="0"/>
+              </a:defRPr>
+            </a:lvl3pPr>
+            <a:lvl4pPr marL="1600200" indent="-228600">
+              <a:defRPr>
+                <a:solidFill>
+                  <a:schemeClr val="tx1"/>
+                </a:solidFill>
+                <a:latin typeface="Calibri" panose="020F0502020204030204" pitchFamily="34" charset="0"/>
+              </a:defRPr>
+            </a:lvl4pPr>
+            <a:lvl5pPr marL="2057400" indent="-228600">
+              <a:defRPr>
+                <a:solidFill>
+                  <a:schemeClr val="tx1"/>
+                </a:solidFill>
+                <a:latin typeface="Calibri" panose="020F0502020204030204" pitchFamily="34" charset="0"/>
+              </a:defRPr>
+            </a:lvl5pPr>
+            <a:lvl6pPr marL="2514600" indent="-228600" eaLnBrk="0" fontAlgn="base" hangingPunct="0">
               <a:spcBef>
-                <a:spcPts val="0"/>
+                <a:spcPct val="0"/>
               </a:spcBef>
               <a:spcAft>
-                <a:spcPts val="0"/>
+                <a:spcPct val="0"/>
               </a:spcAft>
-              <a:defRPr/>
-            </a:pPr>
-            <a:r>
-              <a:rPr lang="en-US" sz="1200" dirty="0">
-                <a:solidFill>
-                  <a:srgbClr val="1E8900"/>
-                </a:solidFill>
+              <a:defRPr>
+                <a:solidFill>
+                  <a:schemeClr val="tx1"/>
+                </a:solidFill>
+                <a:latin typeface="Calibri" panose="020F0502020204030204" pitchFamily="34" charset="0"/>
+              </a:defRPr>
+            </a:lvl6pPr>
+            <a:lvl7pPr marL="2971800" indent="-228600" eaLnBrk="0" fontAlgn="base" hangingPunct="0">
+              <a:spcBef>
+                <a:spcPct val="0"/>
+              </a:spcBef>
+              <a:spcAft>
+                <a:spcPct val="0"/>
+              </a:spcAft>
+              <a:defRPr>
+                <a:solidFill>
+                  <a:schemeClr val="tx1"/>
+                </a:solidFill>
+                <a:latin typeface="Calibri" panose="020F0502020204030204" pitchFamily="34" charset="0"/>
+              </a:defRPr>
+            </a:lvl7pPr>
+            <a:lvl8pPr marL="3429000" indent="-228600" eaLnBrk="0" fontAlgn="base" hangingPunct="0">
+              <a:spcBef>
+                <a:spcPct val="0"/>
+              </a:spcBef>
+              <a:spcAft>
+                <a:spcPct val="0"/>
+              </a:spcAft>
+              <a:defRPr>
+                <a:solidFill>
+                  <a:schemeClr val="tx1"/>
+                </a:solidFill>
+                <a:latin typeface="Calibri" panose="020F0502020204030204" pitchFamily="34" charset="0"/>
+              </a:defRPr>
+            </a:lvl8pPr>
+            <a:lvl9pPr marL="3886200" indent="-228600" eaLnBrk="0" fontAlgn="base" hangingPunct="0">
+              <a:spcBef>
+                <a:spcPct val="0"/>
+              </a:spcBef>
+              <a:spcAft>
+                <a:spcPct val="0"/>
+              </a:spcAft>
+              <a:defRPr>
+                <a:solidFill>
+                  <a:schemeClr val="tx1"/>
+                </a:solidFill>
+                <a:latin typeface="Calibri" panose="020F0502020204030204" pitchFamily="34" charset="0"/>
+              </a:defRPr>
+            </a:lvl9pPr>
+          </a:lstStyle>
+          <a:p>
+            <a:pPr algn="ctr" eaLnBrk="1" hangingPunct="1"/>
+            <a:r>
+              <a:rPr lang="en-US" altLang="en-US" sz="1200" dirty="0">
                 <a:latin typeface="Arial" panose="020B0604020202020204" pitchFamily="34" charset="0"/>
+                <a:ea typeface="Amazon Ember" panose="020B0603020204020204" pitchFamily="34" charset="0"/>
                 <a:cs typeface="Arial" panose="020B0604020202020204" pitchFamily="34" charset="0"/>
               </a:rPr>
-              <a:t>   Public subnet</a:t>
-            </a:r>
-          </a:p>
-        </p:txBody>
-      </p:sp>
-      <p:pic>
-        <p:nvPicPr>
-          <p:cNvPr id="12" name="Graphic 34">
-            <a:extLst>
-              <a:ext uri="{FF2B5EF4-FFF2-40B4-BE49-F238E27FC236}">
-                <a16:creationId xmlns:a16="http://schemas.microsoft.com/office/drawing/2014/main" id="{04E23B6D-2127-472E-BD20-D1FA2E504F13}"/>
-              </a:ext>
-            </a:extLst>
-          </p:cNvPr>
-          <p:cNvPicPr>
-            <a:picLocks noChangeAspect="1" noChangeArrowheads="1"/>
-          </p:cNvPicPr>
+              <a:t>Collaborator node</a:t>
+            </a:r>
+          </a:p>
+          <a:p>
+            <a:pPr algn="ctr" eaLnBrk="1" hangingPunct="1"/>
+            <a:r>
+              <a:rPr lang="en-US" altLang="en-US" sz="1200" dirty="0">
+                <a:latin typeface="Arial" panose="020B0604020202020204" pitchFamily="34" charset="0"/>
+                <a:ea typeface="Amazon Ember" panose="020B0603020204020204" pitchFamily="34" charset="0"/>
+                <a:cs typeface="Arial" panose="020B0604020202020204" pitchFamily="34" charset="0"/>
+              </a:rPr>
+              <a:t>(G4dn or G5)</a:t>
+            </a:r>
+          </a:p>
+          <a:p>
+            <a:pPr algn="ctr" eaLnBrk="1" hangingPunct="1"/>
+            <a:endParaRPr lang="en-US" altLang="en-US" sz="1100" dirty="0">
+              <a:latin typeface="Arial" panose="020B0604020202020204" pitchFamily="34" charset="0"/>
+              <a:ea typeface="Amazon Ember" panose="020B0603020204020204" pitchFamily="34" charset="0"/>
+              <a:cs typeface="Arial" panose="020B0604020202020204" pitchFamily="34" charset="0"/>
+            </a:endParaRPr>
+          </a:p>
+        </p:txBody>
+      </p:sp>
+      <p:sp>
+        <p:nvSpPr>
+          <p:cNvPr id="20" name="TextBox 16">
+            <a:extLst>
+              <a:ext uri="{FF2B5EF4-FFF2-40B4-BE49-F238E27FC236}">
+                <a16:creationId xmlns:a16="http://schemas.microsoft.com/office/drawing/2014/main" id="{D5928100-1F29-4021-BE04-122C9847D8DC}"/>
+              </a:ext>
+            </a:extLst>
+          </p:cNvPr>
+          <p:cNvSpPr txBox="1">
+            <a:spLocks noChangeArrowheads="1"/>
+          </p:cNvSpPr>
           <p:nvPr/>
-        </p:nvPicPr>
-        <p:blipFill>
-          <a:blip r:embed="rId3">
-            <a:extLst>
-              <a:ext uri="{28A0092B-C50C-407E-A947-70E740481C1C}">
-                <a14:useLocalDpi xmlns:a14="http://schemas.microsoft.com/office/drawing/2010/main" val="0"/>
-              </a:ext>
-            </a:extLst>
-          </a:blip>
-          <a:srcRect/>
-          <a:stretch>
-            <a:fillRect/>
-          </a:stretch>
-        </p:blipFill>
+        </p:nvSpPr>
         <p:spPr bwMode="auto">
           <a:xfrm>
-            <a:off x="8229600" y="1280160"/>
-            <a:ext cx="384048" cy="384048"/>
+            <a:off x="8732520" y="4524375"/>
+            <a:ext cx="1280160" cy="457200"/>
           </a:xfrm>
           <a:prstGeom prst="rect">
             <a:avLst/>
@@ -3850,165 +3853,158 @@
             </a:ext>
           </a:extLst>
         </p:spPr>
-      </p:pic>
-      <p:sp>
-        <p:nvSpPr>
-          <p:cNvPr id="13" name="Rectangle 12">
-            <a:extLst>
-              <a:ext uri="{FF2B5EF4-FFF2-40B4-BE49-F238E27FC236}">
-                <a16:creationId xmlns:a16="http://schemas.microsoft.com/office/drawing/2014/main" id="{8B1698FE-FABC-42B9-9601-6EE8506EE53F}"/>
-              </a:ext>
-            </a:extLst>
-          </p:cNvPr>
-          <p:cNvSpPr/>
-          <p:nvPr/>
-        </p:nvSpPr>
-        <p:spPr>
-          <a:xfrm>
-            <a:off x="2468880" y="3200400"/>
-            <a:ext cx="8321040" cy="1737360"/>
-          </a:xfrm>
-          <a:prstGeom prst="rect">
-            <a:avLst/>
-          </a:prstGeom>
-          <a:noFill/>
-          <a:ln w="12700">
-            <a:solidFill>
-              <a:srgbClr val="D86613"/>
-            </a:solidFill>
-            <a:prstDash val="dash"/>
-          </a:ln>
-        </p:spPr>
-        <p:style>
-          <a:lnRef idx="2">
-            <a:schemeClr val="accent1">
-              <a:shade val="50000"/>
-            </a:schemeClr>
-          </a:lnRef>
-          <a:fillRef idx="1">
-            <a:schemeClr val="accent1"/>
-          </a:fillRef>
-          <a:effectRef idx="0">
-            <a:schemeClr val="accent1"/>
-          </a:effectRef>
-          <a:fontRef idx="minor">
-            <a:schemeClr val="lt1"/>
-          </a:fontRef>
-        </p:style>
-        <p:txBody>
-          <a:bodyPr tIns="91440"/>
-          <a:lstStyle/>
-          <a:p>
-            <a:pPr algn="ctr" eaLnBrk="1" fontAlgn="auto" hangingPunct="1">
+        <p:txBody>
+          <a:bodyPr wrap="square" lIns="0" rIns="0">
+            <a:spAutoFit/>
+          </a:bodyPr>
+          <a:lstStyle>
+            <a:lvl1pPr>
+              <a:defRPr>
+                <a:solidFill>
+                  <a:schemeClr val="tx1"/>
+                </a:solidFill>
+                <a:latin typeface="Calibri" panose="020F0502020204030204" pitchFamily="34" charset="0"/>
+              </a:defRPr>
+            </a:lvl1pPr>
+            <a:lvl2pPr marL="742950" indent="-285750">
+              <a:defRPr>
+                <a:solidFill>
+                  <a:schemeClr val="tx1"/>
+                </a:solidFill>
+                <a:latin typeface="Calibri" panose="020F0502020204030204" pitchFamily="34" charset="0"/>
+              </a:defRPr>
+            </a:lvl2pPr>
+            <a:lvl3pPr marL="1143000" indent="-228600">
+              <a:defRPr>
+                <a:solidFill>
+                  <a:schemeClr val="tx1"/>
+                </a:solidFill>
+                <a:latin typeface="Calibri" panose="020F0502020204030204" pitchFamily="34" charset="0"/>
+              </a:defRPr>
+            </a:lvl3pPr>
+            <a:lvl4pPr marL="1600200" indent="-228600">
+              <a:defRPr>
+                <a:solidFill>
+                  <a:schemeClr val="tx1"/>
+                </a:solidFill>
+                <a:latin typeface="Calibri" panose="020F0502020204030204" pitchFamily="34" charset="0"/>
+              </a:defRPr>
+            </a:lvl4pPr>
+            <a:lvl5pPr marL="2057400" indent="-228600">
+              <a:defRPr>
+                <a:solidFill>
+                  <a:schemeClr val="tx1"/>
+                </a:solidFill>
+                <a:latin typeface="Calibri" panose="020F0502020204030204" pitchFamily="34" charset="0"/>
+              </a:defRPr>
+            </a:lvl5pPr>
+            <a:lvl6pPr marL="2514600" indent="-228600" eaLnBrk="0" fontAlgn="base" hangingPunct="0">
               <a:spcBef>
-                <a:spcPts val="0"/>
+                <a:spcPct val="0"/>
               </a:spcBef>
               <a:spcAft>
-                <a:spcPts val="0"/>
+                <a:spcPct val="0"/>
               </a:spcAft>
-              <a:defRPr/>
-            </a:pPr>
-            <a:endParaRPr lang="en-US" sz="1200" dirty="0">
-              <a:solidFill>
-                <a:srgbClr val="D86613"/>
-              </a:solidFill>
+              <a:defRPr>
+                <a:solidFill>
+                  <a:schemeClr val="tx1"/>
+                </a:solidFill>
+                <a:latin typeface="Calibri" panose="020F0502020204030204" pitchFamily="34" charset="0"/>
+              </a:defRPr>
+            </a:lvl6pPr>
+            <a:lvl7pPr marL="2971800" indent="-228600" eaLnBrk="0" fontAlgn="base" hangingPunct="0">
+              <a:spcBef>
+                <a:spcPct val="0"/>
+              </a:spcBef>
+              <a:spcAft>
+                <a:spcPct val="0"/>
+              </a:spcAft>
+              <a:defRPr>
+                <a:solidFill>
+                  <a:schemeClr val="tx1"/>
+                </a:solidFill>
+                <a:latin typeface="Calibri" panose="020F0502020204030204" pitchFamily="34" charset="0"/>
+              </a:defRPr>
+            </a:lvl7pPr>
+            <a:lvl8pPr marL="3429000" indent="-228600" eaLnBrk="0" fontAlgn="base" hangingPunct="0">
+              <a:spcBef>
+                <a:spcPct val="0"/>
+              </a:spcBef>
+              <a:spcAft>
+                <a:spcPct val="0"/>
+              </a:spcAft>
+              <a:defRPr>
+                <a:solidFill>
+                  <a:schemeClr val="tx1"/>
+                </a:solidFill>
+                <a:latin typeface="Calibri" panose="020F0502020204030204" pitchFamily="34" charset="0"/>
+              </a:defRPr>
+            </a:lvl8pPr>
+            <a:lvl9pPr marL="3886200" indent="-228600" eaLnBrk="0" fontAlgn="base" hangingPunct="0">
+              <a:spcBef>
+                <a:spcPct val="0"/>
+              </a:spcBef>
+              <a:spcAft>
+                <a:spcPct val="0"/>
+              </a:spcAft>
+              <a:defRPr>
+                <a:solidFill>
+                  <a:schemeClr val="tx1"/>
+                </a:solidFill>
+                <a:latin typeface="Calibri" panose="020F0502020204030204" pitchFamily="34" charset="0"/>
+              </a:defRPr>
+            </a:lvl9pPr>
+          </a:lstStyle>
+          <a:p>
+            <a:pPr algn="ctr" eaLnBrk="1" hangingPunct="1"/>
+            <a:r>
+              <a:rPr lang="en-US" altLang="en-US" sz="1200" dirty="0">
+                <a:latin typeface="Arial" panose="020B0604020202020204" pitchFamily="34" charset="0"/>
+                <a:ea typeface="Amazon Ember" panose="020B0603020204020204" pitchFamily="34" charset="0"/>
+                <a:cs typeface="Arial" panose="020B0604020202020204" pitchFamily="34" charset="0"/>
+              </a:rPr>
+              <a:t>Collaborator node</a:t>
+            </a:r>
+          </a:p>
+          <a:p>
+            <a:pPr algn="ctr" eaLnBrk="1" hangingPunct="1"/>
+            <a:r>
+              <a:rPr lang="en-US" altLang="en-US" sz="1200" dirty="0">
+                <a:latin typeface="Arial" panose="020B0604020202020204" pitchFamily="34" charset="0"/>
+                <a:ea typeface="Amazon Ember" panose="020B0603020204020204" pitchFamily="34" charset="0"/>
+                <a:cs typeface="Arial" panose="020B0604020202020204" pitchFamily="34" charset="0"/>
+              </a:rPr>
+              <a:t>(G4dn or G5)</a:t>
+            </a:r>
+          </a:p>
+          <a:p>
+            <a:pPr algn="ctr" eaLnBrk="1" hangingPunct="1"/>
+            <a:endParaRPr lang="en-US" altLang="en-US" sz="1100" dirty="0">
               <a:latin typeface="Arial" panose="020B0604020202020204" pitchFamily="34" charset="0"/>
+              <a:ea typeface="Amazon Ember" panose="020B0603020204020204" pitchFamily="34" charset="0"/>
               <a:cs typeface="Arial" panose="020B0604020202020204" pitchFamily="34" charset="0"/>
             </a:endParaRPr>
           </a:p>
-          <a:p>
-            <a:pPr algn="ctr" eaLnBrk="1" fontAlgn="auto" hangingPunct="1">
-              <a:spcBef>
-                <a:spcPts val="0"/>
-              </a:spcBef>
-              <a:spcAft>
-                <a:spcPts val="0"/>
-              </a:spcAft>
-              <a:defRPr/>
-            </a:pPr>
-            <a:endParaRPr lang="en-US" sz="1200" dirty="0">
-              <a:solidFill>
-                <a:srgbClr val="D86613"/>
-              </a:solidFill>
-              <a:latin typeface="Arial" panose="020B0604020202020204" pitchFamily="34" charset="0"/>
-              <a:cs typeface="Arial" panose="020B0604020202020204" pitchFamily="34" charset="0"/>
-            </a:endParaRPr>
-          </a:p>
-          <a:p>
-            <a:pPr algn="ctr" eaLnBrk="1" fontAlgn="auto" hangingPunct="1">
-              <a:spcBef>
-                <a:spcPts val="0"/>
-              </a:spcBef>
-              <a:spcAft>
-                <a:spcPts val="0"/>
-              </a:spcAft>
-              <a:defRPr/>
-            </a:pPr>
-            <a:r>
-              <a:rPr lang="en-US" sz="1200" dirty="0">
-                <a:solidFill>
-                  <a:srgbClr val="D86613"/>
-                </a:solidFill>
-                <a:latin typeface="Arial" panose="020B0604020202020204" pitchFamily="34" charset="0"/>
-                <a:cs typeface="Arial" panose="020B0604020202020204" pitchFamily="34" charset="0"/>
-              </a:rPr>
-              <a:t>Auto Scaling group </a:t>
-            </a:r>
-          </a:p>
-          <a:p>
-            <a:pPr algn="ctr" eaLnBrk="1" fontAlgn="auto" hangingPunct="1">
-              <a:spcBef>
-                <a:spcPts val="0"/>
-              </a:spcBef>
-              <a:spcAft>
-                <a:spcPts val="0"/>
-              </a:spcAft>
-              <a:defRPr/>
-            </a:pPr>
-            <a:r>
-              <a:rPr lang="en-US" sz="1200" dirty="0">
-                <a:solidFill>
-                  <a:srgbClr val="D86613"/>
-                </a:solidFill>
-                <a:latin typeface="Arial" panose="020B0604020202020204" pitchFamily="34" charset="0"/>
-                <a:cs typeface="Arial" panose="020B0604020202020204" pitchFamily="34" charset="0"/>
-              </a:rPr>
-              <a:t> </a:t>
-            </a:r>
-          </a:p>
-        </p:txBody>
-      </p:sp>
-      <p:pic>
-        <p:nvPicPr>
-          <p:cNvPr id="14" name="Graphic 18">
-            <a:extLst>
-              <a:ext uri="{FF2B5EF4-FFF2-40B4-BE49-F238E27FC236}">
-                <a16:creationId xmlns:a16="http://schemas.microsoft.com/office/drawing/2014/main" id="{693BED0D-BED7-4BBB-B297-3F2E04FDD885}"/>
-              </a:ext>
-            </a:extLst>
-          </p:cNvPr>
-          <p:cNvPicPr>
-            <a:picLocks noChangeAspect="1" noChangeArrowheads="1"/>
-          </p:cNvPicPr>
+        </p:txBody>
+      </p:sp>
+      <p:sp>
+        <p:nvSpPr>
+          <p:cNvPr id="22" name="TextBox 16">
+            <a:extLst>
+              <a:ext uri="{FF2B5EF4-FFF2-40B4-BE49-F238E27FC236}">
+                <a16:creationId xmlns:a16="http://schemas.microsoft.com/office/drawing/2014/main" id="{E0275CEC-EA43-4A64-974C-D80DEF15C1B5}"/>
+              </a:ext>
+            </a:extLst>
+          </p:cNvPr>
+          <p:cNvSpPr txBox="1">
+            <a:spLocks noChangeArrowheads="1"/>
+          </p:cNvSpPr>
           <p:nvPr/>
-        </p:nvPicPr>
-        <p:blipFill>
-          <a:blip r:embed="rId4">
-            <a:extLst>
-              <a:ext uri="{28A0092B-C50C-407E-A947-70E740481C1C}">
-                <a14:useLocalDpi xmlns:a14="http://schemas.microsoft.com/office/drawing/2010/main" val="0"/>
-              </a:ext>
-            </a:extLst>
-          </a:blip>
-          <a:srcRect/>
-          <a:stretch>
-            <a:fillRect/>
-          </a:stretch>
-        </p:blipFill>
+        </p:nvSpPr>
         <p:spPr bwMode="auto">
           <a:xfrm>
-            <a:off x="6400800" y="3200400"/>
-            <a:ext cx="384048" cy="384048"/>
+            <a:off x="3163062" y="2862072"/>
+            <a:ext cx="1280160" cy="274320"/>
           </a:xfrm>
           <a:prstGeom prst="rect">
             <a:avLst/>
@@ -4037,13 +4033,127 @@
             </a:ext>
           </a:extLst>
         </p:spPr>
-      </p:pic>
-      <p:sp>
-        <p:nvSpPr>
-          <p:cNvPr id="16" name="TextBox 16">
-            <a:extLst>
-              <a:ext uri="{FF2B5EF4-FFF2-40B4-BE49-F238E27FC236}">
-                <a16:creationId xmlns:a16="http://schemas.microsoft.com/office/drawing/2014/main" id="{47CA5352-34C4-4DF3-ACE3-AD482B34FA92}"/>
+        <p:txBody>
+          <a:bodyPr wrap="square" lIns="0" rIns="0">
+            <a:spAutoFit/>
+          </a:bodyPr>
+          <a:lstStyle>
+            <a:lvl1pPr>
+              <a:defRPr>
+                <a:solidFill>
+                  <a:schemeClr val="tx1"/>
+                </a:solidFill>
+                <a:latin typeface="Calibri" panose="020F0502020204030204" pitchFamily="34" charset="0"/>
+              </a:defRPr>
+            </a:lvl1pPr>
+            <a:lvl2pPr marL="742950" indent="-285750">
+              <a:defRPr>
+                <a:solidFill>
+                  <a:schemeClr val="tx1"/>
+                </a:solidFill>
+                <a:latin typeface="Calibri" panose="020F0502020204030204" pitchFamily="34" charset="0"/>
+              </a:defRPr>
+            </a:lvl2pPr>
+            <a:lvl3pPr marL="1143000" indent="-228600">
+              <a:defRPr>
+                <a:solidFill>
+                  <a:schemeClr val="tx1"/>
+                </a:solidFill>
+                <a:latin typeface="Calibri" panose="020F0502020204030204" pitchFamily="34" charset="0"/>
+              </a:defRPr>
+            </a:lvl3pPr>
+            <a:lvl4pPr marL="1600200" indent="-228600">
+              <a:defRPr>
+                <a:solidFill>
+                  <a:schemeClr val="tx1"/>
+                </a:solidFill>
+                <a:latin typeface="Calibri" panose="020F0502020204030204" pitchFamily="34" charset="0"/>
+              </a:defRPr>
+            </a:lvl4pPr>
+            <a:lvl5pPr marL="2057400" indent="-228600">
+              <a:defRPr>
+                <a:solidFill>
+                  <a:schemeClr val="tx1"/>
+                </a:solidFill>
+                <a:latin typeface="Calibri" panose="020F0502020204030204" pitchFamily="34" charset="0"/>
+              </a:defRPr>
+            </a:lvl5pPr>
+            <a:lvl6pPr marL="2514600" indent="-228600" eaLnBrk="0" fontAlgn="base" hangingPunct="0">
+              <a:spcBef>
+                <a:spcPct val="0"/>
+              </a:spcBef>
+              <a:spcAft>
+                <a:spcPct val="0"/>
+              </a:spcAft>
+              <a:defRPr>
+                <a:solidFill>
+                  <a:schemeClr val="tx1"/>
+                </a:solidFill>
+                <a:latin typeface="Calibri" panose="020F0502020204030204" pitchFamily="34" charset="0"/>
+              </a:defRPr>
+            </a:lvl6pPr>
+            <a:lvl7pPr marL="2971800" indent="-228600" eaLnBrk="0" fontAlgn="base" hangingPunct="0">
+              <a:spcBef>
+                <a:spcPct val="0"/>
+              </a:spcBef>
+              <a:spcAft>
+                <a:spcPct val="0"/>
+              </a:spcAft>
+              <a:defRPr>
+                <a:solidFill>
+                  <a:schemeClr val="tx1"/>
+                </a:solidFill>
+                <a:latin typeface="Calibri" panose="020F0502020204030204" pitchFamily="34" charset="0"/>
+              </a:defRPr>
+            </a:lvl7pPr>
+            <a:lvl8pPr marL="3429000" indent="-228600" eaLnBrk="0" fontAlgn="base" hangingPunct="0">
+              <a:spcBef>
+                <a:spcPct val="0"/>
+              </a:spcBef>
+              <a:spcAft>
+                <a:spcPct val="0"/>
+              </a:spcAft>
+              <a:defRPr>
+                <a:solidFill>
+                  <a:schemeClr val="tx1"/>
+                </a:solidFill>
+                <a:latin typeface="Calibri" panose="020F0502020204030204" pitchFamily="34" charset="0"/>
+              </a:defRPr>
+            </a:lvl8pPr>
+            <a:lvl9pPr marL="3886200" indent="-228600" eaLnBrk="0" fontAlgn="base" hangingPunct="0">
+              <a:spcBef>
+                <a:spcPct val="0"/>
+              </a:spcBef>
+              <a:spcAft>
+                <a:spcPct val="0"/>
+              </a:spcAft>
+              <a:defRPr>
+                <a:solidFill>
+                  <a:schemeClr val="tx1"/>
+                </a:solidFill>
+                <a:latin typeface="Calibri" panose="020F0502020204030204" pitchFamily="34" charset="0"/>
+              </a:defRPr>
+            </a:lvl9pPr>
+          </a:lstStyle>
+          <a:p>
+            <a:pPr algn="ctr" eaLnBrk="1" hangingPunct="1"/>
+            <a:r>
+              <a:rPr lang="en-US" altLang="en-US" sz="1200" dirty="0">
+                <a:latin typeface="Arial" panose="020B0604020202020204" pitchFamily="34" charset="0"/>
+                <a:ea typeface="Amazon Ember" panose="020B0603020204020204" pitchFamily="34" charset="0"/>
+                <a:cs typeface="Arial" panose="020B0604020202020204" pitchFamily="34" charset="0"/>
+              </a:rPr>
+              <a:t>EC2 primary node</a:t>
+            </a:r>
+          </a:p>
+        </p:txBody>
+      </p:sp>
+      <p:sp>
+        <p:nvSpPr>
+          <p:cNvPr id="23" name="TextBox 17">
+            <a:extLst>
+              <a:ext uri="{FF2B5EF4-FFF2-40B4-BE49-F238E27FC236}">
+                <a16:creationId xmlns:a16="http://schemas.microsoft.com/office/drawing/2014/main" id="{E96CACCE-F6FD-490A-B4C7-2F740F296A78}"/>
               </a:ext>
             </a:extLst>
           </p:cNvPr>
@@ -4054,8 +4164,8 @@
         </p:nvSpPr>
         <p:spPr bwMode="auto">
           <a:xfrm>
-            <a:off x="3200400" y="4526280"/>
-            <a:ext cx="1188720" cy="430887"/>
+            <a:off x="3182112" y="2103120"/>
+            <a:ext cx="1234766" cy="276999"/>
           </a:xfrm>
           <a:prstGeom prst="rect">
             <a:avLst/>
@@ -4085,7 +4195,7 @@
           </a:extLst>
         </p:spPr>
         <p:txBody>
-          <a:bodyPr wrap="square" lIns="0" rIns="0">
+          <a:bodyPr wrap="square">
             <a:spAutoFit/>
           </a:bodyPr>
           <a:lstStyle>
@@ -4189,33 +4299,22 @@
           <a:p>
             <a:pPr algn="ctr" eaLnBrk="1" hangingPunct="1"/>
             <a:r>
-              <a:rPr lang="en-US" altLang="en-US" sz="1100" dirty="0">
+              <a:rPr lang="en-US" altLang="en-US" sz="1200" dirty="0">
                 <a:latin typeface="Arial" panose="020B0604020202020204" pitchFamily="34" charset="0"/>
                 <a:ea typeface="Amazon Ember" panose="020B0603020204020204" pitchFamily="34" charset="0"/>
                 <a:cs typeface="Arial" panose="020B0604020202020204" pitchFamily="34" charset="0"/>
               </a:rPr>
-              <a:t>Collaborator node</a:t>
-            </a:r>
-          </a:p>
-          <a:p>
-            <a:pPr algn="ctr" eaLnBrk="1" hangingPunct="1"/>
-            <a:r>
-              <a:rPr lang="en-US" altLang="en-US" sz="1100" dirty="0">
-                <a:latin typeface="Arial" panose="020B0604020202020204" pitchFamily="34" charset="0"/>
-                <a:ea typeface="Amazon Ember" panose="020B0603020204020204" pitchFamily="34" charset="0"/>
-                <a:cs typeface="Arial" panose="020B0604020202020204" pitchFamily="34" charset="0"/>
-              </a:rPr>
-              <a:t>(G4dn or G5)</a:t>
-            </a:r>
-          </a:p>
-        </p:txBody>
-      </p:sp>
-      <p:sp>
-        <p:nvSpPr>
-          <p:cNvPr id="18" name="TextBox 16">
-            <a:extLst>
-              <a:ext uri="{FF2B5EF4-FFF2-40B4-BE49-F238E27FC236}">
-                <a16:creationId xmlns:a16="http://schemas.microsoft.com/office/drawing/2014/main" id="{88C13F72-3860-4BC1-A8F7-A5F052060A29}"/>
+              <a:t>NAT gateway</a:t>
+            </a:r>
+          </a:p>
+        </p:txBody>
+      </p:sp>
+      <p:sp>
+        <p:nvSpPr>
+          <p:cNvPr id="25" name="TextBox 17">
+            <a:extLst>
+              <a:ext uri="{FF2B5EF4-FFF2-40B4-BE49-F238E27FC236}">
+                <a16:creationId xmlns:a16="http://schemas.microsoft.com/office/drawing/2014/main" id="{76556C91-A731-4B97-B143-5915A5444C42}"/>
               </a:ext>
             </a:extLst>
           </p:cNvPr>
@@ -4226,8 +4325,8 @@
         </p:nvSpPr>
         <p:spPr bwMode="auto">
           <a:xfrm>
-            <a:off x="5989320" y="4526280"/>
-            <a:ext cx="1188720" cy="600164"/>
+            <a:off x="6035040" y="2103120"/>
+            <a:ext cx="1097280" cy="276999"/>
           </a:xfrm>
           <a:prstGeom prst="rect">
             <a:avLst/>
@@ -4257,7 +4356,7 @@
           </a:extLst>
         </p:spPr>
         <p:txBody>
-          <a:bodyPr wrap="square" lIns="0" rIns="0">
+          <a:bodyPr wrap="square">
             <a:spAutoFit/>
           </a:bodyPr>
           <a:lstStyle>
@@ -4361,41 +4460,22 @@
           <a:p>
             <a:pPr algn="ctr" eaLnBrk="1" hangingPunct="1"/>
             <a:r>
-              <a:rPr lang="en-US" altLang="en-US" sz="1100" dirty="0">
+              <a:rPr lang="en-US" altLang="en-US" sz="1200" dirty="0">
                 <a:latin typeface="Arial" panose="020B0604020202020204" pitchFamily="34" charset="0"/>
                 <a:ea typeface="Amazon Ember" panose="020B0603020204020204" pitchFamily="34" charset="0"/>
                 <a:cs typeface="Arial" panose="020B0604020202020204" pitchFamily="34" charset="0"/>
               </a:rPr>
-              <a:t>Collaborator node</a:t>
-            </a:r>
-          </a:p>
-          <a:p>
-            <a:pPr algn="ctr" eaLnBrk="1" hangingPunct="1"/>
-            <a:r>
-              <a:rPr lang="en-US" altLang="en-US" sz="1100" dirty="0">
-                <a:latin typeface="Arial" panose="020B0604020202020204" pitchFamily="34" charset="0"/>
-                <a:ea typeface="Amazon Ember" panose="020B0603020204020204" pitchFamily="34" charset="0"/>
-                <a:cs typeface="Arial" panose="020B0604020202020204" pitchFamily="34" charset="0"/>
-              </a:rPr>
-              <a:t>(G4dn or G5)</a:t>
-            </a:r>
-          </a:p>
-          <a:p>
-            <a:pPr algn="ctr" eaLnBrk="1" hangingPunct="1"/>
-            <a:endParaRPr lang="en-US" altLang="en-US" sz="1100" dirty="0">
-              <a:latin typeface="Arial" panose="020B0604020202020204" pitchFamily="34" charset="0"/>
-              <a:ea typeface="Amazon Ember" panose="020B0603020204020204" pitchFamily="34" charset="0"/>
-              <a:cs typeface="Arial" panose="020B0604020202020204" pitchFamily="34" charset="0"/>
-            </a:endParaRPr>
-          </a:p>
-        </p:txBody>
-      </p:sp>
-      <p:sp>
-        <p:nvSpPr>
-          <p:cNvPr id="20" name="TextBox 16">
-            <a:extLst>
-              <a:ext uri="{FF2B5EF4-FFF2-40B4-BE49-F238E27FC236}">
-                <a16:creationId xmlns:a16="http://schemas.microsoft.com/office/drawing/2014/main" id="{D5928100-1F29-4021-BE04-122C9847D8DC}"/>
+              <a:t>NAT gateway</a:t>
+            </a:r>
+          </a:p>
+        </p:txBody>
+      </p:sp>
+      <p:sp>
+        <p:nvSpPr>
+          <p:cNvPr id="27" name="TextBox 17">
+            <a:extLst>
+              <a:ext uri="{FF2B5EF4-FFF2-40B4-BE49-F238E27FC236}">
+                <a16:creationId xmlns:a16="http://schemas.microsoft.com/office/drawing/2014/main" id="{FD39BF71-11DA-4ECC-8492-7F5791DD51AE}"/>
               </a:ext>
             </a:extLst>
           </p:cNvPr>
@@ -4406,8 +4486,8 @@
         </p:nvSpPr>
         <p:spPr bwMode="auto">
           <a:xfrm>
-            <a:off x="8778240" y="4526280"/>
-            <a:ext cx="1188720" cy="600164"/>
+            <a:off x="8869680" y="2103120"/>
+            <a:ext cx="1097280" cy="276999"/>
           </a:xfrm>
           <a:prstGeom prst="rect">
             <a:avLst/>
@@ -4437,7 +4517,7 @@
           </a:extLst>
         </p:spPr>
         <p:txBody>
-          <a:bodyPr wrap="square" lIns="0" rIns="0">
+          <a:bodyPr wrap="square">
             <a:spAutoFit/>
           </a:bodyPr>
           <a:lstStyle>
@@ -4541,41 +4621,22 @@
           <a:p>
             <a:pPr algn="ctr" eaLnBrk="1" hangingPunct="1"/>
             <a:r>
-              <a:rPr lang="en-US" altLang="en-US" sz="1100" dirty="0">
+              <a:rPr lang="en-US" altLang="en-US" sz="1200" dirty="0">
                 <a:latin typeface="Arial" panose="020B0604020202020204" pitchFamily="34" charset="0"/>
                 <a:ea typeface="Amazon Ember" panose="020B0603020204020204" pitchFamily="34" charset="0"/>
                 <a:cs typeface="Arial" panose="020B0604020202020204" pitchFamily="34" charset="0"/>
               </a:rPr>
-              <a:t>Collaborator node</a:t>
-            </a:r>
-          </a:p>
-          <a:p>
-            <a:pPr algn="ctr" eaLnBrk="1" hangingPunct="1"/>
-            <a:r>
-              <a:rPr lang="en-US" altLang="en-US" sz="1100" dirty="0">
-                <a:latin typeface="Arial" panose="020B0604020202020204" pitchFamily="34" charset="0"/>
-                <a:ea typeface="Amazon Ember" panose="020B0603020204020204" pitchFamily="34" charset="0"/>
-                <a:cs typeface="Arial" panose="020B0604020202020204" pitchFamily="34" charset="0"/>
-              </a:rPr>
-              <a:t>(G4dn or G5)</a:t>
-            </a:r>
-          </a:p>
-          <a:p>
-            <a:pPr algn="ctr" eaLnBrk="1" hangingPunct="1"/>
-            <a:endParaRPr lang="en-US" altLang="en-US" sz="1100" dirty="0">
-              <a:latin typeface="Arial" panose="020B0604020202020204" pitchFamily="34" charset="0"/>
-              <a:ea typeface="Amazon Ember" panose="020B0603020204020204" pitchFamily="34" charset="0"/>
-              <a:cs typeface="Arial" panose="020B0604020202020204" pitchFamily="34" charset="0"/>
-            </a:endParaRPr>
+              <a:t>NAT gateway</a:t>
+            </a:r>
           </a:p>
         </p:txBody>
       </p:sp>
       <p:pic>
         <p:nvPicPr>
-          <p:cNvPr id="21" name="Graphic 60">
-            <a:extLst>
-              <a:ext uri="{FF2B5EF4-FFF2-40B4-BE49-F238E27FC236}">
-                <a16:creationId xmlns:a16="http://schemas.microsoft.com/office/drawing/2014/main" id="{E2F4F583-D5E9-46AF-A304-263D30382113}"/>
+          <p:cNvPr id="29" name="Graphic 7">
+            <a:extLst>
+              <a:ext uri="{FF2B5EF4-FFF2-40B4-BE49-F238E27FC236}">
+                <a16:creationId xmlns:a16="http://schemas.microsoft.com/office/drawing/2014/main" id="{C0505707-3C06-4171-96DC-115DBAED952A}"/>
               </a:ext>
             </a:extLst>
           </p:cNvPr>
@@ -4585,891 +4646,7 @@
           <p:nvPr/>
         </p:nvPicPr>
         <p:blipFill>
-          <a:blip r:embed="rId5">
-            <a:extLst>
-              <a:ext uri="{28A0092B-C50C-407E-A947-70E740481C1C}">
-                <a14:useLocalDpi xmlns:a14="http://schemas.microsoft.com/office/drawing/2010/main" val="0"/>
-              </a:ext>
-            </a:extLst>
-          </a:blip>
-          <a:srcRect/>
-          <a:stretch>
-            <a:fillRect/>
-          </a:stretch>
-        </p:blipFill>
-        <p:spPr bwMode="auto">
-          <a:xfrm>
-            <a:off x="3566160" y="2438400"/>
-            <a:ext cx="466344" cy="466344"/>
-          </a:xfrm>
-          <a:prstGeom prst="rect">
-            <a:avLst/>
-          </a:prstGeom>
-          <a:noFill/>
-          <a:ln>
-            <a:noFill/>
-          </a:ln>
-          <a:extLst>
-            <a:ext uri="{909E8E84-426E-40DD-AFC4-6F175D3DCCD1}">
-              <a14:hiddenFill xmlns:a14="http://schemas.microsoft.com/office/drawing/2010/main">
-                <a:solidFill>
-                  <a:srgbClr val="FFFFFF"/>
-                </a:solidFill>
-              </a14:hiddenFill>
-            </a:ext>
-            <a:ext uri="{91240B29-F687-4F45-9708-019B960494DF}">
-              <a14:hiddenLine xmlns:a14="http://schemas.microsoft.com/office/drawing/2010/main" w="9525">
-                <a:solidFill>
-                  <a:srgbClr val="000000"/>
-                </a:solidFill>
-                <a:miter lim="800000"/>
-                <a:headEnd/>
-                <a:tailEnd/>
-              </a14:hiddenLine>
-            </a:ext>
-          </a:extLst>
-        </p:spPr>
-      </p:pic>
-      <p:sp>
-        <p:nvSpPr>
-          <p:cNvPr id="22" name="TextBox 16">
-            <a:extLst>
-              <a:ext uri="{FF2B5EF4-FFF2-40B4-BE49-F238E27FC236}">
-                <a16:creationId xmlns:a16="http://schemas.microsoft.com/office/drawing/2014/main" id="{E0275CEC-EA43-4A64-974C-D80DEF15C1B5}"/>
-              </a:ext>
-            </a:extLst>
-          </p:cNvPr>
-          <p:cNvSpPr txBox="1">
-            <a:spLocks noChangeArrowheads="1"/>
-          </p:cNvSpPr>
-          <p:nvPr/>
-        </p:nvSpPr>
-        <p:spPr bwMode="auto">
-          <a:xfrm>
-            <a:off x="3211449" y="2834640"/>
-            <a:ext cx="1188720" cy="261610"/>
-          </a:xfrm>
-          <a:prstGeom prst="rect">
-            <a:avLst/>
-          </a:prstGeom>
-          <a:noFill/>
-          <a:ln>
-            <a:noFill/>
-          </a:ln>
-          <a:extLst>
-            <a:ext uri="{909E8E84-426E-40DD-AFC4-6F175D3DCCD1}">
-              <a14:hiddenFill xmlns:a14="http://schemas.microsoft.com/office/drawing/2010/main">
-                <a:solidFill>
-                  <a:srgbClr val="FFFFFF"/>
-                </a:solidFill>
-              </a14:hiddenFill>
-            </a:ext>
-            <a:ext uri="{91240B29-F687-4F45-9708-019B960494DF}">
-              <a14:hiddenLine xmlns:a14="http://schemas.microsoft.com/office/drawing/2010/main" w="9525">
-                <a:solidFill>
-                  <a:srgbClr val="000000"/>
-                </a:solidFill>
-                <a:miter lim="800000"/>
-                <a:headEnd/>
-                <a:tailEnd/>
-              </a14:hiddenLine>
-            </a:ext>
-          </a:extLst>
-        </p:spPr>
-        <p:txBody>
-          <a:bodyPr wrap="square" lIns="0" rIns="0">
-            <a:spAutoFit/>
-          </a:bodyPr>
-          <a:lstStyle>
-            <a:lvl1pPr>
-              <a:defRPr>
-                <a:solidFill>
-                  <a:schemeClr val="tx1"/>
-                </a:solidFill>
-                <a:latin typeface="Calibri" panose="020F0502020204030204" pitchFamily="34" charset="0"/>
-              </a:defRPr>
-            </a:lvl1pPr>
-            <a:lvl2pPr marL="742950" indent="-285750">
-              <a:defRPr>
-                <a:solidFill>
-                  <a:schemeClr val="tx1"/>
-                </a:solidFill>
-                <a:latin typeface="Calibri" panose="020F0502020204030204" pitchFamily="34" charset="0"/>
-              </a:defRPr>
-            </a:lvl2pPr>
-            <a:lvl3pPr marL="1143000" indent="-228600">
-              <a:defRPr>
-                <a:solidFill>
-                  <a:schemeClr val="tx1"/>
-                </a:solidFill>
-                <a:latin typeface="Calibri" panose="020F0502020204030204" pitchFamily="34" charset="0"/>
-              </a:defRPr>
-            </a:lvl3pPr>
-            <a:lvl4pPr marL="1600200" indent="-228600">
-              <a:defRPr>
-                <a:solidFill>
-                  <a:schemeClr val="tx1"/>
-                </a:solidFill>
-                <a:latin typeface="Calibri" panose="020F0502020204030204" pitchFamily="34" charset="0"/>
-              </a:defRPr>
-            </a:lvl4pPr>
-            <a:lvl5pPr marL="2057400" indent="-228600">
-              <a:defRPr>
-                <a:solidFill>
-                  <a:schemeClr val="tx1"/>
-                </a:solidFill>
-                <a:latin typeface="Calibri" panose="020F0502020204030204" pitchFamily="34" charset="0"/>
-              </a:defRPr>
-            </a:lvl5pPr>
-            <a:lvl6pPr marL="2514600" indent="-228600" eaLnBrk="0" fontAlgn="base" hangingPunct="0">
-              <a:spcBef>
-                <a:spcPct val="0"/>
-              </a:spcBef>
-              <a:spcAft>
-                <a:spcPct val="0"/>
-              </a:spcAft>
-              <a:defRPr>
-                <a:solidFill>
-                  <a:schemeClr val="tx1"/>
-                </a:solidFill>
-                <a:latin typeface="Calibri" panose="020F0502020204030204" pitchFamily="34" charset="0"/>
-              </a:defRPr>
-            </a:lvl6pPr>
-            <a:lvl7pPr marL="2971800" indent="-228600" eaLnBrk="0" fontAlgn="base" hangingPunct="0">
-              <a:spcBef>
-                <a:spcPct val="0"/>
-              </a:spcBef>
-              <a:spcAft>
-                <a:spcPct val="0"/>
-              </a:spcAft>
-              <a:defRPr>
-                <a:solidFill>
-                  <a:schemeClr val="tx1"/>
-                </a:solidFill>
-                <a:latin typeface="Calibri" panose="020F0502020204030204" pitchFamily="34" charset="0"/>
-              </a:defRPr>
-            </a:lvl7pPr>
-            <a:lvl8pPr marL="3429000" indent="-228600" eaLnBrk="0" fontAlgn="base" hangingPunct="0">
-              <a:spcBef>
-                <a:spcPct val="0"/>
-              </a:spcBef>
-              <a:spcAft>
-                <a:spcPct val="0"/>
-              </a:spcAft>
-              <a:defRPr>
-                <a:solidFill>
-                  <a:schemeClr val="tx1"/>
-                </a:solidFill>
-                <a:latin typeface="Calibri" panose="020F0502020204030204" pitchFamily="34" charset="0"/>
-              </a:defRPr>
-            </a:lvl8pPr>
-            <a:lvl9pPr marL="3886200" indent="-228600" eaLnBrk="0" fontAlgn="base" hangingPunct="0">
-              <a:spcBef>
-                <a:spcPct val="0"/>
-              </a:spcBef>
-              <a:spcAft>
-                <a:spcPct val="0"/>
-              </a:spcAft>
-              <a:defRPr>
-                <a:solidFill>
-                  <a:schemeClr val="tx1"/>
-                </a:solidFill>
-                <a:latin typeface="Calibri" panose="020F0502020204030204" pitchFamily="34" charset="0"/>
-              </a:defRPr>
-            </a:lvl9pPr>
-          </a:lstStyle>
-          <a:p>
-            <a:pPr algn="ctr" eaLnBrk="1" hangingPunct="1"/>
-            <a:r>
-              <a:rPr lang="en-US" altLang="en-US" sz="1100" dirty="0">
-                <a:latin typeface="Arial" panose="020B0604020202020204" pitchFamily="34" charset="0"/>
-                <a:ea typeface="Amazon Ember" panose="020B0603020204020204" pitchFamily="34" charset="0"/>
-                <a:cs typeface="Arial" panose="020B0604020202020204" pitchFamily="34" charset="0"/>
-              </a:rPr>
-              <a:t>EC2 primary node</a:t>
-            </a:r>
-          </a:p>
-        </p:txBody>
-      </p:sp>
-      <p:sp>
-        <p:nvSpPr>
-          <p:cNvPr id="23" name="TextBox 17">
-            <a:extLst>
-              <a:ext uri="{FF2B5EF4-FFF2-40B4-BE49-F238E27FC236}">
-                <a16:creationId xmlns:a16="http://schemas.microsoft.com/office/drawing/2014/main" id="{E96CACCE-F6FD-490A-B4C7-2F740F296A78}"/>
-              </a:ext>
-            </a:extLst>
-          </p:cNvPr>
-          <p:cNvSpPr txBox="1">
-            <a:spLocks noChangeArrowheads="1"/>
-          </p:cNvSpPr>
-          <p:nvPr/>
-        </p:nvSpPr>
-        <p:spPr bwMode="auto">
-          <a:xfrm>
-            <a:off x="3182112" y="2103120"/>
-            <a:ext cx="1234766" cy="261610"/>
-          </a:xfrm>
-          <a:prstGeom prst="rect">
-            <a:avLst/>
-          </a:prstGeom>
-          <a:noFill/>
-          <a:ln>
-            <a:noFill/>
-          </a:ln>
-          <a:extLst>
-            <a:ext uri="{909E8E84-426E-40DD-AFC4-6F175D3DCCD1}">
-              <a14:hiddenFill xmlns:a14="http://schemas.microsoft.com/office/drawing/2010/main">
-                <a:solidFill>
-                  <a:srgbClr val="FFFFFF"/>
-                </a:solidFill>
-              </a14:hiddenFill>
-            </a:ext>
-            <a:ext uri="{91240B29-F687-4F45-9708-019B960494DF}">
-              <a14:hiddenLine xmlns:a14="http://schemas.microsoft.com/office/drawing/2010/main" w="9525">
-                <a:solidFill>
-                  <a:srgbClr val="000000"/>
-                </a:solidFill>
-                <a:miter lim="800000"/>
-                <a:headEnd/>
-                <a:tailEnd/>
-              </a14:hiddenLine>
-            </a:ext>
-          </a:extLst>
-        </p:spPr>
-        <p:txBody>
-          <a:bodyPr wrap="square">
-            <a:spAutoFit/>
-          </a:bodyPr>
-          <a:lstStyle>
-            <a:lvl1pPr>
-              <a:defRPr>
-                <a:solidFill>
-                  <a:schemeClr val="tx1"/>
-                </a:solidFill>
-                <a:latin typeface="Calibri" panose="020F0502020204030204" pitchFamily="34" charset="0"/>
-              </a:defRPr>
-            </a:lvl1pPr>
-            <a:lvl2pPr marL="742950" indent="-285750">
-              <a:defRPr>
-                <a:solidFill>
-                  <a:schemeClr val="tx1"/>
-                </a:solidFill>
-                <a:latin typeface="Calibri" panose="020F0502020204030204" pitchFamily="34" charset="0"/>
-              </a:defRPr>
-            </a:lvl2pPr>
-            <a:lvl3pPr marL="1143000" indent="-228600">
-              <a:defRPr>
-                <a:solidFill>
-                  <a:schemeClr val="tx1"/>
-                </a:solidFill>
-                <a:latin typeface="Calibri" panose="020F0502020204030204" pitchFamily="34" charset="0"/>
-              </a:defRPr>
-            </a:lvl3pPr>
-            <a:lvl4pPr marL="1600200" indent="-228600">
-              <a:defRPr>
-                <a:solidFill>
-                  <a:schemeClr val="tx1"/>
-                </a:solidFill>
-                <a:latin typeface="Calibri" panose="020F0502020204030204" pitchFamily="34" charset="0"/>
-              </a:defRPr>
-            </a:lvl4pPr>
-            <a:lvl5pPr marL="2057400" indent="-228600">
-              <a:defRPr>
-                <a:solidFill>
-                  <a:schemeClr val="tx1"/>
-                </a:solidFill>
-                <a:latin typeface="Calibri" panose="020F0502020204030204" pitchFamily="34" charset="0"/>
-              </a:defRPr>
-            </a:lvl5pPr>
-            <a:lvl6pPr marL="2514600" indent="-228600" eaLnBrk="0" fontAlgn="base" hangingPunct="0">
-              <a:spcBef>
-                <a:spcPct val="0"/>
-              </a:spcBef>
-              <a:spcAft>
-                <a:spcPct val="0"/>
-              </a:spcAft>
-              <a:defRPr>
-                <a:solidFill>
-                  <a:schemeClr val="tx1"/>
-                </a:solidFill>
-                <a:latin typeface="Calibri" panose="020F0502020204030204" pitchFamily="34" charset="0"/>
-              </a:defRPr>
-            </a:lvl6pPr>
-            <a:lvl7pPr marL="2971800" indent="-228600" eaLnBrk="0" fontAlgn="base" hangingPunct="0">
-              <a:spcBef>
-                <a:spcPct val="0"/>
-              </a:spcBef>
-              <a:spcAft>
-                <a:spcPct val="0"/>
-              </a:spcAft>
-              <a:defRPr>
-                <a:solidFill>
-                  <a:schemeClr val="tx1"/>
-                </a:solidFill>
-                <a:latin typeface="Calibri" panose="020F0502020204030204" pitchFamily="34" charset="0"/>
-              </a:defRPr>
-            </a:lvl7pPr>
-            <a:lvl8pPr marL="3429000" indent="-228600" eaLnBrk="0" fontAlgn="base" hangingPunct="0">
-              <a:spcBef>
-                <a:spcPct val="0"/>
-              </a:spcBef>
-              <a:spcAft>
-                <a:spcPct val="0"/>
-              </a:spcAft>
-              <a:defRPr>
-                <a:solidFill>
-                  <a:schemeClr val="tx1"/>
-                </a:solidFill>
-                <a:latin typeface="Calibri" panose="020F0502020204030204" pitchFamily="34" charset="0"/>
-              </a:defRPr>
-            </a:lvl8pPr>
-            <a:lvl9pPr marL="3886200" indent="-228600" eaLnBrk="0" fontAlgn="base" hangingPunct="0">
-              <a:spcBef>
-                <a:spcPct val="0"/>
-              </a:spcBef>
-              <a:spcAft>
-                <a:spcPct val="0"/>
-              </a:spcAft>
-              <a:defRPr>
-                <a:solidFill>
-                  <a:schemeClr val="tx1"/>
-                </a:solidFill>
-                <a:latin typeface="Calibri" panose="020F0502020204030204" pitchFamily="34" charset="0"/>
-              </a:defRPr>
-            </a:lvl9pPr>
-          </a:lstStyle>
-          <a:p>
-            <a:pPr algn="ctr" eaLnBrk="1" hangingPunct="1"/>
-            <a:r>
-              <a:rPr lang="en-US" altLang="en-US" sz="1100" dirty="0">
-                <a:latin typeface="Arial" panose="020B0604020202020204" pitchFamily="34" charset="0"/>
-                <a:ea typeface="Amazon Ember" panose="020B0603020204020204" pitchFamily="34" charset="0"/>
-                <a:cs typeface="Arial" panose="020B0604020202020204" pitchFamily="34" charset="0"/>
-              </a:rPr>
-              <a:t>NAT gateway</a:t>
-            </a:r>
-          </a:p>
-        </p:txBody>
-      </p:sp>
-      <p:pic>
-        <p:nvPicPr>
-          <p:cNvPr id="24" name="Graphic 35">
-            <a:extLst>
-              <a:ext uri="{FF2B5EF4-FFF2-40B4-BE49-F238E27FC236}">
-                <a16:creationId xmlns:a16="http://schemas.microsoft.com/office/drawing/2014/main" id="{FE8F9E77-F29D-454F-91AC-F4AA1238D3DC}"/>
-              </a:ext>
-            </a:extLst>
-          </p:cNvPr>
-          <p:cNvPicPr>
-            <a:picLocks noChangeAspect="1" noChangeArrowheads="1"/>
-          </p:cNvPicPr>
-          <p:nvPr/>
-        </p:nvPicPr>
-        <p:blipFill>
-          <a:blip r:embed="rId6">
-            <a:extLst>
-              <a:ext uri="{28A0092B-C50C-407E-A947-70E740481C1C}">
-                <a14:useLocalDpi xmlns:a14="http://schemas.microsoft.com/office/drawing/2010/main" val="0"/>
-              </a:ext>
-            </a:extLst>
-          </a:blip>
-          <a:srcRect/>
-          <a:stretch>
-            <a:fillRect/>
-          </a:stretch>
-        </p:blipFill>
-        <p:spPr bwMode="auto">
-          <a:xfrm>
-            <a:off x="3566160" y="1676400"/>
-            <a:ext cx="466344" cy="466344"/>
-          </a:xfrm>
-          <a:prstGeom prst="rect">
-            <a:avLst/>
-          </a:prstGeom>
-          <a:noFill/>
-          <a:ln>
-            <a:noFill/>
-          </a:ln>
-          <a:extLst>
-            <a:ext uri="{909E8E84-426E-40DD-AFC4-6F175D3DCCD1}">
-              <a14:hiddenFill xmlns:a14="http://schemas.microsoft.com/office/drawing/2010/main">
-                <a:solidFill>
-                  <a:srgbClr val="FFFFFF"/>
-                </a:solidFill>
-              </a14:hiddenFill>
-            </a:ext>
-            <a:ext uri="{91240B29-F687-4F45-9708-019B960494DF}">
-              <a14:hiddenLine xmlns:a14="http://schemas.microsoft.com/office/drawing/2010/main" w="9525">
-                <a:solidFill>
-                  <a:srgbClr val="000000"/>
-                </a:solidFill>
-                <a:miter lim="800000"/>
-                <a:headEnd/>
-                <a:tailEnd/>
-              </a14:hiddenLine>
-            </a:ext>
-          </a:extLst>
-        </p:spPr>
-      </p:pic>
-      <p:sp>
-        <p:nvSpPr>
-          <p:cNvPr id="25" name="TextBox 17">
-            <a:extLst>
-              <a:ext uri="{FF2B5EF4-FFF2-40B4-BE49-F238E27FC236}">
-                <a16:creationId xmlns:a16="http://schemas.microsoft.com/office/drawing/2014/main" id="{76556C91-A731-4B97-B143-5915A5444C42}"/>
-              </a:ext>
-            </a:extLst>
-          </p:cNvPr>
-          <p:cNvSpPr txBox="1">
-            <a:spLocks noChangeArrowheads="1"/>
-          </p:cNvSpPr>
-          <p:nvPr/>
-        </p:nvSpPr>
-        <p:spPr bwMode="auto">
-          <a:xfrm>
-            <a:off x="6035040" y="2103120"/>
-            <a:ext cx="1097280" cy="261610"/>
-          </a:xfrm>
-          <a:prstGeom prst="rect">
-            <a:avLst/>
-          </a:prstGeom>
-          <a:noFill/>
-          <a:ln>
-            <a:noFill/>
-          </a:ln>
-          <a:extLst>
-            <a:ext uri="{909E8E84-426E-40DD-AFC4-6F175D3DCCD1}">
-              <a14:hiddenFill xmlns:a14="http://schemas.microsoft.com/office/drawing/2010/main">
-                <a:solidFill>
-                  <a:srgbClr val="FFFFFF"/>
-                </a:solidFill>
-              </a14:hiddenFill>
-            </a:ext>
-            <a:ext uri="{91240B29-F687-4F45-9708-019B960494DF}">
-              <a14:hiddenLine xmlns:a14="http://schemas.microsoft.com/office/drawing/2010/main" w="9525">
-                <a:solidFill>
-                  <a:srgbClr val="000000"/>
-                </a:solidFill>
-                <a:miter lim="800000"/>
-                <a:headEnd/>
-                <a:tailEnd/>
-              </a14:hiddenLine>
-            </a:ext>
-          </a:extLst>
-        </p:spPr>
-        <p:txBody>
-          <a:bodyPr wrap="square">
-            <a:spAutoFit/>
-          </a:bodyPr>
-          <a:lstStyle>
-            <a:lvl1pPr>
-              <a:defRPr>
-                <a:solidFill>
-                  <a:schemeClr val="tx1"/>
-                </a:solidFill>
-                <a:latin typeface="Calibri" panose="020F0502020204030204" pitchFamily="34" charset="0"/>
-              </a:defRPr>
-            </a:lvl1pPr>
-            <a:lvl2pPr marL="742950" indent="-285750">
-              <a:defRPr>
-                <a:solidFill>
-                  <a:schemeClr val="tx1"/>
-                </a:solidFill>
-                <a:latin typeface="Calibri" panose="020F0502020204030204" pitchFamily="34" charset="0"/>
-              </a:defRPr>
-            </a:lvl2pPr>
-            <a:lvl3pPr marL="1143000" indent="-228600">
-              <a:defRPr>
-                <a:solidFill>
-                  <a:schemeClr val="tx1"/>
-                </a:solidFill>
-                <a:latin typeface="Calibri" panose="020F0502020204030204" pitchFamily="34" charset="0"/>
-              </a:defRPr>
-            </a:lvl3pPr>
-            <a:lvl4pPr marL="1600200" indent="-228600">
-              <a:defRPr>
-                <a:solidFill>
-                  <a:schemeClr val="tx1"/>
-                </a:solidFill>
-                <a:latin typeface="Calibri" panose="020F0502020204030204" pitchFamily="34" charset="0"/>
-              </a:defRPr>
-            </a:lvl4pPr>
-            <a:lvl5pPr marL="2057400" indent="-228600">
-              <a:defRPr>
-                <a:solidFill>
-                  <a:schemeClr val="tx1"/>
-                </a:solidFill>
-                <a:latin typeface="Calibri" panose="020F0502020204030204" pitchFamily="34" charset="0"/>
-              </a:defRPr>
-            </a:lvl5pPr>
-            <a:lvl6pPr marL="2514600" indent="-228600" eaLnBrk="0" fontAlgn="base" hangingPunct="0">
-              <a:spcBef>
-                <a:spcPct val="0"/>
-              </a:spcBef>
-              <a:spcAft>
-                <a:spcPct val="0"/>
-              </a:spcAft>
-              <a:defRPr>
-                <a:solidFill>
-                  <a:schemeClr val="tx1"/>
-                </a:solidFill>
-                <a:latin typeface="Calibri" panose="020F0502020204030204" pitchFamily="34" charset="0"/>
-              </a:defRPr>
-            </a:lvl6pPr>
-            <a:lvl7pPr marL="2971800" indent="-228600" eaLnBrk="0" fontAlgn="base" hangingPunct="0">
-              <a:spcBef>
-                <a:spcPct val="0"/>
-              </a:spcBef>
-              <a:spcAft>
-                <a:spcPct val="0"/>
-              </a:spcAft>
-              <a:defRPr>
-                <a:solidFill>
-                  <a:schemeClr val="tx1"/>
-                </a:solidFill>
-                <a:latin typeface="Calibri" panose="020F0502020204030204" pitchFamily="34" charset="0"/>
-              </a:defRPr>
-            </a:lvl7pPr>
-            <a:lvl8pPr marL="3429000" indent="-228600" eaLnBrk="0" fontAlgn="base" hangingPunct="0">
-              <a:spcBef>
-                <a:spcPct val="0"/>
-              </a:spcBef>
-              <a:spcAft>
-                <a:spcPct val="0"/>
-              </a:spcAft>
-              <a:defRPr>
-                <a:solidFill>
-                  <a:schemeClr val="tx1"/>
-                </a:solidFill>
-                <a:latin typeface="Calibri" panose="020F0502020204030204" pitchFamily="34" charset="0"/>
-              </a:defRPr>
-            </a:lvl8pPr>
-            <a:lvl9pPr marL="3886200" indent="-228600" eaLnBrk="0" fontAlgn="base" hangingPunct="0">
-              <a:spcBef>
-                <a:spcPct val="0"/>
-              </a:spcBef>
-              <a:spcAft>
-                <a:spcPct val="0"/>
-              </a:spcAft>
-              <a:defRPr>
-                <a:solidFill>
-                  <a:schemeClr val="tx1"/>
-                </a:solidFill>
-                <a:latin typeface="Calibri" panose="020F0502020204030204" pitchFamily="34" charset="0"/>
-              </a:defRPr>
-            </a:lvl9pPr>
-          </a:lstStyle>
-          <a:p>
-            <a:pPr algn="ctr" eaLnBrk="1" hangingPunct="1"/>
-            <a:r>
-              <a:rPr lang="en-US" altLang="en-US" sz="1100" dirty="0">
-                <a:latin typeface="Arial" panose="020B0604020202020204" pitchFamily="34" charset="0"/>
-                <a:ea typeface="Amazon Ember" panose="020B0603020204020204" pitchFamily="34" charset="0"/>
-                <a:cs typeface="Arial" panose="020B0604020202020204" pitchFamily="34" charset="0"/>
-              </a:rPr>
-              <a:t>NAT gateway</a:t>
-            </a:r>
-          </a:p>
-        </p:txBody>
-      </p:sp>
-      <p:pic>
-        <p:nvPicPr>
-          <p:cNvPr id="26" name="Graphic 35">
-            <a:extLst>
-              <a:ext uri="{FF2B5EF4-FFF2-40B4-BE49-F238E27FC236}">
-                <a16:creationId xmlns:a16="http://schemas.microsoft.com/office/drawing/2014/main" id="{DC2A4A8C-2D9A-4753-AA64-4D60A3B8B37B}"/>
-              </a:ext>
-            </a:extLst>
-          </p:cNvPr>
-          <p:cNvPicPr>
-            <a:picLocks noChangeAspect="1" noChangeArrowheads="1"/>
-          </p:cNvPicPr>
-          <p:nvPr/>
-        </p:nvPicPr>
-        <p:blipFill>
-          <a:blip r:embed="rId6">
-            <a:extLst>
-              <a:ext uri="{28A0092B-C50C-407E-A947-70E740481C1C}">
-                <a14:useLocalDpi xmlns:a14="http://schemas.microsoft.com/office/drawing/2010/main" val="0"/>
-              </a:ext>
-            </a:extLst>
-          </a:blip>
-          <a:srcRect/>
-          <a:stretch>
-            <a:fillRect/>
-          </a:stretch>
-        </p:blipFill>
-        <p:spPr bwMode="auto">
-          <a:xfrm>
-            <a:off x="6355080" y="1676400"/>
-            <a:ext cx="466344" cy="466344"/>
-          </a:xfrm>
-          <a:prstGeom prst="rect">
-            <a:avLst/>
-          </a:prstGeom>
-          <a:noFill/>
-          <a:ln>
-            <a:noFill/>
-          </a:ln>
-          <a:extLst>
-            <a:ext uri="{909E8E84-426E-40DD-AFC4-6F175D3DCCD1}">
-              <a14:hiddenFill xmlns:a14="http://schemas.microsoft.com/office/drawing/2010/main">
-                <a:solidFill>
-                  <a:srgbClr val="FFFFFF"/>
-                </a:solidFill>
-              </a14:hiddenFill>
-            </a:ext>
-            <a:ext uri="{91240B29-F687-4F45-9708-019B960494DF}">
-              <a14:hiddenLine xmlns:a14="http://schemas.microsoft.com/office/drawing/2010/main" w="9525">
-                <a:solidFill>
-                  <a:srgbClr val="000000"/>
-                </a:solidFill>
-                <a:miter lim="800000"/>
-                <a:headEnd/>
-                <a:tailEnd/>
-              </a14:hiddenLine>
-            </a:ext>
-          </a:extLst>
-        </p:spPr>
-      </p:pic>
-      <p:sp>
-        <p:nvSpPr>
-          <p:cNvPr id="27" name="TextBox 17">
-            <a:extLst>
-              <a:ext uri="{FF2B5EF4-FFF2-40B4-BE49-F238E27FC236}">
-                <a16:creationId xmlns:a16="http://schemas.microsoft.com/office/drawing/2014/main" id="{FD39BF71-11DA-4ECC-8492-7F5791DD51AE}"/>
-              </a:ext>
-            </a:extLst>
-          </p:cNvPr>
-          <p:cNvSpPr txBox="1">
-            <a:spLocks noChangeArrowheads="1"/>
-          </p:cNvSpPr>
-          <p:nvPr/>
-        </p:nvSpPr>
-        <p:spPr bwMode="auto">
-          <a:xfrm>
-            <a:off x="8869680" y="2103120"/>
-            <a:ext cx="1097280" cy="261610"/>
-          </a:xfrm>
-          <a:prstGeom prst="rect">
-            <a:avLst/>
-          </a:prstGeom>
-          <a:noFill/>
-          <a:ln>
-            <a:noFill/>
-          </a:ln>
-          <a:extLst>
-            <a:ext uri="{909E8E84-426E-40DD-AFC4-6F175D3DCCD1}">
-              <a14:hiddenFill xmlns:a14="http://schemas.microsoft.com/office/drawing/2010/main">
-                <a:solidFill>
-                  <a:srgbClr val="FFFFFF"/>
-                </a:solidFill>
-              </a14:hiddenFill>
-            </a:ext>
-            <a:ext uri="{91240B29-F687-4F45-9708-019B960494DF}">
-              <a14:hiddenLine xmlns:a14="http://schemas.microsoft.com/office/drawing/2010/main" w="9525">
-                <a:solidFill>
-                  <a:srgbClr val="000000"/>
-                </a:solidFill>
-                <a:miter lim="800000"/>
-                <a:headEnd/>
-                <a:tailEnd/>
-              </a14:hiddenLine>
-            </a:ext>
-          </a:extLst>
-        </p:spPr>
-        <p:txBody>
-          <a:bodyPr wrap="square">
-            <a:spAutoFit/>
-          </a:bodyPr>
-          <a:lstStyle>
-            <a:lvl1pPr>
-              <a:defRPr>
-                <a:solidFill>
-                  <a:schemeClr val="tx1"/>
-                </a:solidFill>
-                <a:latin typeface="Calibri" panose="020F0502020204030204" pitchFamily="34" charset="0"/>
-              </a:defRPr>
-            </a:lvl1pPr>
-            <a:lvl2pPr marL="742950" indent="-285750">
-              <a:defRPr>
-                <a:solidFill>
-                  <a:schemeClr val="tx1"/>
-                </a:solidFill>
-                <a:latin typeface="Calibri" panose="020F0502020204030204" pitchFamily="34" charset="0"/>
-              </a:defRPr>
-            </a:lvl2pPr>
-            <a:lvl3pPr marL="1143000" indent="-228600">
-              <a:defRPr>
-                <a:solidFill>
-                  <a:schemeClr val="tx1"/>
-                </a:solidFill>
-                <a:latin typeface="Calibri" panose="020F0502020204030204" pitchFamily="34" charset="0"/>
-              </a:defRPr>
-            </a:lvl3pPr>
-            <a:lvl4pPr marL="1600200" indent="-228600">
-              <a:defRPr>
-                <a:solidFill>
-                  <a:schemeClr val="tx1"/>
-                </a:solidFill>
-                <a:latin typeface="Calibri" panose="020F0502020204030204" pitchFamily="34" charset="0"/>
-              </a:defRPr>
-            </a:lvl4pPr>
-            <a:lvl5pPr marL="2057400" indent="-228600">
-              <a:defRPr>
-                <a:solidFill>
-                  <a:schemeClr val="tx1"/>
-                </a:solidFill>
-                <a:latin typeface="Calibri" panose="020F0502020204030204" pitchFamily="34" charset="0"/>
-              </a:defRPr>
-            </a:lvl5pPr>
-            <a:lvl6pPr marL="2514600" indent="-228600" eaLnBrk="0" fontAlgn="base" hangingPunct="0">
-              <a:spcBef>
-                <a:spcPct val="0"/>
-              </a:spcBef>
-              <a:spcAft>
-                <a:spcPct val="0"/>
-              </a:spcAft>
-              <a:defRPr>
-                <a:solidFill>
-                  <a:schemeClr val="tx1"/>
-                </a:solidFill>
-                <a:latin typeface="Calibri" panose="020F0502020204030204" pitchFamily="34" charset="0"/>
-              </a:defRPr>
-            </a:lvl6pPr>
-            <a:lvl7pPr marL="2971800" indent="-228600" eaLnBrk="0" fontAlgn="base" hangingPunct="0">
-              <a:spcBef>
-                <a:spcPct val="0"/>
-              </a:spcBef>
-              <a:spcAft>
-                <a:spcPct val="0"/>
-              </a:spcAft>
-              <a:defRPr>
-                <a:solidFill>
-                  <a:schemeClr val="tx1"/>
-                </a:solidFill>
-                <a:latin typeface="Calibri" panose="020F0502020204030204" pitchFamily="34" charset="0"/>
-              </a:defRPr>
-            </a:lvl7pPr>
-            <a:lvl8pPr marL="3429000" indent="-228600" eaLnBrk="0" fontAlgn="base" hangingPunct="0">
-              <a:spcBef>
-                <a:spcPct val="0"/>
-              </a:spcBef>
-              <a:spcAft>
-                <a:spcPct val="0"/>
-              </a:spcAft>
-              <a:defRPr>
-                <a:solidFill>
-                  <a:schemeClr val="tx1"/>
-                </a:solidFill>
-                <a:latin typeface="Calibri" panose="020F0502020204030204" pitchFamily="34" charset="0"/>
-              </a:defRPr>
-            </a:lvl8pPr>
-            <a:lvl9pPr marL="3886200" indent="-228600" eaLnBrk="0" fontAlgn="base" hangingPunct="0">
-              <a:spcBef>
-                <a:spcPct val="0"/>
-              </a:spcBef>
-              <a:spcAft>
-                <a:spcPct val="0"/>
-              </a:spcAft>
-              <a:defRPr>
-                <a:solidFill>
-                  <a:schemeClr val="tx1"/>
-                </a:solidFill>
-                <a:latin typeface="Calibri" panose="020F0502020204030204" pitchFamily="34" charset="0"/>
-              </a:defRPr>
-            </a:lvl9pPr>
-          </a:lstStyle>
-          <a:p>
-            <a:pPr algn="ctr" eaLnBrk="1" hangingPunct="1"/>
-            <a:r>
-              <a:rPr lang="en-US" altLang="en-US" sz="1100" dirty="0">
-                <a:latin typeface="Arial" panose="020B0604020202020204" pitchFamily="34" charset="0"/>
-                <a:ea typeface="Amazon Ember" panose="020B0603020204020204" pitchFamily="34" charset="0"/>
-                <a:cs typeface="Arial" panose="020B0604020202020204" pitchFamily="34" charset="0"/>
-              </a:rPr>
-              <a:t>NAT gateway</a:t>
-            </a:r>
-          </a:p>
-        </p:txBody>
-      </p:sp>
-      <p:pic>
-        <p:nvPicPr>
-          <p:cNvPr id="28" name="Graphic 35">
-            <a:extLst>
-              <a:ext uri="{FF2B5EF4-FFF2-40B4-BE49-F238E27FC236}">
-                <a16:creationId xmlns:a16="http://schemas.microsoft.com/office/drawing/2014/main" id="{7B2E82E5-BC17-47C0-855C-8CFD3969C2FB}"/>
-              </a:ext>
-            </a:extLst>
-          </p:cNvPr>
-          <p:cNvPicPr>
-            <a:picLocks noChangeAspect="1" noChangeArrowheads="1"/>
-          </p:cNvPicPr>
-          <p:nvPr/>
-        </p:nvPicPr>
-        <p:blipFill>
-          <a:blip r:embed="rId6">
-            <a:extLst>
-              <a:ext uri="{28A0092B-C50C-407E-A947-70E740481C1C}">
-                <a14:useLocalDpi xmlns:a14="http://schemas.microsoft.com/office/drawing/2010/main" val="0"/>
-              </a:ext>
-            </a:extLst>
-          </a:blip>
-          <a:srcRect/>
-          <a:stretch>
-            <a:fillRect/>
-          </a:stretch>
-        </p:blipFill>
-        <p:spPr bwMode="auto">
-          <a:xfrm>
-            <a:off x="9144000" y="1676400"/>
-            <a:ext cx="466344" cy="466344"/>
-          </a:xfrm>
-          <a:prstGeom prst="rect">
-            <a:avLst/>
-          </a:prstGeom>
-          <a:noFill/>
-          <a:ln>
-            <a:noFill/>
-          </a:ln>
-          <a:extLst>
-            <a:ext uri="{909E8E84-426E-40DD-AFC4-6F175D3DCCD1}">
-              <a14:hiddenFill xmlns:a14="http://schemas.microsoft.com/office/drawing/2010/main">
-                <a:solidFill>
-                  <a:srgbClr val="FFFFFF"/>
-                </a:solidFill>
-              </a14:hiddenFill>
-            </a:ext>
-            <a:ext uri="{91240B29-F687-4F45-9708-019B960494DF}">
-              <a14:hiddenLine xmlns:a14="http://schemas.microsoft.com/office/drawing/2010/main" w="9525">
-                <a:solidFill>
-                  <a:srgbClr val="000000"/>
-                </a:solidFill>
-                <a:miter lim="800000"/>
-                <a:headEnd/>
-                <a:tailEnd/>
-              </a14:hiddenLine>
-            </a:ext>
-          </a:extLst>
-        </p:spPr>
-      </p:pic>
-      <p:pic>
-        <p:nvPicPr>
-          <p:cNvPr id="29" name="Graphic 7">
-            <a:extLst>
-              <a:ext uri="{FF2B5EF4-FFF2-40B4-BE49-F238E27FC236}">
-                <a16:creationId xmlns:a16="http://schemas.microsoft.com/office/drawing/2014/main" id="{C0505707-3C06-4171-96DC-115DBAED952A}"/>
-              </a:ext>
-            </a:extLst>
-          </p:cNvPr>
-          <p:cNvPicPr>
-            <a:picLocks noChangeAspect="1" noChangeArrowheads="1"/>
-          </p:cNvPicPr>
-          <p:nvPr/>
-        </p:nvPicPr>
-        <p:blipFill>
-          <a:blip r:embed="rId7">
+          <a:blip r:embed="rId3">
             <a:extLst>
               <a:ext uri="{28A0092B-C50C-407E-A947-70E740481C1C}">
                 <a14:useLocalDpi xmlns:a14="http://schemas.microsoft.com/office/drawing/2010/main" val="0"/>
@@ -5529,7 +4706,7 @@
           <p:nvPr/>
         </p:nvPicPr>
         <p:blipFill>
-          <a:blip r:embed="rId7">
+          <a:blip r:embed="rId3">
             <a:extLst>
               <a:ext uri="{28A0092B-C50C-407E-A947-70E740481C1C}">
                 <a14:useLocalDpi xmlns:a14="http://schemas.microsoft.com/office/drawing/2010/main" val="0"/>
@@ -5590,8 +4767,8 @@
         </p:nvSpPr>
         <p:spPr bwMode="auto">
           <a:xfrm>
-            <a:off x="182880" y="3063240"/>
-            <a:ext cx="822960" cy="274320"/>
+            <a:off x="161925" y="3072639"/>
+            <a:ext cx="914400" cy="274320"/>
           </a:xfrm>
           <a:prstGeom prst="rect">
             <a:avLst/>
@@ -5725,7 +4902,7 @@
           <a:p>
             <a:pPr algn="ctr" eaLnBrk="1" hangingPunct="1"/>
             <a:r>
-              <a:rPr lang="en-US" altLang="en-US" sz="1100" dirty="0">
+              <a:rPr lang="en-US" altLang="en-US" sz="1200" dirty="0">
                 <a:latin typeface="Arial" panose="020B0604020202020204" pitchFamily="34" charset="0"/>
                 <a:ea typeface="Amazon Ember" panose="020B0603020204020204" pitchFamily="34" charset="0"/>
                 <a:cs typeface="Arial" panose="020B0604020202020204" pitchFamily="34" charset="0"/>
@@ -5751,8 +4928,8 @@
         </p:nvSpPr>
         <p:spPr bwMode="auto">
           <a:xfrm>
-            <a:off x="155448" y="4754880"/>
-            <a:ext cx="914400" cy="261610"/>
+            <a:off x="105410" y="4754880"/>
+            <a:ext cx="1005840" cy="276999"/>
           </a:xfrm>
           <a:prstGeom prst="rect">
             <a:avLst/>
@@ -5886,7 +5063,7 @@
           <a:p>
             <a:pPr algn="ctr" eaLnBrk="1" hangingPunct="1"/>
             <a:r>
-              <a:rPr lang="en-US" altLang="en-US" sz="1100" dirty="0">
+              <a:rPr lang="en-US" altLang="en-US" sz="1200" dirty="0">
                 <a:latin typeface="Arial" panose="020B0604020202020204" pitchFamily="34" charset="0"/>
                 <a:ea typeface="Amazon Ember" panose="020B0603020204020204" pitchFamily="34" charset="0"/>
                 <a:cs typeface="Arial" panose="020B0604020202020204" pitchFamily="34" charset="0"/>
@@ -5896,33 +5073,662 @@
           </a:p>
         </p:txBody>
       </p:sp>
+      <p:sp>
+        <p:nvSpPr>
+          <p:cNvPr id="44" name="Rectangle 43">
+            <a:extLst>
+              <a:ext uri="{FF2B5EF4-FFF2-40B4-BE49-F238E27FC236}">
+                <a16:creationId xmlns:a16="http://schemas.microsoft.com/office/drawing/2014/main" id="{0414589F-2F3E-4D10-B155-EC7EBF1B807C}"/>
+              </a:ext>
+            </a:extLst>
+          </p:cNvPr>
+          <p:cNvSpPr/>
+          <p:nvPr/>
+        </p:nvSpPr>
+        <p:spPr>
+          <a:xfrm>
+            <a:off x="1737360" y="1005840"/>
+            <a:ext cx="9235440" cy="4206240"/>
+          </a:xfrm>
+          <a:prstGeom prst="rect">
+            <a:avLst/>
+          </a:prstGeom>
+          <a:noFill/>
+          <a:ln w="15875">
+            <a:solidFill>
+              <a:srgbClr val="8C4FFF"/>
+            </a:solidFill>
+          </a:ln>
+        </p:spPr>
+        <p:style>
+          <a:lnRef idx="2">
+            <a:schemeClr val="accent1">
+              <a:shade val="50000"/>
+            </a:schemeClr>
+          </a:lnRef>
+          <a:fillRef idx="1">
+            <a:schemeClr val="accent1"/>
+          </a:fillRef>
+          <a:effectRef idx="0">
+            <a:schemeClr val="accent1"/>
+          </a:effectRef>
+          <a:fontRef idx="minor">
+            <a:schemeClr val="lt1"/>
+          </a:fontRef>
+        </p:style>
+        <p:txBody>
+          <a:bodyPr lIns="502920" tIns="91440"/>
+          <a:lstStyle/>
+          <a:p>
+            <a:pPr eaLnBrk="1" fontAlgn="auto" hangingPunct="1">
+              <a:spcBef>
+                <a:spcPts val="0"/>
+              </a:spcBef>
+              <a:spcAft>
+                <a:spcPts val="0"/>
+              </a:spcAft>
+              <a:defRPr/>
+            </a:pPr>
+            <a:r>
+              <a:rPr lang="en-US" sz="1200" dirty="0">
+                <a:ln w="0"/>
+                <a:solidFill>
+                  <a:schemeClr val="tx1"/>
+                </a:solidFill>
+                <a:latin typeface="Arial" panose="020B0604020202020204" pitchFamily="34" charset="0"/>
+                <a:cs typeface="Arial" panose="020B0604020202020204" pitchFamily="34" charset="0"/>
+              </a:rPr>
+              <a:t>VPC</a:t>
+            </a:r>
+          </a:p>
+        </p:txBody>
+      </p:sp>
+      <p:pic>
+        <p:nvPicPr>
+          <p:cNvPr id="45" name="Graphic 44">
+            <a:extLst>
+              <a:ext uri="{FF2B5EF4-FFF2-40B4-BE49-F238E27FC236}">
+                <a16:creationId xmlns:a16="http://schemas.microsoft.com/office/drawing/2014/main" id="{8D7DB1F1-D303-40E3-8CC9-6874931931CA}"/>
+              </a:ext>
+            </a:extLst>
+          </p:cNvPr>
+          <p:cNvPicPr>
+            <a:picLocks noChangeAspect="1"/>
+          </p:cNvPicPr>
+          <p:nvPr/>
+        </p:nvPicPr>
+        <p:blipFill>
+          <a:blip r:embed="rId4">
+            <a:extLst>
+              <a:ext uri="{96DAC541-7B7A-43D3-8B79-37D633B846F1}">
+                <asvg:svgBlip xmlns:asvg="http://schemas.microsoft.com/office/drawing/2016/SVG/main" r:embed="rId5"/>
+              </a:ext>
+            </a:extLst>
+          </a:blip>
+          <a:srcRect/>
+          <a:stretch/>
+        </p:blipFill>
+        <p:spPr>
+          <a:xfrm>
+            <a:off x="1737360" y="1005840"/>
+            <a:ext cx="381000" cy="381000"/>
+          </a:xfrm>
+          <a:prstGeom prst="rect">
+            <a:avLst/>
+          </a:prstGeom>
+        </p:spPr>
+      </p:pic>
+      <p:sp>
+        <p:nvSpPr>
+          <p:cNvPr id="46" name="Rectangle 45">
+            <a:extLst>
+              <a:ext uri="{FF2B5EF4-FFF2-40B4-BE49-F238E27FC236}">
+                <a16:creationId xmlns:a16="http://schemas.microsoft.com/office/drawing/2014/main" id="{81FD58F5-66F6-42B8-B524-4E91D6549FB5}"/>
+              </a:ext>
+            </a:extLst>
+          </p:cNvPr>
+          <p:cNvSpPr/>
+          <p:nvPr/>
+        </p:nvSpPr>
+        <p:spPr>
+          <a:xfrm>
+            <a:off x="2606040" y="640080"/>
+            <a:ext cx="2468880" cy="4754880"/>
+          </a:xfrm>
+          <a:prstGeom prst="rect">
+            <a:avLst/>
+          </a:prstGeom>
+          <a:noFill/>
+          <a:ln w="15875">
+            <a:solidFill>
+              <a:srgbClr val="00A4A6"/>
+            </a:solidFill>
+            <a:prstDash val="dash"/>
+          </a:ln>
+        </p:spPr>
+        <p:style>
+          <a:lnRef idx="2">
+            <a:schemeClr val="accent1">
+              <a:shade val="50000"/>
+            </a:schemeClr>
+          </a:lnRef>
+          <a:fillRef idx="1">
+            <a:schemeClr val="accent1"/>
+          </a:fillRef>
+          <a:effectRef idx="0">
+            <a:schemeClr val="accent1"/>
+          </a:effectRef>
+          <a:fontRef idx="minor">
+            <a:schemeClr val="lt1"/>
+          </a:fontRef>
+        </p:style>
+        <p:txBody>
+          <a:bodyPr tIns="91440"/>
+          <a:lstStyle/>
+          <a:p>
+            <a:pPr algn="ctr" eaLnBrk="1" fontAlgn="auto" hangingPunct="1">
+              <a:spcBef>
+                <a:spcPts val="0"/>
+              </a:spcBef>
+              <a:spcAft>
+                <a:spcPts val="0"/>
+              </a:spcAft>
+              <a:defRPr/>
+            </a:pPr>
+            <a:r>
+              <a:rPr lang="en-US" sz="1200" dirty="0">
+                <a:solidFill>
+                  <a:schemeClr val="tx1"/>
+                </a:solidFill>
+                <a:latin typeface="Arial" panose="020B0604020202020204" pitchFamily="34" charset="0"/>
+                <a:cs typeface="Arial" panose="020B0604020202020204" pitchFamily="34" charset="0"/>
+              </a:rPr>
+              <a:t>Availability Zone 1</a:t>
+            </a:r>
+          </a:p>
+        </p:txBody>
+      </p:sp>
+      <p:sp>
+        <p:nvSpPr>
+          <p:cNvPr id="49" name="Rectangle 48">
+            <a:extLst>
+              <a:ext uri="{FF2B5EF4-FFF2-40B4-BE49-F238E27FC236}">
+                <a16:creationId xmlns:a16="http://schemas.microsoft.com/office/drawing/2014/main" id="{EA5CB5BC-2D5A-4626-A05C-BF03AA81F266}"/>
+              </a:ext>
+            </a:extLst>
+          </p:cNvPr>
+          <p:cNvSpPr/>
+          <p:nvPr/>
+        </p:nvSpPr>
+        <p:spPr>
+          <a:xfrm>
+            <a:off x="5394960" y="640080"/>
+            <a:ext cx="2468880" cy="4754880"/>
+          </a:xfrm>
+          <a:prstGeom prst="rect">
+            <a:avLst/>
+          </a:prstGeom>
+          <a:noFill/>
+          <a:ln w="15875">
+            <a:solidFill>
+              <a:srgbClr val="00A4A6"/>
+            </a:solidFill>
+            <a:prstDash val="dash"/>
+          </a:ln>
+        </p:spPr>
+        <p:style>
+          <a:lnRef idx="2">
+            <a:schemeClr val="accent1">
+              <a:shade val="50000"/>
+            </a:schemeClr>
+          </a:lnRef>
+          <a:fillRef idx="1">
+            <a:schemeClr val="accent1"/>
+          </a:fillRef>
+          <a:effectRef idx="0">
+            <a:schemeClr val="accent1"/>
+          </a:effectRef>
+          <a:fontRef idx="minor">
+            <a:schemeClr val="lt1"/>
+          </a:fontRef>
+        </p:style>
+        <p:txBody>
+          <a:bodyPr tIns="91440"/>
+          <a:lstStyle/>
+          <a:p>
+            <a:pPr algn="ctr" eaLnBrk="1" fontAlgn="auto" hangingPunct="1">
+              <a:spcBef>
+                <a:spcPts val="0"/>
+              </a:spcBef>
+              <a:spcAft>
+                <a:spcPts val="0"/>
+              </a:spcAft>
+              <a:defRPr/>
+            </a:pPr>
+            <a:r>
+              <a:rPr lang="en-US" sz="1200" dirty="0">
+                <a:solidFill>
+                  <a:schemeClr val="tx1"/>
+                </a:solidFill>
+                <a:latin typeface="Arial" panose="020B0604020202020204" pitchFamily="34" charset="0"/>
+                <a:cs typeface="Arial" panose="020B0604020202020204" pitchFamily="34" charset="0"/>
+              </a:rPr>
+              <a:t>Availability Zone 2</a:t>
+            </a:r>
+          </a:p>
+        </p:txBody>
+      </p:sp>
+      <p:sp>
+        <p:nvSpPr>
+          <p:cNvPr id="50" name="Rectangle 49">
+            <a:extLst>
+              <a:ext uri="{FF2B5EF4-FFF2-40B4-BE49-F238E27FC236}">
+                <a16:creationId xmlns:a16="http://schemas.microsoft.com/office/drawing/2014/main" id="{78AFA824-2B40-4702-9A6E-934B505FF082}"/>
+              </a:ext>
+            </a:extLst>
+          </p:cNvPr>
+          <p:cNvSpPr/>
+          <p:nvPr/>
+        </p:nvSpPr>
+        <p:spPr>
+          <a:xfrm>
+            <a:off x="8138160" y="640080"/>
+            <a:ext cx="2468880" cy="4754880"/>
+          </a:xfrm>
+          <a:prstGeom prst="rect">
+            <a:avLst/>
+          </a:prstGeom>
+          <a:noFill/>
+          <a:ln w="15875">
+            <a:solidFill>
+              <a:srgbClr val="00A4A6"/>
+            </a:solidFill>
+            <a:prstDash val="dash"/>
+          </a:ln>
+        </p:spPr>
+        <p:style>
+          <a:lnRef idx="2">
+            <a:schemeClr val="accent1">
+              <a:shade val="50000"/>
+            </a:schemeClr>
+          </a:lnRef>
+          <a:fillRef idx="1">
+            <a:schemeClr val="accent1"/>
+          </a:fillRef>
+          <a:effectRef idx="0">
+            <a:schemeClr val="accent1"/>
+          </a:effectRef>
+          <a:fontRef idx="minor">
+            <a:schemeClr val="lt1"/>
+          </a:fontRef>
+        </p:style>
+        <p:txBody>
+          <a:bodyPr tIns="91440"/>
+          <a:lstStyle/>
+          <a:p>
+            <a:pPr algn="ctr" eaLnBrk="1" fontAlgn="auto" hangingPunct="1">
+              <a:spcBef>
+                <a:spcPts val="0"/>
+              </a:spcBef>
+              <a:spcAft>
+                <a:spcPts val="0"/>
+              </a:spcAft>
+              <a:defRPr/>
+            </a:pPr>
+            <a:r>
+              <a:rPr lang="en-US" sz="1200" dirty="0">
+                <a:solidFill>
+                  <a:schemeClr val="tx1"/>
+                </a:solidFill>
+                <a:latin typeface="Arial" panose="020B0604020202020204" pitchFamily="34" charset="0"/>
+                <a:cs typeface="Arial" panose="020B0604020202020204" pitchFamily="34" charset="0"/>
+              </a:rPr>
+              <a:t>Availability Zone 3</a:t>
+            </a:r>
+          </a:p>
+        </p:txBody>
+      </p:sp>
+      <p:sp>
+        <p:nvSpPr>
+          <p:cNvPr id="51" name="Rectangle 50">
+            <a:extLst>
+              <a:ext uri="{FF2B5EF4-FFF2-40B4-BE49-F238E27FC236}">
+                <a16:creationId xmlns:a16="http://schemas.microsoft.com/office/drawing/2014/main" id="{5DEEDC32-FFAA-467C-B5DE-C3E3AE9040BB}"/>
+              </a:ext>
+            </a:extLst>
+          </p:cNvPr>
+          <p:cNvSpPr/>
+          <p:nvPr/>
+        </p:nvSpPr>
+        <p:spPr>
+          <a:xfrm>
+            <a:off x="2743200" y="1280160"/>
+            <a:ext cx="2194560" cy="3840480"/>
+          </a:xfrm>
+          <a:prstGeom prst="rect">
+            <a:avLst/>
+          </a:prstGeom>
+          <a:noFill/>
+          <a:ln w="15875">
+            <a:solidFill>
+              <a:srgbClr val="7AA116"/>
+            </a:solidFill>
+            <a:prstDash val="solid"/>
+          </a:ln>
+        </p:spPr>
+        <p:style>
+          <a:lnRef idx="2">
+            <a:schemeClr val="accent1">
+              <a:shade val="50000"/>
+            </a:schemeClr>
+          </a:lnRef>
+          <a:fillRef idx="1">
+            <a:schemeClr val="accent1"/>
+          </a:fillRef>
+          <a:effectRef idx="0">
+            <a:schemeClr val="accent1"/>
+          </a:effectRef>
+          <a:fontRef idx="minor">
+            <a:schemeClr val="lt1"/>
+          </a:fontRef>
+        </p:style>
+        <p:txBody>
+          <a:bodyPr lIns="502920" tIns="91440" bIns="45720"/>
+          <a:lstStyle/>
+          <a:p>
+            <a:pPr eaLnBrk="1" fontAlgn="auto" hangingPunct="1">
+              <a:spcBef>
+                <a:spcPts val="0"/>
+              </a:spcBef>
+              <a:spcAft>
+                <a:spcPts val="0"/>
+              </a:spcAft>
+              <a:defRPr/>
+            </a:pPr>
+            <a:r>
+              <a:rPr lang="en-US" sz="1200" dirty="0">
+                <a:solidFill>
+                  <a:schemeClr val="tx1"/>
+                </a:solidFill>
+                <a:latin typeface="Arial" panose="020B0604020202020204" pitchFamily="34" charset="0"/>
+                <a:cs typeface="Arial" panose="020B0604020202020204" pitchFamily="34" charset="0"/>
+              </a:rPr>
+              <a:t>Public subnet</a:t>
+            </a:r>
+          </a:p>
+        </p:txBody>
+      </p:sp>
+      <p:pic>
+        <p:nvPicPr>
+          <p:cNvPr id="52" name="Graphic 51">
+            <a:extLst>
+              <a:ext uri="{FF2B5EF4-FFF2-40B4-BE49-F238E27FC236}">
+                <a16:creationId xmlns:a16="http://schemas.microsoft.com/office/drawing/2014/main" id="{C6AC2467-CE20-4E67-B41A-DCDDD5E6F7ED}"/>
+              </a:ext>
+            </a:extLst>
+          </p:cNvPr>
+          <p:cNvPicPr>
+            <a:picLocks noChangeAspect="1"/>
+          </p:cNvPicPr>
+          <p:nvPr/>
+        </p:nvPicPr>
+        <p:blipFill>
+          <a:blip r:embed="rId6">
+            <a:extLst>
+              <a:ext uri="{96DAC541-7B7A-43D3-8B79-37D633B846F1}">
+                <asvg:svgBlip xmlns:asvg="http://schemas.microsoft.com/office/drawing/2016/SVG/main" r:embed="rId7"/>
+              </a:ext>
+            </a:extLst>
+          </a:blip>
+          <a:srcRect/>
+          <a:stretch/>
+        </p:blipFill>
+        <p:spPr>
+          <a:xfrm>
+            <a:off x="2743200" y="1280160"/>
+            <a:ext cx="381000" cy="381000"/>
+          </a:xfrm>
+          <a:prstGeom prst="rect">
+            <a:avLst/>
+          </a:prstGeom>
+        </p:spPr>
+      </p:pic>
+      <p:sp>
+        <p:nvSpPr>
+          <p:cNvPr id="53" name="Rectangle 52">
+            <a:extLst>
+              <a:ext uri="{FF2B5EF4-FFF2-40B4-BE49-F238E27FC236}">
+                <a16:creationId xmlns:a16="http://schemas.microsoft.com/office/drawing/2014/main" id="{8C85D756-26BF-4E0F-B179-36BBC8CE8BD6}"/>
+              </a:ext>
+            </a:extLst>
+          </p:cNvPr>
+          <p:cNvSpPr/>
+          <p:nvPr/>
+        </p:nvSpPr>
+        <p:spPr>
+          <a:xfrm>
+            <a:off x="5532120" y="1280160"/>
+            <a:ext cx="2194560" cy="3840480"/>
+          </a:xfrm>
+          <a:prstGeom prst="rect">
+            <a:avLst/>
+          </a:prstGeom>
+          <a:noFill/>
+          <a:ln w="15875">
+            <a:solidFill>
+              <a:srgbClr val="7AA116"/>
+            </a:solidFill>
+            <a:prstDash val="solid"/>
+          </a:ln>
+        </p:spPr>
+        <p:style>
+          <a:lnRef idx="2">
+            <a:schemeClr val="accent1">
+              <a:shade val="50000"/>
+            </a:schemeClr>
+          </a:lnRef>
+          <a:fillRef idx="1">
+            <a:schemeClr val="accent1"/>
+          </a:fillRef>
+          <a:effectRef idx="0">
+            <a:schemeClr val="accent1"/>
+          </a:effectRef>
+          <a:fontRef idx="minor">
+            <a:schemeClr val="lt1"/>
+          </a:fontRef>
+        </p:style>
+        <p:txBody>
+          <a:bodyPr lIns="502920" tIns="91440" bIns="45720"/>
+          <a:lstStyle/>
+          <a:p>
+            <a:pPr eaLnBrk="1" fontAlgn="auto" hangingPunct="1">
+              <a:spcBef>
+                <a:spcPts val="0"/>
+              </a:spcBef>
+              <a:spcAft>
+                <a:spcPts val="0"/>
+              </a:spcAft>
+              <a:defRPr/>
+            </a:pPr>
+            <a:r>
+              <a:rPr lang="en-US" sz="1200">
+                <a:solidFill>
+                  <a:schemeClr val="tx1"/>
+                </a:solidFill>
+                <a:latin typeface="Arial" panose="020B0604020202020204" pitchFamily="34" charset="0"/>
+                <a:cs typeface="Arial" panose="020B0604020202020204" pitchFamily="34" charset="0"/>
+              </a:rPr>
+              <a:t>Public subnet</a:t>
+            </a:r>
+          </a:p>
+        </p:txBody>
+      </p:sp>
+      <p:pic>
+        <p:nvPicPr>
+          <p:cNvPr id="54" name="Graphic 53">
+            <a:extLst>
+              <a:ext uri="{FF2B5EF4-FFF2-40B4-BE49-F238E27FC236}">
+                <a16:creationId xmlns:a16="http://schemas.microsoft.com/office/drawing/2014/main" id="{9D00209A-6E84-4E9E-94F2-8DF87379B396}"/>
+              </a:ext>
+            </a:extLst>
+          </p:cNvPr>
+          <p:cNvPicPr>
+            <a:picLocks noChangeAspect="1"/>
+          </p:cNvPicPr>
+          <p:nvPr/>
+        </p:nvPicPr>
+        <p:blipFill>
+          <a:blip r:embed="rId6">
+            <a:extLst>
+              <a:ext uri="{96DAC541-7B7A-43D3-8B79-37D633B846F1}">
+                <asvg:svgBlip xmlns:asvg="http://schemas.microsoft.com/office/drawing/2016/SVG/main" r:embed="rId7"/>
+              </a:ext>
+            </a:extLst>
+          </a:blip>
+          <a:srcRect/>
+          <a:stretch/>
+        </p:blipFill>
+        <p:spPr>
+          <a:xfrm>
+            <a:off x="5532120" y="1280160"/>
+            <a:ext cx="381000" cy="381000"/>
+          </a:xfrm>
+          <a:prstGeom prst="rect">
+            <a:avLst/>
+          </a:prstGeom>
+        </p:spPr>
+      </p:pic>
+      <p:sp>
+        <p:nvSpPr>
+          <p:cNvPr id="55" name="Rectangle 54">
+            <a:extLst>
+              <a:ext uri="{FF2B5EF4-FFF2-40B4-BE49-F238E27FC236}">
+                <a16:creationId xmlns:a16="http://schemas.microsoft.com/office/drawing/2014/main" id="{8D26FF7D-62DD-4314-AB95-0B6B8D2F4BE4}"/>
+              </a:ext>
+            </a:extLst>
+          </p:cNvPr>
+          <p:cNvSpPr/>
+          <p:nvPr/>
+        </p:nvSpPr>
+        <p:spPr>
+          <a:xfrm>
+            <a:off x="8229600" y="1280160"/>
+            <a:ext cx="2194560" cy="3840480"/>
+          </a:xfrm>
+          <a:prstGeom prst="rect">
+            <a:avLst/>
+          </a:prstGeom>
+          <a:noFill/>
+          <a:ln w="15875">
+            <a:solidFill>
+              <a:srgbClr val="7AA116"/>
+            </a:solidFill>
+            <a:prstDash val="solid"/>
+          </a:ln>
+        </p:spPr>
+        <p:style>
+          <a:lnRef idx="2">
+            <a:schemeClr val="accent1">
+              <a:shade val="50000"/>
+            </a:schemeClr>
+          </a:lnRef>
+          <a:fillRef idx="1">
+            <a:schemeClr val="accent1"/>
+          </a:fillRef>
+          <a:effectRef idx="0">
+            <a:schemeClr val="accent1"/>
+          </a:effectRef>
+          <a:fontRef idx="minor">
+            <a:schemeClr val="lt1"/>
+          </a:fontRef>
+        </p:style>
+        <p:txBody>
+          <a:bodyPr lIns="502920" tIns="91440" bIns="45720"/>
+          <a:lstStyle/>
+          <a:p>
+            <a:pPr eaLnBrk="1" fontAlgn="auto" hangingPunct="1">
+              <a:spcBef>
+                <a:spcPts val="0"/>
+              </a:spcBef>
+              <a:spcAft>
+                <a:spcPts val="0"/>
+              </a:spcAft>
+              <a:defRPr/>
+            </a:pPr>
+            <a:r>
+              <a:rPr lang="en-US" sz="1200">
+                <a:solidFill>
+                  <a:schemeClr val="tx1"/>
+                </a:solidFill>
+                <a:latin typeface="Arial" panose="020B0604020202020204" pitchFamily="34" charset="0"/>
+                <a:cs typeface="Arial" panose="020B0604020202020204" pitchFamily="34" charset="0"/>
+              </a:rPr>
+              <a:t>Public subnet</a:t>
+            </a:r>
+          </a:p>
+        </p:txBody>
+      </p:sp>
+      <p:pic>
+        <p:nvPicPr>
+          <p:cNvPr id="56" name="Graphic 55">
+            <a:extLst>
+              <a:ext uri="{FF2B5EF4-FFF2-40B4-BE49-F238E27FC236}">
+                <a16:creationId xmlns:a16="http://schemas.microsoft.com/office/drawing/2014/main" id="{77E8FB49-5457-4958-8E9C-E0F351CF676D}"/>
+              </a:ext>
+            </a:extLst>
+          </p:cNvPr>
+          <p:cNvPicPr>
+            <a:picLocks noChangeAspect="1"/>
+          </p:cNvPicPr>
+          <p:nvPr/>
+        </p:nvPicPr>
+        <p:blipFill>
+          <a:blip r:embed="rId6">
+            <a:extLst>
+              <a:ext uri="{96DAC541-7B7A-43D3-8B79-37D633B846F1}">
+                <asvg:svgBlip xmlns:asvg="http://schemas.microsoft.com/office/drawing/2016/SVG/main" r:embed="rId7"/>
+              </a:ext>
+            </a:extLst>
+          </a:blip>
+          <a:srcRect/>
+          <a:stretch/>
+        </p:blipFill>
+        <p:spPr>
+          <a:xfrm>
+            <a:off x="8229600" y="1280160"/>
+            <a:ext cx="381000" cy="381000"/>
+          </a:xfrm>
+          <a:prstGeom prst="rect">
+            <a:avLst/>
+          </a:prstGeom>
+        </p:spPr>
+      </p:pic>
       <p:cxnSp>
         <p:nvCxnSpPr>
-          <p:cNvPr id="33" name="Straight Arrow Connector 32">
-            <a:extLst>
-              <a:ext uri="{FF2B5EF4-FFF2-40B4-BE49-F238E27FC236}">
-                <a16:creationId xmlns:a16="http://schemas.microsoft.com/office/drawing/2014/main" id="{DD6FA261-DDA2-4BB3-B53F-C167032E4011}"/>
+          <p:cNvPr id="57" name="Straight Arrow Connector 56">
+            <a:extLst>
+              <a:ext uri="{FF2B5EF4-FFF2-40B4-BE49-F238E27FC236}">
+                <a16:creationId xmlns:a16="http://schemas.microsoft.com/office/drawing/2014/main" id="{6588A117-9696-4442-A851-E1E0A56A388C}"/>
               </a:ext>
             </a:extLst>
           </p:cNvPr>
           <p:cNvCxnSpPr>
             <a:cxnSpLocks/>
-            <a:stCxn id="30" idx="3"/>
-            <a:endCxn id="21" idx="1"/>
+            <a:endCxn id="65" idx="1"/>
           </p:cNvCxnSpPr>
           <p:nvPr/>
         </p:nvCxnSpPr>
         <p:spPr>
           <a:xfrm>
-            <a:off x="1033780" y="2665730"/>
-            <a:ext cx="2532380" cy="5842"/>
+            <a:off x="1033272" y="2670048"/>
+            <a:ext cx="2532888" cy="0"/>
           </a:xfrm>
           <a:prstGeom prst="straightConnector1">
             <a:avLst/>
           </a:prstGeom>
-          <a:ln w="12700">
+          <a:ln w="15875">
             <a:solidFill>
-              <a:srgbClr val="545B64"/>
+              <a:schemeClr val="tx1"/>
             </a:solidFill>
             <a:headEnd type="none" w="med" len="sm"/>
             <a:tailEnd type="arrow" w="med" len="sm"/>
@@ -5945,31 +5751,31 @@
       </p:cxnSp>
       <p:cxnSp>
         <p:nvCxnSpPr>
-          <p:cNvPr id="35" name="Straight Arrow Connector 34">
-            <a:extLst>
-              <a:ext uri="{FF2B5EF4-FFF2-40B4-BE49-F238E27FC236}">
-                <a16:creationId xmlns:a16="http://schemas.microsoft.com/office/drawing/2014/main" id="{A71FE29A-B751-47C7-8473-921AA8B95FC8}"/>
+          <p:cNvPr id="58" name="Straight Arrow Connector 57">
+            <a:extLst>
+              <a:ext uri="{FF2B5EF4-FFF2-40B4-BE49-F238E27FC236}">
+                <a16:creationId xmlns:a16="http://schemas.microsoft.com/office/drawing/2014/main" id="{5C6B5993-8337-466B-A2A0-87E4F020DA6E}"/>
               </a:ext>
             </a:extLst>
           </p:cNvPr>
           <p:cNvCxnSpPr>
             <a:cxnSpLocks/>
             <a:stCxn id="29" idx="3"/>
-            <a:endCxn id="37" idx="1"/>
+            <a:endCxn id="64" idx="1"/>
           </p:cNvCxnSpPr>
           <p:nvPr/>
         </p:nvCxnSpPr>
         <p:spPr>
           <a:xfrm flipV="1">
-            <a:off x="1033780" y="4347972"/>
-            <a:ext cx="2532380" cy="9398"/>
+            <a:off x="1033780" y="4343400"/>
+            <a:ext cx="2532380" cy="13970"/>
           </a:xfrm>
           <a:prstGeom prst="straightConnector1">
             <a:avLst/>
           </a:prstGeom>
-          <a:ln w="12700">
+          <a:ln w="15875">
             <a:solidFill>
-              <a:srgbClr val="545B64"/>
+              <a:schemeClr val="tx1"/>
             </a:solidFill>
             <a:headEnd type="none" w="med" len="sm"/>
             <a:tailEnd type="arrow" w="med" len="sm"/>
@@ -5992,10 +5798,10 @@
       </p:cxnSp>
       <p:sp>
         <p:nvSpPr>
-          <p:cNvPr id="36" name="Rectangle 35">
-            <a:extLst>
-              <a:ext uri="{FF2B5EF4-FFF2-40B4-BE49-F238E27FC236}">
-                <a16:creationId xmlns:a16="http://schemas.microsoft.com/office/drawing/2014/main" id="{3737234A-8031-4608-BFD7-D607F3511E41}"/>
+          <p:cNvPr id="59" name="Rectangle 58">
+            <a:extLst>
+              <a:ext uri="{FF2B5EF4-FFF2-40B4-BE49-F238E27FC236}">
+                <a16:creationId xmlns:a16="http://schemas.microsoft.com/office/drawing/2014/main" id="{8722DA46-FE85-4846-91BC-CD7B7B3A6028}"/>
               </a:ext>
             </a:extLst>
           </p:cNvPr>
@@ -6004,94 +5810,16 @@
         </p:nvSpPr>
         <p:spPr>
           <a:xfrm>
-            <a:off x="1737360" y="1005840"/>
-            <a:ext cx="9235440" cy="4206240"/>
+            <a:off x="2468880" y="3200400"/>
+            <a:ext cx="8321040" cy="1783080"/>
           </a:xfrm>
           <a:prstGeom prst="rect">
             <a:avLst/>
           </a:prstGeom>
           <a:noFill/>
-          <a:ln w="12700">
+          <a:ln w="15875">
             <a:solidFill>
-              <a:srgbClr val="7030A0"/>
-            </a:solidFill>
-          </a:ln>
-        </p:spPr>
-        <p:style>
-          <a:lnRef idx="2">
-            <a:schemeClr val="accent1">
-              <a:shade val="50000"/>
-            </a:schemeClr>
-          </a:lnRef>
-          <a:fillRef idx="1">
-            <a:schemeClr val="accent1"/>
-          </a:fillRef>
-          <a:effectRef idx="0">
-            <a:schemeClr val="accent1"/>
-          </a:effectRef>
-          <a:fontRef idx="minor">
-            <a:schemeClr val="lt1"/>
-          </a:fontRef>
-        </p:style>
-        <p:txBody>
-          <a:bodyPr lIns="457200" tIns="91440"/>
-          <a:lstStyle/>
-          <a:p>
-            <a:pPr eaLnBrk="1" fontAlgn="auto" hangingPunct="1">
-              <a:spcBef>
-                <a:spcPts val="0"/>
-              </a:spcBef>
-              <a:spcAft>
-                <a:spcPts val="0"/>
-              </a:spcAft>
-              <a:defRPr/>
-            </a:pPr>
-            <a:r>
-              <a:rPr lang="en-US" sz="1200">
-                <a:ln w="0"/>
-                <a:solidFill>
-                  <a:srgbClr val="693BC5"/>
-                </a:solidFill>
-                <a:latin typeface="Arial" panose="020B0604020202020204" pitchFamily="34" charset="0"/>
-                <a:cs typeface="Arial" panose="020B0604020202020204" pitchFamily="34" charset="0"/>
-              </a:rPr>
-              <a:t>VPC</a:t>
-            </a:r>
-            <a:endParaRPr lang="en-US" sz="1200" dirty="0">
-              <a:ln w="0"/>
-              <a:solidFill>
-                <a:srgbClr val="1E8900"/>
-              </a:solidFill>
-              <a:latin typeface="Arial" panose="020B0604020202020204" pitchFamily="34" charset="0"/>
-              <a:cs typeface="Arial" panose="020B0604020202020204" pitchFamily="34" charset="0"/>
-            </a:endParaRPr>
-          </a:p>
-        </p:txBody>
-      </p:sp>
-      <p:sp>
-        <p:nvSpPr>
-          <p:cNvPr id="38" name="Rectangle 37">
-            <a:extLst>
-              <a:ext uri="{FF2B5EF4-FFF2-40B4-BE49-F238E27FC236}">
-                <a16:creationId xmlns:a16="http://schemas.microsoft.com/office/drawing/2014/main" id="{67F95474-11D3-4184-A017-F01794F69615}"/>
-              </a:ext>
-            </a:extLst>
-          </p:cNvPr>
-          <p:cNvSpPr/>
-          <p:nvPr/>
-        </p:nvSpPr>
-        <p:spPr>
-          <a:xfrm>
-            <a:off x="2606040" y="640080"/>
-            <a:ext cx="2468880" cy="4754880"/>
-          </a:xfrm>
-          <a:prstGeom prst="rect">
-            <a:avLst/>
-          </a:prstGeom>
-          <a:noFill/>
-          <a:ln w="12700">
-            <a:solidFill>
-              <a:srgbClr val="5B9CD5"/>
+              <a:srgbClr val="ED7100"/>
             </a:solidFill>
             <a:prstDash val="dash"/>
           </a:ln>
@@ -6125,66 +5853,14 @@
               </a:spcAft>
               <a:defRPr/>
             </a:pPr>
-            <a:r>
-              <a:rPr lang="en-US" sz="1200" dirty="0">
-                <a:solidFill>
-                  <a:srgbClr val="5B9CD5"/>
-                </a:solidFill>
-                <a:latin typeface="Arial" panose="020B0604020202020204" pitchFamily="34" charset="0"/>
-                <a:cs typeface="Arial" panose="020B0604020202020204" pitchFamily="34" charset="0"/>
-              </a:rPr>
-              <a:t>Availability Zone 1</a:t>
-            </a:r>
-          </a:p>
-        </p:txBody>
-      </p:sp>
-      <p:sp>
-        <p:nvSpPr>
-          <p:cNvPr id="39" name="Rectangle 38">
-            <a:extLst>
-              <a:ext uri="{FF2B5EF4-FFF2-40B4-BE49-F238E27FC236}">
-                <a16:creationId xmlns:a16="http://schemas.microsoft.com/office/drawing/2014/main" id="{B1C22E46-F3FB-4503-BFCA-39F37F94D7B6}"/>
-              </a:ext>
-            </a:extLst>
-          </p:cNvPr>
-          <p:cNvSpPr/>
-          <p:nvPr/>
-        </p:nvSpPr>
-        <p:spPr>
-          <a:xfrm>
-            <a:off x="5394960" y="640080"/>
-            <a:ext cx="2468880" cy="4754880"/>
-          </a:xfrm>
-          <a:prstGeom prst="rect">
-            <a:avLst/>
-          </a:prstGeom>
-          <a:noFill/>
-          <a:ln w="12700">
-            <a:solidFill>
-              <a:srgbClr val="5B9CD5"/>
-            </a:solidFill>
-            <a:prstDash val="dash"/>
-          </a:ln>
-        </p:spPr>
-        <p:style>
-          <a:lnRef idx="2">
-            <a:schemeClr val="accent1">
-              <a:shade val="50000"/>
-            </a:schemeClr>
-          </a:lnRef>
-          <a:fillRef idx="1">
-            <a:schemeClr val="accent1"/>
-          </a:fillRef>
-          <a:effectRef idx="0">
-            <a:schemeClr val="accent1"/>
-          </a:effectRef>
-          <a:fontRef idx="minor">
-            <a:schemeClr val="lt1"/>
-          </a:fontRef>
-        </p:style>
-        <p:txBody>
-          <a:bodyPr tIns="91440"/>
-          <a:lstStyle/>
+            <a:endParaRPr lang="en-US" sz="1200" dirty="0">
+              <a:solidFill>
+                <a:schemeClr val="tx1"/>
+              </a:solidFill>
+              <a:latin typeface="Arial" panose="020B0604020202020204" pitchFamily="34" charset="0"/>
+              <a:cs typeface="Arial" panose="020B0604020202020204" pitchFamily="34" charset="0"/>
+            </a:endParaRPr>
+          </a:p>
           <a:p>
             <a:pPr algn="ctr" eaLnBrk="1" fontAlgn="auto" hangingPunct="1">
               <a:spcBef>
@@ -6195,66 +5871,14 @@
               </a:spcAft>
               <a:defRPr/>
             </a:pPr>
-            <a:r>
-              <a:rPr lang="en-US" sz="1200" dirty="0">
-                <a:solidFill>
-                  <a:srgbClr val="5B9CD5"/>
-                </a:solidFill>
-                <a:latin typeface="Arial" panose="020B0604020202020204" pitchFamily="34" charset="0"/>
-                <a:cs typeface="Arial" panose="020B0604020202020204" pitchFamily="34" charset="0"/>
-              </a:rPr>
-              <a:t>Availability Zone 2</a:t>
-            </a:r>
-          </a:p>
-        </p:txBody>
-      </p:sp>
-      <p:sp>
-        <p:nvSpPr>
-          <p:cNvPr id="40" name="Rectangle 39">
-            <a:extLst>
-              <a:ext uri="{FF2B5EF4-FFF2-40B4-BE49-F238E27FC236}">
-                <a16:creationId xmlns:a16="http://schemas.microsoft.com/office/drawing/2014/main" id="{4356A4AC-3977-46BD-B2CA-4BFF16AEAA89}"/>
-              </a:ext>
-            </a:extLst>
-          </p:cNvPr>
-          <p:cNvSpPr/>
-          <p:nvPr/>
-        </p:nvSpPr>
-        <p:spPr>
-          <a:xfrm>
-            <a:off x="8138160" y="640080"/>
-            <a:ext cx="2468880" cy="4754880"/>
-          </a:xfrm>
-          <a:prstGeom prst="rect">
-            <a:avLst/>
-          </a:prstGeom>
-          <a:noFill/>
-          <a:ln w="12700">
-            <a:solidFill>
-              <a:srgbClr val="5B9CD5"/>
-            </a:solidFill>
-            <a:prstDash val="dash"/>
-          </a:ln>
-        </p:spPr>
-        <p:style>
-          <a:lnRef idx="2">
-            <a:schemeClr val="accent1">
-              <a:shade val="50000"/>
-            </a:schemeClr>
-          </a:lnRef>
-          <a:fillRef idx="1">
-            <a:schemeClr val="accent1"/>
-          </a:fillRef>
-          <a:effectRef idx="0">
-            <a:schemeClr val="accent1"/>
-          </a:effectRef>
-          <a:fontRef idx="minor">
-            <a:schemeClr val="lt1"/>
-          </a:fontRef>
-        </p:style>
-        <p:txBody>
-          <a:bodyPr tIns="91440"/>
-          <a:lstStyle/>
+            <a:endParaRPr lang="en-US" sz="1200" dirty="0">
+              <a:solidFill>
+                <a:schemeClr val="tx1"/>
+              </a:solidFill>
+              <a:latin typeface="Arial" panose="020B0604020202020204" pitchFamily="34" charset="0"/>
+              <a:cs typeface="Arial" panose="020B0604020202020204" pitchFamily="34" charset="0"/>
+            </a:endParaRPr>
+          </a:p>
           <a:p>
             <a:pPr algn="ctr" eaLnBrk="1" fontAlgn="auto" hangingPunct="1">
               <a:spcBef>
@@ -6268,22 +5892,22 @@
             <a:r>
               <a:rPr lang="en-US" sz="1200" dirty="0">
                 <a:solidFill>
-                  <a:srgbClr val="5B9CD5"/>
+                  <a:schemeClr val="tx1"/>
                 </a:solidFill>
                 <a:latin typeface="Arial" panose="020B0604020202020204" pitchFamily="34" charset="0"/>
                 <a:cs typeface="Arial" panose="020B0604020202020204" pitchFamily="34" charset="0"/>
               </a:rPr>
-              <a:t>Availability Zone 3</a:t>
+              <a:t>Auto Scaling group</a:t>
             </a:r>
           </a:p>
         </p:txBody>
       </p:sp>
       <p:pic>
         <p:nvPicPr>
-          <p:cNvPr id="41" name="Graphic 40">
-            <a:extLst>
-              <a:ext uri="{FF2B5EF4-FFF2-40B4-BE49-F238E27FC236}">
-                <a16:creationId xmlns:a16="http://schemas.microsoft.com/office/drawing/2014/main" id="{B0CE44FC-4F4F-4166-AB8B-D88659B8487C}"/>
+          <p:cNvPr id="60" name="Graphic 59">
+            <a:extLst>
+              <a:ext uri="{FF2B5EF4-FFF2-40B4-BE49-F238E27FC236}">
+                <a16:creationId xmlns:a16="http://schemas.microsoft.com/office/drawing/2014/main" id="{F99BA071-330E-4B9F-BA95-E84010C1F93C}"/>
               </a:ext>
             </a:extLst>
           </p:cNvPr>
@@ -6305,7 +5929,7 @@
         </p:blipFill>
         <p:spPr>
           <a:xfrm>
-            <a:off x="1737360" y="1005840"/>
+            <a:off x="6400800" y="3200400"/>
             <a:ext cx="381000" cy="381000"/>
           </a:xfrm>
           <a:prstGeom prst="rect">
@@ -6315,182 +5939,254 @@
       </p:pic>
       <p:pic>
         <p:nvPicPr>
-          <p:cNvPr id="37" name="Graphic 60">
-            <a:extLst>
-              <a:ext uri="{FF2B5EF4-FFF2-40B4-BE49-F238E27FC236}">
-                <a16:creationId xmlns:a16="http://schemas.microsoft.com/office/drawing/2014/main" id="{9823ABB0-EEF9-4C8E-A2E4-DF518FB50C98}"/>
+          <p:cNvPr id="61" name="Graphic 60">
+            <a:extLst>
+              <a:ext uri="{FF2B5EF4-FFF2-40B4-BE49-F238E27FC236}">
+                <a16:creationId xmlns:a16="http://schemas.microsoft.com/office/drawing/2014/main" id="{3E23FBC8-E966-4889-9A3D-31CC44E4354C}"/>
               </a:ext>
             </a:extLst>
           </p:cNvPr>
           <p:cNvPicPr>
-            <a:picLocks noChangeAspect="1" noChangeArrowheads="1"/>
+            <a:picLocks noChangeAspect="1"/>
           </p:cNvPicPr>
           <p:nvPr/>
         </p:nvPicPr>
         <p:blipFill>
-          <a:blip r:embed="rId5">
-            <a:extLst>
-              <a:ext uri="{28A0092B-C50C-407E-A947-70E740481C1C}">
-                <a14:useLocalDpi xmlns:a14="http://schemas.microsoft.com/office/drawing/2010/main" val="0"/>
+          <a:blip r:embed="rId10">
+            <a:extLst>
+              <a:ext uri="{96DAC541-7B7A-43D3-8B79-37D633B846F1}">
+                <asvg:svgBlip xmlns:asvg="http://schemas.microsoft.com/office/drawing/2016/SVG/main" r:embed="rId11"/>
               </a:ext>
             </a:extLst>
           </a:blip>
-          <a:srcRect/>
           <a:stretch>
             <a:fillRect/>
           </a:stretch>
         </p:blipFill>
-        <p:spPr bwMode="auto">
+        <p:spPr>
           <a:xfrm>
-            <a:off x="3566160" y="4114800"/>
-            <a:ext cx="466344" cy="466344"/>
+            <a:off x="9144000" y="1673352"/>
+            <a:ext cx="457200" cy="457200"/>
           </a:xfrm>
           <a:prstGeom prst="rect">
             <a:avLst/>
           </a:prstGeom>
-          <a:noFill/>
-          <a:ln>
-            <a:noFill/>
-          </a:ln>
-          <a:extLst>
-            <a:ext uri="{909E8E84-426E-40DD-AFC4-6F175D3DCCD1}">
-              <a14:hiddenFill xmlns:a14="http://schemas.microsoft.com/office/drawing/2010/main">
-                <a:solidFill>
-                  <a:srgbClr val="FFFFFF"/>
-                </a:solidFill>
-              </a14:hiddenFill>
-            </a:ext>
-            <a:ext uri="{91240B29-F687-4F45-9708-019B960494DF}">
-              <a14:hiddenLine xmlns:a14="http://schemas.microsoft.com/office/drawing/2010/main" w="9525">
-                <a:solidFill>
-                  <a:srgbClr val="000000"/>
-                </a:solidFill>
-                <a:miter lim="800000"/>
-                <a:headEnd/>
-                <a:tailEnd/>
-              </a14:hiddenLine>
-            </a:ext>
-          </a:extLst>
         </p:spPr>
       </p:pic>
       <p:pic>
         <p:nvPicPr>
-          <p:cNvPr id="42" name="Graphic 60">
-            <a:extLst>
-              <a:ext uri="{FF2B5EF4-FFF2-40B4-BE49-F238E27FC236}">
-                <a16:creationId xmlns:a16="http://schemas.microsoft.com/office/drawing/2014/main" id="{FF51A4C4-464B-4D9C-B42B-078D9DDF51E2}"/>
+          <p:cNvPr id="62" name="Graphic 61">
+            <a:extLst>
+              <a:ext uri="{FF2B5EF4-FFF2-40B4-BE49-F238E27FC236}">
+                <a16:creationId xmlns:a16="http://schemas.microsoft.com/office/drawing/2014/main" id="{9484D155-409C-46C1-A067-C3F7F7D99757}"/>
               </a:ext>
             </a:extLst>
           </p:cNvPr>
           <p:cNvPicPr>
-            <a:picLocks noChangeAspect="1" noChangeArrowheads="1"/>
+            <a:picLocks noChangeAspect="1"/>
           </p:cNvPicPr>
           <p:nvPr/>
         </p:nvPicPr>
         <p:blipFill>
-          <a:blip r:embed="rId5">
-            <a:extLst>
-              <a:ext uri="{28A0092B-C50C-407E-A947-70E740481C1C}">
-                <a14:useLocalDpi xmlns:a14="http://schemas.microsoft.com/office/drawing/2010/main" val="0"/>
+          <a:blip r:embed="rId10">
+            <a:extLst>
+              <a:ext uri="{96DAC541-7B7A-43D3-8B79-37D633B846F1}">
+                <asvg:svgBlip xmlns:asvg="http://schemas.microsoft.com/office/drawing/2016/SVG/main" r:embed="rId11"/>
               </a:ext>
             </a:extLst>
           </a:blip>
-          <a:srcRect/>
           <a:stretch>
             <a:fillRect/>
           </a:stretch>
         </p:blipFill>
-        <p:spPr bwMode="auto">
+        <p:spPr>
           <a:xfrm>
-            <a:off x="6355080" y="4114800"/>
-            <a:ext cx="466344" cy="466344"/>
+            <a:off x="6355080" y="1673352"/>
+            <a:ext cx="457200" cy="457200"/>
           </a:xfrm>
           <a:prstGeom prst="rect">
             <a:avLst/>
           </a:prstGeom>
-          <a:noFill/>
-          <a:ln>
-            <a:noFill/>
-          </a:ln>
-          <a:extLst>
-            <a:ext uri="{909E8E84-426E-40DD-AFC4-6F175D3DCCD1}">
-              <a14:hiddenFill xmlns:a14="http://schemas.microsoft.com/office/drawing/2010/main">
-                <a:solidFill>
-                  <a:srgbClr val="FFFFFF"/>
-                </a:solidFill>
-              </a14:hiddenFill>
-            </a:ext>
-            <a:ext uri="{91240B29-F687-4F45-9708-019B960494DF}">
-              <a14:hiddenLine xmlns:a14="http://schemas.microsoft.com/office/drawing/2010/main" w="9525">
-                <a:solidFill>
-                  <a:srgbClr val="000000"/>
-                </a:solidFill>
-                <a:miter lim="800000"/>
-                <a:headEnd/>
-                <a:tailEnd/>
-              </a14:hiddenLine>
-            </a:ext>
-          </a:extLst>
         </p:spPr>
       </p:pic>
       <p:pic>
         <p:nvPicPr>
-          <p:cNvPr id="43" name="Graphic 60">
-            <a:extLst>
-              <a:ext uri="{FF2B5EF4-FFF2-40B4-BE49-F238E27FC236}">
-                <a16:creationId xmlns:a16="http://schemas.microsoft.com/office/drawing/2014/main" id="{B285C592-50E9-4D3A-AD63-33382E34FBE0}"/>
+          <p:cNvPr id="63" name="Graphic 62">
+            <a:extLst>
+              <a:ext uri="{FF2B5EF4-FFF2-40B4-BE49-F238E27FC236}">
+                <a16:creationId xmlns:a16="http://schemas.microsoft.com/office/drawing/2014/main" id="{088860CC-4D04-4754-B497-7AE1FF20359D}"/>
               </a:ext>
             </a:extLst>
           </p:cNvPr>
           <p:cNvPicPr>
-            <a:picLocks noChangeAspect="1" noChangeArrowheads="1"/>
+            <a:picLocks noChangeAspect="1"/>
           </p:cNvPicPr>
           <p:nvPr/>
         </p:nvPicPr>
         <p:blipFill>
-          <a:blip r:embed="rId5">
-            <a:extLst>
-              <a:ext uri="{28A0092B-C50C-407E-A947-70E740481C1C}">
-                <a14:useLocalDpi xmlns:a14="http://schemas.microsoft.com/office/drawing/2010/main" val="0"/>
+          <a:blip r:embed="rId10">
+            <a:extLst>
+              <a:ext uri="{96DAC541-7B7A-43D3-8B79-37D633B846F1}">
+                <asvg:svgBlip xmlns:asvg="http://schemas.microsoft.com/office/drawing/2016/SVG/main" r:embed="rId11"/>
               </a:ext>
             </a:extLst>
           </a:blip>
-          <a:srcRect/>
           <a:stretch>
             <a:fillRect/>
           </a:stretch>
         </p:blipFill>
-        <p:spPr bwMode="auto">
+        <p:spPr>
           <a:xfrm>
-            <a:off x="9144000" y="4114800"/>
-            <a:ext cx="466344" cy="466344"/>
+            <a:off x="3566160" y="1673352"/>
+            <a:ext cx="457200" cy="457200"/>
           </a:xfrm>
           <a:prstGeom prst="rect">
             <a:avLst/>
           </a:prstGeom>
-          <a:noFill/>
-          <a:ln>
-            <a:noFill/>
-          </a:ln>
-          <a:extLst>
-            <a:ext uri="{909E8E84-426E-40DD-AFC4-6F175D3DCCD1}">
-              <a14:hiddenFill xmlns:a14="http://schemas.microsoft.com/office/drawing/2010/main">
-                <a:solidFill>
-                  <a:srgbClr val="FFFFFF"/>
-                </a:solidFill>
-              </a14:hiddenFill>
-            </a:ext>
-            <a:ext uri="{91240B29-F687-4F45-9708-019B960494DF}">
-              <a14:hiddenLine xmlns:a14="http://schemas.microsoft.com/office/drawing/2010/main" w="9525">
-                <a:solidFill>
-                  <a:srgbClr val="000000"/>
-                </a:solidFill>
-                <a:miter lim="800000"/>
-                <a:headEnd/>
-                <a:tailEnd/>
-              </a14:hiddenLine>
-            </a:ext>
-          </a:extLst>
+        </p:spPr>
+      </p:pic>
+      <p:pic>
+        <p:nvPicPr>
+          <p:cNvPr id="64" name="Graphic 63">
+            <a:extLst>
+              <a:ext uri="{FF2B5EF4-FFF2-40B4-BE49-F238E27FC236}">
+                <a16:creationId xmlns:a16="http://schemas.microsoft.com/office/drawing/2014/main" id="{C6B4FCBA-C497-4BC6-8391-AD3222D72769}"/>
+              </a:ext>
+            </a:extLst>
+          </p:cNvPr>
+          <p:cNvPicPr>
+            <a:picLocks noChangeAspect="1"/>
+          </p:cNvPicPr>
+          <p:nvPr/>
+        </p:nvPicPr>
+        <p:blipFill>
+          <a:blip r:embed="rId12">
+            <a:extLst>
+              <a:ext uri="{96DAC541-7B7A-43D3-8B79-37D633B846F1}">
+                <asvg:svgBlip xmlns:asvg="http://schemas.microsoft.com/office/drawing/2016/SVG/main" r:embed="rId13"/>
+              </a:ext>
+            </a:extLst>
+          </a:blip>
+          <a:stretch>
+            <a:fillRect/>
+          </a:stretch>
+        </p:blipFill>
+        <p:spPr>
+          <a:xfrm>
+            <a:off x="3566160" y="4114800"/>
+            <a:ext cx="457200" cy="457200"/>
+          </a:xfrm>
+          <a:prstGeom prst="rect">
+            <a:avLst/>
+          </a:prstGeom>
+        </p:spPr>
+      </p:pic>
+      <p:pic>
+        <p:nvPicPr>
+          <p:cNvPr id="65" name="Graphic 64">
+            <a:extLst>
+              <a:ext uri="{FF2B5EF4-FFF2-40B4-BE49-F238E27FC236}">
+                <a16:creationId xmlns:a16="http://schemas.microsoft.com/office/drawing/2014/main" id="{F6039F53-DE09-4CA9-9C77-5C4E3D47DB45}"/>
+              </a:ext>
+            </a:extLst>
+          </p:cNvPr>
+          <p:cNvPicPr>
+            <a:picLocks noChangeAspect="1"/>
+          </p:cNvPicPr>
+          <p:nvPr/>
+        </p:nvPicPr>
+        <p:blipFill>
+          <a:blip r:embed="rId12">
+            <a:extLst>
+              <a:ext uri="{96DAC541-7B7A-43D3-8B79-37D633B846F1}">
+                <asvg:svgBlip xmlns:asvg="http://schemas.microsoft.com/office/drawing/2016/SVG/main" r:embed="rId13"/>
+              </a:ext>
+            </a:extLst>
+          </a:blip>
+          <a:stretch>
+            <a:fillRect/>
+          </a:stretch>
+        </p:blipFill>
+        <p:spPr>
+          <a:xfrm>
+            <a:off x="3566160" y="2441448"/>
+            <a:ext cx="457200" cy="457200"/>
+          </a:xfrm>
+          <a:prstGeom prst="rect">
+            <a:avLst/>
+          </a:prstGeom>
+        </p:spPr>
+      </p:pic>
+      <p:pic>
+        <p:nvPicPr>
+          <p:cNvPr id="66" name="Graphic 65">
+            <a:extLst>
+              <a:ext uri="{FF2B5EF4-FFF2-40B4-BE49-F238E27FC236}">
+                <a16:creationId xmlns:a16="http://schemas.microsoft.com/office/drawing/2014/main" id="{1199431F-5B81-4E3A-BC55-A1A59514B90F}"/>
+              </a:ext>
+            </a:extLst>
+          </p:cNvPr>
+          <p:cNvPicPr>
+            <a:picLocks noChangeAspect="1"/>
+          </p:cNvPicPr>
+          <p:nvPr/>
+        </p:nvPicPr>
+        <p:blipFill>
+          <a:blip r:embed="rId12">
+            <a:extLst>
+              <a:ext uri="{96DAC541-7B7A-43D3-8B79-37D633B846F1}">
+                <asvg:svgBlip xmlns:asvg="http://schemas.microsoft.com/office/drawing/2016/SVG/main" r:embed="rId13"/>
+              </a:ext>
+            </a:extLst>
+          </a:blip>
+          <a:stretch>
+            <a:fillRect/>
+          </a:stretch>
+        </p:blipFill>
+        <p:spPr>
+          <a:xfrm>
+            <a:off x="9144000" y="4114800"/>
+            <a:ext cx="457200" cy="457200"/>
+          </a:xfrm>
+          <a:prstGeom prst="rect">
+            <a:avLst/>
+          </a:prstGeom>
+        </p:spPr>
+      </p:pic>
+      <p:pic>
+        <p:nvPicPr>
+          <p:cNvPr id="67" name="Graphic 66">
+            <a:extLst>
+              <a:ext uri="{FF2B5EF4-FFF2-40B4-BE49-F238E27FC236}">
+                <a16:creationId xmlns:a16="http://schemas.microsoft.com/office/drawing/2014/main" id="{26FE88E0-9044-44A4-BB81-AB6340A73BBF}"/>
+              </a:ext>
+            </a:extLst>
+          </p:cNvPr>
+          <p:cNvPicPr>
+            <a:picLocks noChangeAspect="1"/>
+          </p:cNvPicPr>
+          <p:nvPr/>
+        </p:nvPicPr>
+        <p:blipFill>
+          <a:blip r:embed="rId12">
+            <a:extLst>
+              <a:ext uri="{96DAC541-7B7A-43D3-8B79-37D633B846F1}">
+                <asvg:svgBlip xmlns:asvg="http://schemas.microsoft.com/office/drawing/2016/SVG/main" r:embed="rId13"/>
+              </a:ext>
+            </a:extLst>
+          </a:blip>
+          <a:stretch>
+            <a:fillRect/>
+          </a:stretch>
+        </p:blipFill>
+        <p:spPr>
+          <a:xfrm>
+            <a:off x="6355080" y="4114800"/>
+            <a:ext cx="457200" cy="457200"/>
+          </a:xfrm>
+          <a:prstGeom prst="rect">
+            <a:avLst/>
+          </a:prstGeom>
         </p:spPr>
       </p:pic>
     </p:spTree>
